--- a/misc/Menu Letter 8.5 by 11 on 12-12-24/2_Letter_DaBeast Services Menu.pptx
+++ b/misc/Menu Letter 8.5 by 11 on 12-12-24/2_Letter_DaBeast Services Menu.pptx
@@ -21,7 +21,7 @@
       <p:boldItalic r:id="rId7"/>
     </p:embeddedFont>
     <p:embeddedFont>
-      <p:font typeface="Open Sans" panose="020B0606030504020204" pitchFamily="34" charset="0"/>
+      <p:font typeface="Open Sans" panose="020B0604020202020204" charset="0"/>
       <p:regular r:id="rId8"/>
       <p:bold r:id="rId9"/>
       <p:italic r:id="rId10"/>
@@ -15428,14 +15428,14 @@
       </p:pic>
       <p:sp>
         <p:nvSpPr>
-          <p:cNvPr id="93" name="Google Shape;93;p13"/>
+          <p:cNvPr id="94" name="Google Shape;94;p13"/>
           <p:cNvSpPr txBox="1"/>
           <p:nvPr/>
         </p:nvSpPr>
         <p:spPr>
           <a:xfrm>
-            <a:off x="303733" y="2150208"/>
-            <a:ext cx="7127100" cy="3411000"/>
+            <a:off x="341567" y="6501007"/>
+            <a:ext cx="3357300" cy="2487002"/>
           </a:xfrm>
           <a:prstGeom prst="rect">
             <a:avLst/>
@@ -15478,649 +15478,9 @@
                 <a:cs typeface="Arial Narrow"/>
                 <a:sym typeface="Arial Narrow"/>
               </a:rPr>
-              <a:t>Lunch / Dinner</a:t>
-            </a:r>
-            <a:endParaRPr sz="4000" b="0" i="0" u="none" strike="noStrike" cap="none" dirty="0">
-              <a:solidFill>
-                <a:schemeClr val="lt1"/>
-              </a:solidFill>
-              <a:latin typeface="Arial Narrow"/>
-              <a:ea typeface="Arial Narrow"/>
-              <a:cs typeface="Arial Narrow"/>
-              <a:sym typeface="Arial Narrow"/>
-            </a:endParaRPr>
-          </a:p>
-          <a:p>
-            <a:pPr marL="0" marR="0" lvl="0" indent="0" algn="l" rtl="0">
-              <a:lnSpc>
-                <a:spcPct val="100000"/>
-              </a:lnSpc>
-              <a:spcBef>
-                <a:spcPts val="0"/>
-              </a:spcBef>
-              <a:spcAft>
-                <a:spcPts val="0"/>
-              </a:spcAft>
-              <a:buClr>
-                <a:srgbClr val="000000"/>
-              </a:buClr>
-              <a:buSzPts val="2000"/>
-              <a:buFont typeface="Arial"/>
-              <a:buNone/>
-            </a:pPr>
-            <a:endParaRPr sz="2000" b="1" i="0" u="none" strike="noStrike" cap="none" dirty="0">
-              <a:solidFill>
-                <a:schemeClr val="lt1"/>
-              </a:solidFill>
-              <a:latin typeface="Arial Narrow"/>
-              <a:ea typeface="Arial Narrow"/>
-              <a:cs typeface="Arial Narrow"/>
-              <a:sym typeface="Arial Narrow"/>
-            </a:endParaRPr>
-          </a:p>
-          <a:p>
-            <a:pPr marL="508000" marR="0" lvl="0" indent="-349250" algn="l" rtl="0">
-              <a:lnSpc>
-                <a:spcPct val="100000"/>
-              </a:lnSpc>
-              <a:spcBef>
-                <a:spcPts val="0"/>
-              </a:spcBef>
-              <a:spcAft>
-                <a:spcPts val="0"/>
-              </a:spcAft>
-              <a:buClr>
-                <a:schemeClr val="lt1"/>
-              </a:buClr>
-              <a:buSzPts val="1500"/>
-              <a:buFont typeface="Arial Narrow"/>
-              <a:buChar char="●"/>
-            </a:pPr>
-            <a:r>
-              <a:rPr lang="en-US" sz="2000" b="1" i="0" u="none" strike="noStrike" cap="none" dirty="0">
-                <a:solidFill>
-                  <a:schemeClr val="lt1"/>
-                </a:solidFill>
-                <a:latin typeface="Arial Narrow"/>
-                <a:ea typeface="Arial Narrow"/>
-                <a:cs typeface="Arial Narrow"/>
-                <a:sym typeface="Arial Narrow"/>
-              </a:rPr>
-              <a:t>Cheeseburger</a:t>
-            </a:r>
-            <a:r>
-              <a:rPr lang="en-US" sz="2000" i="0" u="none" strike="noStrike" cap="none" dirty="0">
-                <a:solidFill>
-                  <a:schemeClr val="lt1"/>
-                </a:solidFill>
-                <a:latin typeface="Arial Narrow"/>
-                <a:ea typeface="Arial Narrow"/>
-                <a:cs typeface="Arial Narrow"/>
-                <a:sym typeface="Arial Narrow"/>
-              </a:rPr>
-              <a:t> ……………………………....................................</a:t>
-            </a:r>
-            <a:r>
-              <a:rPr lang="en-US" sz="2000" dirty="0">
-                <a:solidFill>
-                  <a:srgbClr val="8CD872"/>
-                </a:solidFill>
-                <a:latin typeface="Arial Narrow"/>
-                <a:ea typeface="Arial Narrow"/>
-                <a:cs typeface="Arial Narrow"/>
-                <a:sym typeface="Arial Narrow"/>
-              </a:rPr>
-              <a:t>.</a:t>
-            </a:r>
-            <a:r>
-              <a:rPr lang="en-US" sz="2000" b="0" i="0" u="none" strike="noStrike" cap="none" dirty="0">
-                <a:solidFill>
-                  <a:srgbClr val="8CD872"/>
-                </a:solidFill>
-                <a:latin typeface="Arial Narrow"/>
-                <a:ea typeface="Arial Narrow"/>
-                <a:cs typeface="Arial Narrow"/>
-                <a:sym typeface="Arial Narrow"/>
-              </a:rPr>
-              <a:t> </a:t>
-            </a:r>
-            <a:r>
-              <a:rPr lang="en-US" sz="2000" b="1" i="0" u="none" strike="noStrike" cap="none" dirty="0">
-                <a:solidFill>
-                  <a:srgbClr val="8CD872"/>
-                </a:solidFill>
-                <a:latin typeface="Arial Narrow"/>
-                <a:ea typeface="Arial Narrow"/>
-                <a:cs typeface="Arial Narrow"/>
-                <a:sym typeface="Arial Narrow"/>
-              </a:rPr>
-              <a:t>12</a:t>
-            </a:r>
-            <a:endParaRPr sz="2000" b="1" i="0" u="none" strike="noStrike" cap="none" dirty="0">
-              <a:solidFill>
-                <a:srgbClr val="8CD872"/>
-              </a:solidFill>
-              <a:latin typeface="Arial Narrow"/>
-              <a:ea typeface="Arial Narrow"/>
-              <a:cs typeface="Arial Narrow"/>
-              <a:sym typeface="Arial Narrow"/>
-            </a:endParaRPr>
-          </a:p>
-          <a:p>
-            <a:pPr marL="508000" marR="0" lvl="0" indent="-349250" algn="l" rtl="0">
-              <a:lnSpc>
-                <a:spcPct val="100000"/>
-              </a:lnSpc>
-              <a:spcBef>
-                <a:spcPts val="0"/>
-              </a:spcBef>
-              <a:spcAft>
-                <a:spcPts val="0"/>
-              </a:spcAft>
-              <a:buClr>
-                <a:schemeClr val="lt1"/>
-              </a:buClr>
-              <a:buSzPts val="1500"/>
-              <a:buFont typeface="Arial Narrow"/>
-              <a:buChar char="●"/>
-            </a:pPr>
-            <a:r>
-              <a:rPr lang="en-US" sz="2000" b="1" i="0" u="none" strike="noStrike" cap="none" dirty="0">
-                <a:solidFill>
-                  <a:schemeClr val="lt1"/>
-                </a:solidFill>
-                <a:latin typeface="Arial Narrow"/>
-                <a:ea typeface="Arial Narrow"/>
-                <a:cs typeface="Arial Narrow"/>
-                <a:sym typeface="Arial Narrow"/>
-              </a:rPr>
-              <a:t>Beer Brat </a:t>
-            </a:r>
-            <a:r>
-              <a:rPr lang="en-US" sz="2000" i="0" u="none" strike="noStrike" cap="none" dirty="0">
-                <a:solidFill>
-                  <a:schemeClr val="lt1"/>
-                </a:solidFill>
-                <a:latin typeface="Arial Narrow"/>
-                <a:ea typeface="Arial Narrow"/>
-                <a:cs typeface="Arial Narrow"/>
-                <a:sym typeface="Arial Narrow"/>
-              </a:rPr>
-              <a:t>………………………………....................................</a:t>
-            </a:r>
-            <a:r>
-              <a:rPr lang="en-US" sz="2000" dirty="0">
-                <a:solidFill>
-                  <a:schemeClr val="lt1"/>
-                </a:solidFill>
-                <a:latin typeface="Arial Narrow"/>
-                <a:ea typeface="Arial Narrow"/>
-                <a:cs typeface="Arial Narrow"/>
-                <a:sym typeface="Arial Narrow"/>
-              </a:rPr>
-              <a:t>.</a:t>
-            </a:r>
-            <a:r>
-              <a:rPr lang="en-US" sz="2000" i="0" u="none" strike="noStrike" cap="none" dirty="0">
-                <a:solidFill>
-                  <a:schemeClr val="lt1"/>
-                </a:solidFill>
-                <a:latin typeface="Arial Narrow"/>
-                <a:ea typeface="Arial Narrow"/>
-                <a:cs typeface="Arial Narrow"/>
-                <a:sym typeface="Arial Narrow"/>
-              </a:rPr>
-              <a:t>.....</a:t>
-            </a:r>
-            <a:r>
-              <a:rPr lang="en-US" sz="2000" b="0" i="0" u="none" strike="noStrike" cap="none" dirty="0">
-                <a:solidFill>
-                  <a:srgbClr val="8CD872"/>
-                </a:solidFill>
-                <a:latin typeface="Arial Narrow"/>
-                <a:ea typeface="Arial Narrow"/>
-                <a:cs typeface="Arial Narrow"/>
-                <a:sym typeface="Arial Narrow"/>
-              </a:rPr>
-              <a:t>  </a:t>
-            </a:r>
-            <a:r>
-              <a:rPr lang="en-US" sz="2000" b="1" dirty="0">
-                <a:solidFill>
-                  <a:srgbClr val="8CD872"/>
-                </a:solidFill>
-                <a:latin typeface="Arial Narrow"/>
-                <a:ea typeface="Arial Narrow"/>
-                <a:cs typeface="Arial Narrow"/>
-                <a:sym typeface="Arial Narrow"/>
-              </a:rPr>
-              <a:t>8</a:t>
-            </a:r>
-            <a:endParaRPr sz="2000" b="1" i="0" u="none" strike="noStrike" cap="none" dirty="0">
-              <a:solidFill>
-                <a:srgbClr val="8CD872"/>
-              </a:solidFill>
-              <a:latin typeface="Arial Narrow"/>
-              <a:ea typeface="Arial Narrow"/>
-              <a:cs typeface="Arial Narrow"/>
-              <a:sym typeface="Arial Narrow"/>
-            </a:endParaRPr>
-          </a:p>
-          <a:p>
-            <a:pPr marL="1003300" marR="0" lvl="1" indent="-381000" algn="l" rtl="0">
-              <a:lnSpc>
-                <a:spcPct val="100000"/>
-              </a:lnSpc>
-              <a:spcBef>
-                <a:spcPts val="0"/>
-              </a:spcBef>
-              <a:spcAft>
-                <a:spcPts val="0"/>
-              </a:spcAft>
-              <a:buClr>
-                <a:schemeClr val="lt1"/>
-              </a:buClr>
-              <a:buSzPts val="2000"/>
-              <a:buFont typeface="Arial Narrow"/>
-              <a:buChar char="○"/>
-            </a:pPr>
-            <a:r>
-              <a:rPr lang="en-US" sz="2000" b="1" i="0" u="none" strike="noStrike" cap="none" dirty="0">
-                <a:solidFill>
-                  <a:schemeClr val="lt1"/>
-                </a:solidFill>
-                <a:latin typeface="Arial Narrow"/>
-                <a:ea typeface="Arial Narrow"/>
-                <a:cs typeface="Arial Narrow"/>
-                <a:sym typeface="Arial Narrow"/>
-              </a:rPr>
-              <a:t>Meal deal:</a:t>
-            </a:r>
-            <a:r>
-              <a:rPr lang="en-US" sz="2000" b="0" i="0" u="none" strike="noStrike" cap="none" dirty="0">
-                <a:solidFill>
-                  <a:schemeClr val="lt1"/>
-                </a:solidFill>
-                <a:latin typeface="Arial Narrow"/>
-                <a:ea typeface="Arial Narrow"/>
-                <a:cs typeface="Arial Narrow"/>
-                <a:sym typeface="Arial Narrow"/>
-              </a:rPr>
-              <a:t> Chips and drink ………………</a:t>
-            </a:r>
-            <a:r>
-              <a:rPr lang="en-US" sz="2000" dirty="0">
-                <a:solidFill>
-                  <a:schemeClr val="lt1"/>
-                </a:solidFill>
-                <a:latin typeface="Arial Narrow"/>
-                <a:ea typeface="Arial Narrow"/>
-                <a:cs typeface="Arial Narrow"/>
-                <a:sym typeface="Arial Narrow"/>
-              </a:rPr>
-              <a:t>………</a:t>
-            </a:r>
-            <a:r>
-              <a:rPr lang="en-US" sz="2000" b="0" i="0" u="none" strike="noStrike" cap="none" dirty="0">
-                <a:solidFill>
-                  <a:schemeClr val="lt1"/>
-                </a:solidFill>
-                <a:latin typeface="Arial Narrow"/>
-                <a:ea typeface="Arial Narrow"/>
-                <a:cs typeface="Arial Narrow"/>
-                <a:sym typeface="Arial Narrow"/>
-              </a:rPr>
-              <a:t>.…</a:t>
-            </a:r>
-            <a:r>
-              <a:rPr lang="en-US" sz="2000" dirty="0">
-                <a:solidFill>
-                  <a:schemeClr val="lt1"/>
-                </a:solidFill>
-                <a:latin typeface="Arial Narrow"/>
-                <a:ea typeface="Arial Narrow"/>
-                <a:cs typeface="Arial Narrow"/>
-                <a:sym typeface="Arial Narrow"/>
-              </a:rPr>
-              <a:t>…..</a:t>
-            </a:r>
-            <a:r>
-              <a:rPr lang="en-US" sz="2000" b="0" i="0" u="none" strike="noStrike" cap="none" dirty="0">
-                <a:solidFill>
-                  <a:schemeClr val="lt1"/>
-                </a:solidFill>
-                <a:latin typeface="Arial Narrow"/>
-                <a:ea typeface="Arial Narrow"/>
-                <a:cs typeface="Arial Narrow"/>
-                <a:sym typeface="Arial Narrow"/>
-              </a:rPr>
-              <a:t> </a:t>
-            </a:r>
-            <a:r>
-              <a:rPr lang="en-US" sz="2000" b="1" i="0" u="none" strike="noStrike" cap="none" dirty="0">
-                <a:solidFill>
-                  <a:srgbClr val="8CD872"/>
-                </a:solidFill>
-                <a:latin typeface="Arial Narrow"/>
-                <a:ea typeface="Arial Narrow"/>
-                <a:cs typeface="Arial Narrow"/>
-                <a:sym typeface="Arial Narrow"/>
-              </a:rPr>
-              <a:t>Add 3</a:t>
-            </a:r>
-            <a:endParaRPr sz="2000" b="1" i="0" u="none" strike="noStrike" cap="none" dirty="0">
-              <a:solidFill>
-                <a:srgbClr val="8CD872"/>
-              </a:solidFill>
-              <a:latin typeface="Arial Narrow"/>
-              <a:ea typeface="Arial Narrow"/>
-              <a:cs typeface="Arial Narrow"/>
-              <a:sym typeface="Arial Narrow"/>
-            </a:endParaRPr>
-          </a:p>
-          <a:p>
-            <a:pPr marL="1003300" marR="0" lvl="0" indent="0" algn="l" rtl="0">
-              <a:lnSpc>
-                <a:spcPct val="100000"/>
-              </a:lnSpc>
-              <a:spcBef>
-                <a:spcPts val="0"/>
-              </a:spcBef>
-              <a:spcAft>
-                <a:spcPts val="0"/>
-              </a:spcAft>
-              <a:buClr>
-                <a:srgbClr val="000000"/>
-              </a:buClr>
-              <a:buSzPts val="2000"/>
-              <a:buFont typeface="Arial"/>
-              <a:buNone/>
-            </a:pPr>
-            <a:endParaRPr sz="2000" b="0" i="0" u="none" strike="noStrike" cap="none" dirty="0">
-              <a:solidFill>
-                <a:schemeClr val="lt1"/>
-              </a:solidFill>
-              <a:latin typeface="Arial Narrow"/>
-              <a:ea typeface="Arial Narrow"/>
-              <a:cs typeface="Arial Narrow"/>
-              <a:sym typeface="Arial Narrow"/>
-            </a:endParaRPr>
-          </a:p>
-          <a:p>
-            <a:pPr marL="508000" marR="0" lvl="0" indent="-349250" algn="l" rtl="0">
-              <a:lnSpc>
-                <a:spcPct val="100000"/>
-              </a:lnSpc>
-              <a:spcBef>
-                <a:spcPts val="0"/>
-              </a:spcBef>
-              <a:spcAft>
-                <a:spcPts val="0"/>
-              </a:spcAft>
-              <a:buClr>
-                <a:schemeClr val="lt1"/>
-              </a:buClr>
-              <a:buSzPts val="1500"/>
-              <a:buFont typeface="Arial Narrow"/>
-              <a:buChar char="●"/>
-            </a:pPr>
-            <a:r>
-              <a:rPr lang="en-US" sz="2000" b="1" i="0" u="none" strike="noStrike" cap="none" dirty="0" err="1">
-                <a:solidFill>
-                  <a:schemeClr val="lt1"/>
-                </a:solidFill>
-                <a:latin typeface="Arial Narrow"/>
-                <a:ea typeface="Arial Narrow"/>
-                <a:cs typeface="Arial Narrow"/>
-                <a:sym typeface="Arial Narrow"/>
-              </a:rPr>
-              <a:t>Pastelillos</a:t>
-            </a:r>
-            <a:r>
-              <a:rPr lang="en-US" sz="2000" b="1" i="0" u="none" strike="noStrike" cap="none" dirty="0">
-                <a:solidFill>
-                  <a:schemeClr val="lt1"/>
-                </a:solidFill>
-                <a:latin typeface="Arial Narrow"/>
-                <a:ea typeface="Arial Narrow"/>
-                <a:cs typeface="Arial Narrow"/>
-                <a:sym typeface="Arial Narrow"/>
-              </a:rPr>
-              <a:t> </a:t>
-            </a:r>
-            <a:r>
-              <a:rPr lang="en-US" sz="2000" i="0" u="none" strike="noStrike" cap="none" dirty="0">
-                <a:solidFill>
-                  <a:schemeClr val="lt1"/>
-                </a:solidFill>
-                <a:latin typeface="Arial Narrow"/>
-                <a:ea typeface="Arial Narrow"/>
-                <a:cs typeface="Arial Narrow"/>
-                <a:sym typeface="Arial Narrow"/>
-              </a:rPr>
-              <a:t>………………………………........................................</a:t>
-            </a:r>
-            <a:r>
-              <a:rPr lang="en-US" sz="2000" b="0" i="0" u="none" strike="noStrike" cap="none" dirty="0">
-                <a:solidFill>
-                  <a:schemeClr val="lt1"/>
-                </a:solidFill>
-                <a:latin typeface="Arial Narrow"/>
-                <a:ea typeface="Arial Narrow"/>
-                <a:cs typeface="Arial Narrow"/>
-                <a:sym typeface="Arial Narrow"/>
-              </a:rPr>
-              <a:t>.</a:t>
-            </a:r>
-            <a:r>
-              <a:rPr lang="en-US" sz="2000" dirty="0">
-                <a:solidFill>
-                  <a:srgbClr val="8CD872"/>
-                </a:solidFill>
-                <a:latin typeface="Arial Narrow"/>
-                <a:ea typeface="Arial Narrow"/>
-                <a:cs typeface="Arial Narrow"/>
-                <a:sym typeface="Arial Narrow"/>
-              </a:rPr>
-              <a:t> </a:t>
-            </a:r>
-            <a:r>
-              <a:rPr lang="en-US" sz="2000" b="1" i="0" u="none" strike="noStrike" cap="none" dirty="0">
-                <a:solidFill>
-                  <a:srgbClr val="8CD872"/>
-                </a:solidFill>
-                <a:latin typeface="Arial Narrow"/>
-                <a:ea typeface="Arial Narrow"/>
-                <a:cs typeface="Arial Narrow"/>
-                <a:sym typeface="Arial Narrow"/>
-              </a:rPr>
-              <a:t>4</a:t>
-            </a:r>
-            <a:endParaRPr sz="2000" b="1" i="0" u="none" strike="noStrike" cap="none" dirty="0">
-              <a:solidFill>
-                <a:srgbClr val="8CD872"/>
-              </a:solidFill>
-              <a:latin typeface="Arial Narrow"/>
-              <a:ea typeface="Arial Narrow"/>
-              <a:cs typeface="Arial Narrow"/>
-              <a:sym typeface="Arial Narrow"/>
-            </a:endParaRPr>
-          </a:p>
-          <a:p>
-            <a:pPr marL="1003300" marR="0" lvl="1" indent="-381000" algn="l" rtl="0">
-              <a:lnSpc>
-                <a:spcPct val="100000"/>
-              </a:lnSpc>
-              <a:spcBef>
-                <a:spcPts val="0"/>
-              </a:spcBef>
-              <a:spcAft>
-                <a:spcPts val="0"/>
-              </a:spcAft>
-              <a:buClr>
-                <a:schemeClr val="lt1"/>
-              </a:buClr>
-              <a:buSzPts val="2000"/>
-              <a:buFont typeface="Arial Narrow"/>
-              <a:buChar char="○"/>
-            </a:pPr>
-            <a:r>
-              <a:rPr lang="en-US" sz="2000" b="0" i="0" u="none" strike="noStrike" cap="none" dirty="0">
-                <a:solidFill>
-                  <a:schemeClr val="lt1"/>
-                </a:solidFill>
-                <a:latin typeface="Arial Narrow"/>
-                <a:ea typeface="Arial Narrow"/>
-                <a:cs typeface="Arial Narrow"/>
-                <a:sym typeface="Arial Narrow"/>
-              </a:rPr>
-              <a:t>Stuffed fried empanadas (beef and cheese)</a:t>
-            </a:r>
-            <a:br>
-              <a:rPr lang="en-US" sz="2000" b="0" i="0" u="none" strike="noStrike" cap="none" dirty="0">
-                <a:solidFill>
-                  <a:schemeClr val="lt1"/>
-                </a:solidFill>
-                <a:latin typeface="Arial Narrow"/>
-                <a:ea typeface="Arial Narrow"/>
-                <a:cs typeface="Arial Narrow"/>
-                <a:sym typeface="Arial Narrow"/>
-              </a:rPr>
-            </a:br>
-            <a:endParaRPr sz="2000" b="0" i="0" u="none" strike="noStrike" cap="none" dirty="0">
-              <a:solidFill>
-                <a:schemeClr val="lt1"/>
-              </a:solidFill>
-              <a:latin typeface="Arial Narrow"/>
-              <a:ea typeface="Arial Narrow"/>
-              <a:cs typeface="Arial Narrow"/>
-              <a:sym typeface="Arial Narrow"/>
-            </a:endParaRPr>
-          </a:p>
-          <a:p>
-            <a:pPr marL="0" marR="0" lvl="0" indent="0" algn="l" rtl="0">
-              <a:lnSpc>
-                <a:spcPct val="100000"/>
-              </a:lnSpc>
-              <a:spcBef>
-                <a:spcPts val="0"/>
-              </a:spcBef>
-              <a:spcAft>
-                <a:spcPts val="0"/>
-              </a:spcAft>
-              <a:buClr>
-                <a:srgbClr val="000000"/>
-              </a:buClr>
-              <a:buSzPts val="600"/>
-              <a:buFont typeface="Arial"/>
-              <a:buNone/>
-            </a:pPr>
-            <a:br>
-              <a:rPr lang="en-US" sz="600" b="0" i="0" u="none" strike="noStrike" cap="none" dirty="0">
-                <a:solidFill>
-                  <a:schemeClr val="lt1"/>
-                </a:solidFill>
-                <a:latin typeface="Arial Narrow"/>
-                <a:ea typeface="Arial Narrow"/>
-                <a:cs typeface="Arial Narrow"/>
-                <a:sym typeface="Arial Narrow"/>
-              </a:rPr>
-            </a:br>
-            <a:endParaRPr sz="900" b="0" i="0" u="none" strike="noStrike" cap="none" dirty="0">
-              <a:solidFill>
-                <a:schemeClr val="lt1"/>
-              </a:solidFill>
-              <a:latin typeface="Arial Narrow"/>
-              <a:ea typeface="Arial Narrow"/>
-              <a:cs typeface="Arial Narrow"/>
-              <a:sym typeface="Arial Narrow"/>
-            </a:endParaRPr>
-          </a:p>
-        </p:txBody>
-      </p:sp>
-      <p:sp>
-        <p:nvSpPr>
-          <p:cNvPr id="94" name="Google Shape;94;p13"/>
-          <p:cNvSpPr txBox="1"/>
-          <p:nvPr/>
-        </p:nvSpPr>
-        <p:spPr>
-          <a:xfrm>
-            <a:off x="337577" y="5640139"/>
-            <a:ext cx="3357300" cy="2718600"/>
-          </a:xfrm>
-          <a:prstGeom prst="rect">
-            <a:avLst/>
-          </a:prstGeom>
-          <a:noFill/>
-          <a:ln>
-            <a:noFill/>
-          </a:ln>
-        </p:spPr>
-        <p:txBody>
-          <a:bodyPr spcFirstLastPara="1" wrap="square" lIns="100775" tIns="50375" rIns="100775" bIns="50375" anchor="t" anchorCtr="0">
-            <a:spAutoFit/>
-          </a:bodyPr>
-          <a:lstStyle/>
-          <a:p>
-            <a:pPr marL="0" marR="0" lvl="0" indent="0" algn="l" rtl="0">
-              <a:lnSpc>
-                <a:spcPct val="100000"/>
-              </a:lnSpc>
-              <a:spcBef>
-                <a:spcPts val="0"/>
-              </a:spcBef>
-              <a:spcAft>
-                <a:spcPts val="0"/>
-              </a:spcAft>
-              <a:buClr>
-                <a:srgbClr val="000000"/>
-              </a:buClr>
-              <a:buSzPts val="4000"/>
-              <a:buFont typeface="Arial"/>
-              <a:buNone/>
-            </a:pPr>
-            <a:r>
-              <a:rPr lang="en-US" sz="4000" b="1" i="0" u="none" strike="noStrike" cap="none" dirty="0">
-                <a:solidFill>
-                  <a:schemeClr val="lt1"/>
-                </a:solidFill>
-                <a:latin typeface="Arial Narrow"/>
-                <a:ea typeface="Arial Narrow"/>
-                <a:cs typeface="Arial Narrow"/>
-                <a:sym typeface="Arial Narrow"/>
-              </a:rPr>
               <a:t>Desserts</a:t>
             </a:r>
             <a:endParaRPr sz="2600" b="1" i="0" u="none" strike="noStrike" cap="none" dirty="0">
-              <a:solidFill>
-                <a:schemeClr val="lt1"/>
-              </a:solidFill>
-              <a:latin typeface="Arial Narrow"/>
-              <a:ea typeface="Arial Narrow"/>
-              <a:cs typeface="Arial Narrow"/>
-              <a:sym typeface="Arial Narrow"/>
-            </a:endParaRPr>
-          </a:p>
-          <a:p>
-            <a:pPr marL="0" marR="0" lvl="0" indent="0" algn="l" rtl="0">
-              <a:lnSpc>
-                <a:spcPct val="100000"/>
-              </a:lnSpc>
-              <a:spcBef>
-                <a:spcPts val="0"/>
-              </a:spcBef>
-              <a:spcAft>
-                <a:spcPts val="0"/>
-              </a:spcAft>
-              <a:buClr>
-                <a:srgbClr val="000000"/>
-              </a:buClr>
-              <a:buSzPts val="1500"/>
-              <a:buFont typeface="Arial"/>
-              <a:buNone/>
-            </a:pPr>
-            <a:endParaRPr sz="1500" b="0" i="0" u="none" strike="noStrike" cap="none" dirty="0">
               <a:solidFill>
                 <a:schemeClr val="lt1"/>
               </a:solidFill>
@@ -16442,7 +15802,7 @@
         </p:nvCxnSpPr>
         <p:spPr>
           <a:xfrm>
-            <a:off x="176323" y="6352823"/>
+            <a:off x="180313" y="7243303"/>
             <a:ext cx="7350900" cy="0"/>
           </a:xfrm>
           <a:prstGeom prst="straightConnector1">
@@ -16468,8 +15828,8 @@
         </p:nvSpPr>
         <p:spPr>
           <a:xfrm>
-            <a:off x="4043496" y="5640135"/>
-            <a:ext cx="3491700" cy="3410332"/>
+            <a:off x="4047486" y="6501003"/>
+            <a:ext cx="3491700" cy="3102555"/>
           </a:xfrm>
           <a:prstGeom prst="rect">
             <a:avLst/>
@@ -16522,34 +15882,6 @@
               <a:ea typeface="Arial"/>
               <a:cs typeface="Arial"/>
               <a:sym typeface="Arial"/>
-            </a:endParaRPr>
-          </a:p>
-          <a:p>
-            <a:pPr marL="0" marR="0" lvl="0" indent="0" algn="l" rtl="0">
-              <a:lnSpc>
-                <a:spcPct val="100000"/>
-              </a:lnSpc>
-              <a:spcBef>
-                <a:spcPts val="0"/>
-              </a:spcBef>
-              <a:spcAft>
-                <a:spcPts val="0"/>
-              </a:spcAft>
-              <a:buClr>
-                <a:srgbClr val="000000"/>
-              </a:buClr>
-              <a:buSzPts val="2000"/>
-              <a:buFont typeface="Arial"/>
-              <a:buNone/>
-            </a:pPr>
-            <a:endParaRPr sz="2000" b="0" i="0" u="none" strike="noStrike" cap="none" dirty="0">
-              <a:solidFill>
-                <a:schemeClr val="lt1"/>
-              </a:solidFill>
-              <a:latin typeface="Arial Narrow"/>
-              <a:ea typeface="Arial Narrow"/>
-              <a:cs typeface="Arial Narrow"/>
-              <a:sym typeface="Arial Narrow"/>
             </a:endParaRPr>
           </a:p>
           <a:p>
@@ -16948,7 +16280,7 @@
         </p:nvSpPr>
         <p:spPr>
           <a:xfrm>
-            <a:off x="170226" y="9560531"/>
+            <a:off x="170226" y="9638223"/>
             <a:ext cx="3438300" cy="378900"/>
           </a:xfrm>
           <a:prstGeom prst="rect">
@@ -17037,7 +16369,7 @@
         </p:blipFill>
         <p:spPr>
           <a:xfrm>
-            <a:off x="1436019" y="8739999"/>
+            <a:off x="1436019" y="8817691"/>
             <a:ext cx="782375" cy="782375"/>
           </a:xfrm>
           <a:prstGeom prst="rect">
@@ -17049,6 +16381,1015 @@
           </a:ln>
         </p:spPr>
       </p:pic>
+      <p:sp>
+        <p:nvSpPr>
+          <p:cNvPr id="14" name="Google Shape;91;p1">
+            <a:extLst>
+              <a:ext uri="{FF2B5EF4-FFF2-40B4-BE49-F238E27FC236}">
+                <a16:creationId xmlns:a16="http://schemas.microsoft.com/office/drawing/2014/main" id="{6C3E6655-7ABD-406F-9B2A-75B0018826B2}"/>
+              </a:ext>
+            </a:extLst>
+          </p:cNvPr>
+          <p:cNvSpPr/>
+          <p:nvPr/>
+        </p:nvSpPr>
+        <p:spPr>
+          <a:xfrm>
+            <a:off x="403262" y="5119141"/>
+            <a:ext cx="7039358" cy="1445931"/>
+          </a:xfrm>
+          <a:prstGeom prst="roundRect">
+            <a:avLst>
+              <a:gd name="adj" fmla="val 4489"/>
+            </a:avLst>
+          </a:prstGeom>
+          <a:solidFill>
+            <a:srgbClr val="3F3F3F"/>
+          </a:solidFill>
+          <a:ln>
+            <a:noFill/>
+          </a:ln>
+        </p:spPr>
+        <p:txBody>
+          <a:bodyPr spcFirstLastPara="1" wrap="square" lIns="298525" tIns="149225" rIns="298525" bIns="149225" anchor="ctr" anchorCtr="0">
+            <a:noAutofit/>
+          </a:bodyPr>
+          <a:lstStyle/>
+          <a:p>
+            <a:pPr marL="0" marR="0" lvl="0" indent="0" algn="ctr" rtl="0">
+              <a:spcBef>
+                <a:spcPts val="0"/>
+              </a:spcBef>
+              <a:spcAft>
+                <a:spcPts val="0"/>
+              </a:spcAft>
+              <a:buNone/>
+            </a:pPr>
+            <a:endParaRPr sz="5900" b="0" i="0" u="none" strike="noStrike" cap="none">
+              <a:solidFill>
+                <a:schemeClr val="lt1"/>
+              </a:solidFill>
+              <a:latin typeface="Arial"/>
+              <a:ea typeface="Arial"/>
+              <a:cs typeface="Arial"/>
+              <a:sym typeface="Arial"/>
+            </a:endParaRPr>
+          </a:p>
+        </p:txBody>
+      </p:sp>
+      <p:sp>
+        <p:nvSpPr>
+          <p:cNvPr id="93" name="Google Shape;93;p13"/>
+          <p:cNvSpPr txBox="1"/>
+          <p:nvPr/>
+        </p:nvSpPr>
+        <p:spPr>
+          <a:xfrm>
+            <a:off x="303733" y="2150208"/>
+            <a:ext cx="7127100" cy="4549105"/>
+          </a:xfrm>
+          <a:prstGeom prst="rect">
+            <a:avLst/>
+          </a:prstGeom>
+          <a:noFill/>
+          <a:ln>
+            <a:noFill/>
+          </a:ln>
+        </p:spPr>
+        <p:txBody>
+          <a:bodyPr spcFirstLastPara="1" wrap="square" lIns="100775" tIns="50375" rIns="100775" bIns="50375" anchor="t" anchorCtr="0">
+            <a:spAutoFit/>
+          </a:bodyPr>
+          <a:lstStyle/>
+          <a:p>
+            <a:pPr marL="0" marR="0" lvl="0" indent="0" algn="l" rtl="0">
+              <a:lnSpc>
+                <a:spcPct val="100000"/>
+              </a:lnSpc>
+              <a:spcBef>
+                <a:spcPts val="0"/>
+              </a:spcBef>
+              <a:spcAft>
+                <a:spcPts val="0"/>
+              </a:spcAft>
+              <a:buClr>
+                <a:srgbClr val="000000"/>
+              </a:buClr>
+              <a:buSzPts val="4000"/>
+              <a:buFont typeface="Arial"/>
+              <a:buNone/>
+            </a:pPr>
+            <a:r>
+              <a:rPr lang="en-US" sz="4000" b="1" i="0" u="none" strike="noStrike" cap="none" dirty="0">
+                <a:solidFill>
+                  <a:schemeClr val="lt1"/>
+                </a:solidFill>
+                <a:latin typeface="Arial Narrow"/>
+                <a:ea typeface="Arial Narrow"/>
+                <a:cs typeface="Arial Narrow"/>
+                <a:sym typeface="Arial Narrow"/>
+              </a:rPr>
+              <a:t>Lunch / Dinner</a:t>
+            </a:r>
+            <a:endParaRPr sz="4000" b="0" i="0" u="none" strike="noStrike" cap="none" dirty="0">
+              <a:solidFill>
+                <a:schemeClr val="lt1"/>
+              </a:solidFill>
+              <a:latin typeface="Arial Narrow"/>
+              <a:ea typeface="Arial Narrow"/>
+              <a:cs typeface="Arial Narrow"/>
+              <a:sym typeface="Arial Narrow"/>
+            </a:endParaRPr>
+          </a:p>
+          <a:p>
+            <a:pPr marL="0" marR="0" lvl="0" indent="0" algn="l" rtl="0">
+              <a:lnSpc>
+                <a:spcPct val="100000"/>
+              </a:lnSpc>
+              <a:spcBef>
+                <a:spcPts val="0"/>
+              </a:spcBef>
+              <a:spcAft>
+                <a:spcPts val="0"/>
+              </a:spcAft>
+              <a:buClr>
+                <a:srgbClr val="000000"/>
+              </a:buClr>
+              <a:buSzPts val="2000"/>
+              <a:buFont typeface="Arial"/>
+              <a:buNone/>
+            </a:pPr>
+            <a:endParaRPr sz="2000" b="1" i="0" u="none" strike="noStrike" cap="none" dirty="0">
+              <a:solidFill>
+                <a:schemeClr val="lt1"/>
+              </a:solidFill>
+              <a:latin typeface="Arial Narrow"/>
+              <a:ea typeface="Arial Narrow"/>
+              <a:cs typeface="Arial Narrow"/>
+              <a:sym typeface="Arial Narrow"/>
+            </a:endParaRPr>
+          </a:p>
+          <a:p>
+            <a:pPr marL="508000" marR="0" lvl="0" indent="-349250" algn="l" rtl="0">
+              <a:lnSpc>
+                <a:spcPct val="100000"/>
+              </a:lnSpc>
+              <a:spcBef>
+                <a:spcPts val="0"/>
+              </a:spcBef>
+              <a:spcAft>
+                <a:spcPts val="0"/>
+              </a:spcAft>
+              <a:buClr>
+                <a:schemeClr val="lt1"/>
+              </a:buClr>
+              <a:buSzPts val="1500"/>
+              <a:buFont typeface="Arial Narrow"/>
+              <a:buChar char="●"/>
+            </a:pPr>
+            <a:r>
+              <a:rPr lang="en-US" sz="2000" b="1" i="0" u="none" strike="noStrike" cap="none" dirty="0">
+                <a:solidFill>
+                  <a:schemeClr val="lt1"/>
+                </a:solidFill>
+                <a:latin typeface="Arial Narrow"/>
+                <a:ea typeface="Arial Narrow"/>
+                <a:cs typeface="Arial Narrow"/>
+                <a:sym typeface="Arial Narrow"/>
+              </a:rPr>
+              <a:t>Cheeseburger</a:t>
+            </a:r>
+            <a:r>
+              <a:rPr lang="en-US" sz="2000" i="0" u="none" strike="noStrike" cap="none" dirty="0">
+                <a:solidFill>
+                  <a:schemeClr val="lt1"/>
+                </a:solidFill>
+                <a:latin typeface="Arial Narrow"/>
+                <a:ea typeface="Arial Narrow"/>
+                <a:cs typeface="Arial Narrow"/>
+                <a:sym typeface="Arial Narrow"/>
+              </a:rPr>
+              <a:t> ……………………………..................................</a:t>
+            </a:r>
+            <a:r>
+              <a:rPr lang="en-US" sz="2000" dirty="0">
+                <a:solidFill>
+                  <a:srgbClr val="8CD872"/>
+                </a:solidFill>
+                <a:latin typeface="Arial Narrow"/>
+                <a:ea typeface="Arial Narrow"/>
+                <a:cs typeface="Arial Narrow"/>
+                <a:sym typeface="Arial Narrow"/>
+              </a:rPr>
+              <a:t>. </a:t>
+            </a:r>
+            <a:r>
+              <a:rPr lang="en-US" sz="2000" b="0" i="0" u="none" strike="noStrike" cap="none" dirty="0">
+                <a:solidFill>
+                  <a:srgbClr val="8CD872"/>
+                </a:solidFill>
+                <a:latin typeface="Arial Narrow"/>
+                <a:ea typeface="Arial Narrow"/>
+                <a:cs typeface="Arial Narrow"/>
+                <a:sym typeface="Arial Narrow"/>
+              </a:rPr>
+              <a:t> </a:t>
+            </a:r>
+            <a:r>
+              <a:rPr lang="en-US" sz="2000" b="1" i="0" u="none" strike="noStrike" cap="none" dirty="0">
+                <a:solidFill>
+                  <a:srgbClr val="8CD872"/>
+                </a:solidFill>
+                <a:latin typeface="Arial Narrow"/>
+                <a:ea typeface="Arial Narrow"/>
+                <a:cs typeface="Arial Narrow"/>
+                <a:sym typeface="Arial Narrow"/>
+              </a:rPr>
+              <a:t>13.5</a:t>
+            </a:r>
+            <a:endParaRPr lang="en-US" sz="2000" b="1" i="0" u="none" strike="noStrike" cap="none" dirty="0">
+              <a:solidFill>
+                <a:schemeClr val="lt1"/>
+              </a:solidFill>
+              <a:latin typeface="Arial Narrow"/>
+              <a:ea typeface="Arial Narrow"/>
+              <a:cs typeface="Arial Narrow"/>
+              <a:sym typeface="Arial Narrow"/>
+            </a:endParaRPr>
+          </a:p>
+          <a:p>
+            <a:pPr marL="508000" indent="-349250">
+              <a:buClr>
+                <a:schemeClr val="lt1"/>
+              </a:buClr>
+              <a:buSzPts val="1500"/>
+              <a:buFont typeface="Arial Narrow"/>
+              <a:buChar char="●"/>
+            </a:pPr>
+            <a:r>
+              <a:rPr lang="en-US" sz="2000" b="1" i="0" u="none" strike="noStrike" cap="none" dirty="0">
+                <a:solidFill>
+                  <a:schemeClr val="lt1"/>
+                </a:solidFill>
+                <a:latin typeface="Arial Narrow"/>
+                <a:ea typeface="Arial Narrow"/>
+                <a:cs typeface="Arial Narrow"/>
+                <a:sym typeface="Arial Narrow"/>
+              </a:rPr>
+              <a:t>Smoked Chicken Sandwich</a:t>
+            </a:r>
+            <a:r>
+              <a:rPr lang="en-US" sz="2000" i="0" u="none" strike="noStrike" cap="none" dirty="0">
+                <a:solidFill>
+                  <a:schemeClr val="lt1"/>
+                </a:solidFill>
+                <a:latin typeface="Arial Narrow"/>
+                <a:ea typeface="Arial Narrow"/>
+                <a:cs typeface="Arial Narrow"/>
+                <a:sym typeface="Arial Narrow"/>
+              </a:rPr>
+              <a:t> …………....................................</a:t>
+            </a:r>
+            <a:r>
+              <a:rPr lang="en-US" sz="2000" dirty="0">
+                <a:solidFill>
+                  <a:srgbClr val="8CD872"/>
+                </a:solidFill>
+                <a:latin typeface="Arial Narrow"/>
+                <a:ea typeface="Arial Narrow"/>
+                <a:cs typeface="Arial Narrow"/>
+                <a:sym typeface="Arial Narrow"/>
+              </a:rPr>
+              <a:t>.</a:t>
+            </a:r>
+            <a:r>
+              <a:rPr lang="en-US" sz="2000" b="0" i="0" u="none" strike="noStrike" cap="none" dirty="0">
+                <a:solidFill>
+                  <a:srgbClr val="8CD872"/>
+                </a:solidFill>
+                <a:latin typeface="Arial Narrow"/>
+                <a:ea typeface="Arial Narrow"/>
+                <a:cs typeface="Arial Narrow"/>
+                <a:sym typeface="Arial Narrow"/>
+              </a:rPr>
+              <a:t>  </a:t>
+            </a:r>
+            <a:r>
+              <a:rPr lang="en-US" sz="2000" b="1" i="0" u="none" strike="noStrike" cap="none" dirty="0">
+                <a:solidFill>
+                  <a:srgbClr val="8CD872"/>
+                </a:solidFill>
+                <a:latin typeface="Arial Narrow"/>
+                <a:ea typeface="Arial Narrow"/>
+                <a:cs typeface="Arial Narrow"/>
+                <a:sym typeface="Arial Narrow"/>
+              </a:rPr>
+              <a:t>13.5</a:t>
+            </a:r>
+          </a:p>
+          <a:p>
+            <a:pPr marL="508000" marR="0" lvl="0" indent="-349250" algn="l" rtl="0">
+              <a:lnSpc>
+                <a:spcPct val="100000"/>
+              </a:lnSpc>
+              <a:spcBef>
+                <a:spcPts val="0"/>
+              </a:spcBef>
+              <a:spcAft>
+                <a:spcPts val="0"/>
+              </a:spcAft>
+              <a:buClr>
+                <a:schemeClr val="lt1"/>
+              </a:buClr>
+              <a:buSzPts val="1500"/>
+              <a:buFont typeface="Arial Narrow"/>
+              <a:buChar char="●"/>
+            </a:pPr>
+            <a:r>
+              <a:rPr lang="en-US" sz="2000" b="1" i="0" u="none" strike="noStrike" cap="none" dirty="0">
+                <a:solidFill>
+                  <a:schemeClr val="lt1"/>
+                </a:solidFill>
+                <a:latin typeface="Arial Narrow"/>
+                <a:ea typeface="Arial Narrow"/>
+                <a:cs typeface="Arial Narrow"/>
+                <a:sym typeface="Arial Narrow"/>
+              </a:rPr>
+              <a:t>Beer Brat </a:t>
+            </a:r>
+            <a:r>
+              <a:rPr lang="en-US" sz="2000" i="0" u="none" strike="noStrike" cap="none" dirty="0">
+                <a:solidFill>
+                  <a:schemeClr val="lt1"/>
+                </a:solidFill>
+                <a:latin typeface="Arial Narrow"/>
+                <a:ea typeface="Arial Narrow"/>
+                <a:cs typeface="Arial Narrow"/>
+                <a:sym typeface="Arial Narrow"/>
+              </a:rPr>
+              <a:t>………………………………....................................</a:t>
+            </a:r>
+            <a:r>
+              <a:rPr lang="en-US" sz="2000" dirty="0">
+                <a:solidFill>
+                  <a:schemeClr val="lt1"/>
+                </a:solidFill>
+                <a:latin typeface="Arial Narrow"/>
+                <a:ea typeface="Arial Narrow"/>
+                <a:cs typeface="Arial Narrow"/>
+                <a:sym typeface="Arial Narrow"/>
+              </a:rPr>
+              <a:t>.</a:t>
+            </a:r>
+            <a:r>
+              <a:rPr lang="en-US" sz="2000" i="0" u="none" strike="noStrike" cap="none" dirty="0">
+                <a:solidFill>
+                  <a:schemeClr val="lt1"/>
+                </a:solidFill>
+                <a:latin typeface="Arial Narrow"/>
+                <a:ea typeface="Arial Narrow"/>
+                <a:cs typeface="Arial Narrow"/>
+                <a:sym typeface="Arial Narrow"/>
+              </a:rPr>
+              <a:t>..... </a:t>
+            </a:r>
+            <a:r>
+              <a:rPr lang="en-US" sz="2000" b="0" i="0" u="none" strike="noStrike" cap="none" dirty="0">
+                <a:solidFill>
+                  <a:srgbClr val="8CD872"/>
+                </a:solidFill>
+                <a:latin typeface="Arial Narrow"/>
+                <a:ea typeface="Arial Narrow"/>
+                <a:cs typeface="Arial Narrow"/>
+                <a:sym typeface="Arial Narrow"/>
+              </a:rPr>
+              <a:t> </a:t>
+            </a:r>
+            <a:r>
+              <a:rPr lang="en-US" sz="2000" b="1" i="0" u="none" strike="noStrike" cap="none" dirty="0">
+                <a:solidFill>
+                  <a:srgbClr val="8CD872"/>
+                </a:solidFill>
+                <a:latin typeface="Arial Narrow"/>
+                <a:ea typeface="Arial Narrow"/>
+                <a:cs typeface="Arial Narrow"/>
+                <a:sym typeface="Arial Narrow"/>
+              </a:rPr>
+              <a:t>10</a:t>
+            </a:r>
+            <a:endParaRPr sz="2000" b="1" i="0" u="none" strike="noStrike" cap="none" dirty="0">
+              <a:solidFill>
+                <a:srgbClr val="8CD872"/>
+              </a:solidFill>
+              <a:latin typeface="Arial Narrow"/>
+              <a:ea typeface="Arial Narrow"/>
+              <a:cs typeface="Arial Narrow"/>
+              <a:sym typeface="Arial Narrow"/>
+            </a:endParaRPr>
+          </a:p>
+          <a:p>
+            <a:pPr marL="1003300" marR="0" lvl="1" indent="-381000" algn="l" rtl="0">
+              <a:lnSpc>
+                <a:spcPct val="100000"/>
+              </a:lnSpc>
+              <a:spcBef>
+                <a:spcPts val="0"/>
+              </a:spcBef>
+              <a:spcAft>
+                <a:spcPts val="0"/>
+              </a:spcAft>
+              <a:buClr>
+                <a:schemeClr val="lt1"/>
+              </a:buClr>
+              <a:buSzPts val="2000"/>
+              <a:buFont typeface="Arial Narrow"/>
+              <a:buChar char="○"/>
+            </a:pPr>
+            <a:r>
+              <a:rPr lang="en-US" sz="2000" b="1" i="0" u="none" strike="noStrike" cap="none" dirty="0">
+                <a:solidFill>
+                  <a:schemeClr val="lt1"/>
+                </a:solidFill>
+                <a:latin typeface="Arial Narrow"/>
+                <a:ea typeface="Arial Narrow"/>
+                <a:cs typeface="Arial Narrow"/>
+                <a:sym typeface="Arial Narrow"/>
+              </a:rPr>
+              <a:t>Meal deal:</a:t>
+            </a:r>
+            <a:r>
+              <a:rPr lang="en-US" sz="2000" b="0" i="0" u="none" strike="noStrike" cap="none" dirty="0">
+                <a:solidFill>
+                  <a:schemeClr val="lt1"/>
+                </a:solidFill>
+                <a:latin typeface="Arial Narrow"/>
+                <a:ea typeface="Arial Narrow"/>
+                <a:cs typeface="Arial Narrow"/>
+                <a:sym typeface="Arial Narrow"/>
+              </a:rPr>
+              <a:t> Chips and drink ………………</a:t>
+            </a:r>
+            <a:r>
+              <a:rPr lang="en-US" sz="2000" dirty="0">
+                <a:solidFill>
+                  <a:schemeClr val="lt1"/>
+                </a:solidFill>
+                <a:latin typeface="Arial Narrow"/>
+                <a:ea typeface="Arial Narrow"/>
+                <a:cs typeface="Arial Narrow"/>
+                <a:sym typeface="Arial Narrow"/>
+              </a:rPr>
+              <a:t>………</a:t>
+            </a:r>
+            <a:r>
+              <a:rPr lang="en-US" sz="2000" b="0" i="0" u="none" strike="noStrike" cap="none" dirty="0">
+                <a:solidFill>
+                  <a:schemeClr val="lt1"/>
+                </a:solidFill>
+                <a:latin typeface="Arial Narrow"/>
+                <a:ea typeface="Arial Narrow"/>
+                <a:cs typeface="Arial Narrow"/>
+                <a:sym typeface="Arial Narrow"/>
+              </a:rPr>
+              <a:t>.…</a:t>
+            </a:r>
+            <a:r>
+              <a:rPr lang="en-US" sz="2000" dirty="0">
+                <a:solidFill>
+                  <a:schemeClr val="lt1"/>
+                </a:solidFill>
+                <a:latin typeface="Arial Narrow"/>
+                <a:ea typeface="Arial Narrow"/>
+                <a:cs typeface="Arial Narrow"/>
+                <a:sym typeface="Arial Narrow"/>
+              </a:rPr>
+              <a:t>…..</a:t>
+            </a:r>
+            <a:r>
+              <a:rPr lang="en-US" sz="2000" b="0" i="0" u="none" strike="noStrike" cap="none" dirty="0">
+                <a:solidFill>
+                  <a:schemeClr val="lt1"/>
+                </a:solidFill>
+                <a:latin typeface="Arial Narrow"/>
+                <a:ea typeface="Arial Narrow"/>
+                <a:cs typeface="Arial Narrow"/>
+                <a:sym typeface="Arial Narrow"/>
+              </a:rPr>
+              <a:t>  </a:t>
+            </a:r>
+            <a:r>
+              <a:rPr lang="en-US" sz="2000" b="1" i="0" u="none" strike="noStrike" cap="none" dirty="0">
+                <a:solidFill>
+                  <a:srgbClr val="8CD872"/>
+                </a:solidFill>
+                <a:latin typeface="Arial Narrow"/>
+                <a:ea typeface="Arial Narrow"/>
+                <a:cs typeface="Arial Narrow"/>
+                <a:sym typeface="Arial Narrow"/>
+              </a:rPr>
+              <a:t>Add 3</a:t>
+            </a:r>
+            <a:endParaRPr sz="2000" b="0" i="0" u="none" strike="noStrike" cap="none" dirty="0">
+              <a:solidFill>
+                <a:schemeClr val="lt1"/>
+              </a:solidFill>
+              <a:latin typeface="Arial Narrow"/>
+              <a:ea typeface="Arial Narrow"/>
+              <a:cs typeface="Arial Narrow"/>
+              <a:sym typeface="Arial Narrow"/>
+            </a:endParaRPr>
+          </a:p>
+          <a:p>
+            <a:pPr marL="508000" marR="0" lvl="0" indent="-349250" algn="l" rtl="0">
+              <a:lnSpc>
+                <a:spcPct val="100000"/>
+              </a:lnSpc>
+              <a:spcBef>
+                <a:spcPts val="0"/>
+              </a:spcBef>
+              <a:spcAft>
+                <a:spcPts val="0"/>
+              </a:spcAft>
+              <a:buClr>
+                <a:schemeClr val="lt1"/>
+              </a:buClr>
+              <a:buSzPts val="1500"/>
+              <a:buFont typeface="Arial Narrow"/>
+              <a:buChar char="●"/>
+            </a:pPr>
+            <a:r>
+              <a:rPr lang="en-US" sz="2000" b="1" i="0" u="none" strike="noStrike" cap="none" dirty="0" err="1">
+                <a:solidFill>
+                  <a:schemeClr val="lt1"/>
+                </a:solidFill>
+                <a:latin typeface="Arial Narrow"/>
+                <a:ea typeface="Arial Narrow"/>
+                <a:cs typeface="Arial Narrow"/>
+                <a:sym typeface="Arial Narrow"/>
+              </a:rPr>
+              <a:t>Pastelillos</a:t>
+            </a:r>
+            <a:r>
+              <a:rPr lang="en-US" sz="2000" b="1" i="0" u="none" strike="noStrike" cap="none" dirty="0">
+                <a:solidFill>
+                  <a:schemeClr val="lt1"/>
+                </a:solidFill>
+                <a:latin typeface="Arial Narrow"/>
+                <a:ea typeface="Arial Narrow"/>
+                <a:cs typeface="Arial Narrow"/>
+                <a:sym typeface="Arial Narrow"/>
+              </a:rPr>
+              <a:t>  </a:t>
+            </a:r>
+            <a:r>
+              <a:rPr lang="en-US" sz="2000" i="0" u="none" strike="noStrike" cap="none" dirty="0">
+                <a:solidFill>
+                  <a:schemeClr val="lt1"/>
+                </a:solidFill>
+                <a:latin typeface="Arial Narrow"/>
+                <a:ea typeface="Arial Narrow"/>
+                <a:cs typeface="Arial Narrow"/>
+                <a:sym typeface="Arial Narrow"/>
+              </a:rPr>
+              <a:t>………………………………........................................</a:t>
+            </a:r>
+            <a:r>
+              <a:rPr lang="en-US" sz="2000" b="0" i="0" u="none" strike="noStrike" cap="none" dirty="0">
+                <a:solidFill>
+                  <a:schemeClr val="lt1"/>
+                </a:solidFill>
+                <a:latin typeface="Arial Narrow"/>
+                <a:ea typeface="Arial Narrow"/>
+                <a:cs typeface="Arial Narrow"/>
+                <a:sym typeface="Arial Narrow"/>
+              </a:rPr>
+              <a:t>. </a:t>
+            </a:r>
+            <a:r>
+              <a:rPr lang="en-US" sz="2000" dirty="0">
+                <a:solidFill>
+                  <a:srgbClr val="8CD872"/>
+                </a:solidFill>
+                <a:latin typeface="Arial Narrow"/>
+                <a:ea typeface="Arial Narrow"/>
+                <a:cs typeface="Arial Narrow"/>
+                <a:sym typeface="Arial Narrow"/>
+              </a:rPr>
+              <a:t> </a:t>
+            </a:r>
+            <a:r>
+              <a:rPr lang="en-US" sz="2000" b="1" dirty="0">
+                <a:solidFill>
+                  <a:srgbClr val="8CD872"/>
+                </a:solidFill>
+                <a:latin typeface="Arial Narrow"/>
+                <a:ea typeface="Arial Narrow"/>
+                <a:cs typeface="Arial Narrow"/>
+                <a:sym typeface="Arial Narrow"/>
+              </a:rPr>
+              <a:t>5</a:t>
+            </a:r>
+            <a:endParaRPr sz="2000" b="1" i="0" u="none" strike="noStrike" cap="none" dirty="0">
+              <a:solidFill>
+                <a:srgbClr val="8CD872"/>
+              </a:solidFill>
+              <a:latin typeface="Arial Narrow"/>
+              <a:ea typeface="Arial Narrow"/>
+              <a:cs typeface="Arial Narrow"/>
+              <a:sym typeface="Arial Narrow"/>
+            </a:endParaRPr>
+          </a:p>
+          <a:p>
+            <a:pPr marL="1003300" marR="0" lvl="1" indent="-381000" algn="l" rtl="0">
+              <a:lnSpc>
+                <a:spcPct val="100000"/>
+              </a:lnSpc>
+              <a:spcBef>
+                <a:spcPts val="0"/>
+              </a:spcBef>
+              <a:spcAft>
+                <a:spcPts val="0"/>
+              </a:spcAft>
+              <a:buClr>
+                <a:schemeClr val="lt1"/>
+              </a:buClr>
+              <a:buSzPts val="2000"/>
+              <a:buFont typeface="Arial Narrow"/>
+              <a:buChar char="○"/>
+            </a:pPr>
+            <a:r>
+              <a:rPr lang="en-US" sz="2000" b="0" i="0" u="none" strike="noStrike" cap="none" dirty="0">
+                <a:solidFill>
+                  <a:schemeClr val="lt1"/>
+                </a:solidFill>
+                <a:latin typeface="Arial Narrow"/>
+                <a:ea typeface="Arial Narrow"/>
+                <a:cs typeface="Arial Narrow"/>
+                <a:sym typeface="Arial Narrow"/>
+              </a:rPr>
+              <a:t>Stuffed fried empanadas (beef and cheese)</a:t>
+            </a:r>
+          </a:p>
+          <a:p>
+            <a:pPr marL="1003300" marR="0" lvl="1" indent="-381000" algn="l" rtl="0">
+              <a:lnSpc>
+                <a:spcPct val="100000"/>
+              </a:lnSpc>
+              <a:spcBef>
+                <a:spcPts val="0"/>
+              </a:spcBef>
+              <a:spcAft>
+                <a:spcPts val="0"/>
+              </a:spcAft>
+              <a:buClr>
+                <a:schemeClr val="lt1"/>
+              </a:buClr>
+              <a:buSzPts val="2000"/>
+              <a:buFont typeface="Arial Narrow"/>
+              <a:buChar char="○"/>
+            </a:pPr>
+            <a:endParaRPr lang="en-US" sz="2000" b="0" i="0" u="none" strike="noStrike" cap="none" dirty="0">
+              <a:solidFill>
+                <a:schemeClr val="lt1"/>
+              </a:solidFill>
+              <a:latin typeface="Arial Narrow"/>
+              <a:ea typeface="Arial Narrow"/>
+              <a:cs typeface="Arial Narrow"/>
+              <a:sym typeface="Arial Narrow"/>
+            </a:endParaRPr>
+          </a:p>
+          <a:p>
+            <a:pPr marL="508000" marR="0" lvl="0" indent="-349250" algn="l" rtl="0">
+              <a:lnSpc>
+                <a:spcPct val="100000"/>
+              </a:lnSpc>
+              <a:spcBef>
+                <a:spcPts val="0"/>
+              </a:spcBef>
+              <a:spcAft>
+                <a:spcPts val="0"/>
+              </a:spcAft>
+              <a:buClr>
+                <a:schemeClr val="lt1"/>
+              </a:buClr>
+              <a:buSzPts val="1500"/>
+              <a:buFont typeface="Arial Narrow"/>
+              <a:buChar char="●"/>
+            </a:pPr>
+            <a:r>
+              <a:rPr lang="en-US" sz="2000" b="1" i="0" u="none" strike="noStrike" cap="none" dirty="0" err="1">
+                <a:solidFill>
+                  <a:schemeClr val="lt1"/>
+                </a:solidFill>
+                <a:latin typeface="Arial Narrow"/>
+                <a:ea typeface="Arial Narrow"/>
+                <a:cs typeface="Arial Narrow"/>
+                <a:sym typeface="Arial Narrow"/>
+              </a:rPr>
+              <a:t>Pincho</a:t>
+            </a:r>
+            <a:r>
+              <a:rPr lang="en-US" sz="2000" b="1" i="0" u="none" strike="noStrike" cap="none" dirty="0">
+                <a:solidFill>
+                  <a:schemeClr val="lt1"/>
+                </a:solidFill>
+                <a:latin typeface="Arial Narrow"/>
+                <a:ea typeface="Arial Narrow"/>
+                <a:cs typeface="Arial Narrow"/>
+                <a:sym typeface="Arial Narrow"/>
+              </a:rPr>
+              <a:t> Fries &amp; Smoked Chicken </a:t>
+            </a:r>
+            <a:r>
+              <a:rPr lang="en-US" sz="2000" i="0" u="none" strike="noStrike" cap="none" dirty="0">
+                <a:solidFill>
+                  <a:schemeClr val="lt1"/>
+                </a:solidFill>
+                <a:latin typeface="Arial Narrow"/>
+                <a:ea typeface="Arial Narrow"/>
+                <a:cs typeface="Arial Narrow"/>
+                <a:sym typeface="Arial Narrow"/>
+              </a:rPr>
+              <a:t>….........................................</a:t>
+            </a:r>
+            <a:r>
+              <a:rPr lang="en-US" sz="2000" b="0" i="0" u="none" strike="noStrike" cap="none" dirty="0">
+                <a:solidFill>
+                  <a:schemeClr val="lt1"/>
+                </a:solidFill>
+                <a:latin typeface="Arial Narrow"/>
+                <a:ea typeface="Arial Narrow"/>
+                <a:cs typeface="Arial Narrow"/>
+                <a:sym typeface="Arial Narrow"/>
+              </a:rPr>
+              <a:t>.</a:t>
+            </a:r>
+            <a:r>
+              <a:rPr lang="en-US" sz="2000" dirty="0">
+                <a:solidFill>
+                  <a:srgbClr val="8CD872"/>
+                </a:solidFill>
+                <a:latin typeface="Arial Narrow"/>
+                <a:ea typeface="Arial Narrow"/>
+                <a:cs typeface="Arial Narrow"/>
+                <a:sym typeface="Arial Narrow"/>
+              </a:rPr>
+              <a:t> </a:t>
+            </a:r>
+            <a:r>
+              <a:rPr lang="en-US" sz="2000" b="1" dirty="0">
+                <a:solidFill>
+                  <a:srgbClr val="8CD872"/>
+                </a:solidFill>
+                <a:latin typeface="Arial Narrow"/>
+                <a:ea typeface="Arial Narrow"/>
+                <a:cs typeface="Arial Narrow"/>
+                <a:sym typeface="Arial Narrow"/>
+              </a:rPr>
+              <a:t>18</a:t>
+            </a:r>
+            <a:endParaRPr lang="en-US" sz="2000" b="1" i="0" u="none" strike="noStrike" cap="none" dirty="0">
+              <a:solidFill>
+                <a:srgbClr val="8CD872"/>
+              </a:solidFill>
+              <a:latin typeface="Arial Narrow"/>
+              <a:ea typeface="Arial Narrow"/>
+              <a:cs typeface="Arial Narrow"/>
+              <a:sym typeface="Arial Narrow"/>
+            </a:endParaRPr>
+          </a:p>
+          <a:p>
+            <a:pPr marL="1003300" marR="0" lvl="1" indent="-381000" algn="l" rtl="0">
+              <a:lnSpc>
+                <a:spcPct val="100000"/>
+              </a:lnSpc>
+              <a:spcBef>
+                <a:spcPts val="0"/>
+              </a:spcBef>
+              <a:spcAft>
+                <a:spcPts val="0"/>
+              </a:spcAft>
+              <a:buClr>
+                <a:schemeClr val="lt1"/>
+              </a:buClr>
+              <a:buSzPts val="2000"/>
+              <a:buFont typeface="Arial Narrow"/>
+              <a:buChar char="○"/>
+            </a:pPr>
+            <a:r>
+              <a:rPr lang="en-US" sz="2000" b="0" i="0" u="none" strike="noStrike" cap="none" dirty="0">
+                <a:solidFill>
+                  <a:schemeClr val="lt1"/>
+                </a:solidFill>
+                <a:latin typeface="Arial Narrow"/>
+                <a:ea typeface="Arial Narrow"/>
+                <a:cs typeface="Arial Narrow"/>
+                <a:sym typeface="Arial Narrow"/>
+              </a:rPr>
+              <a:t>Stuffed fried empanadas (beef and cheese)</a:t>
+            </a:r>
+          </a:p>
+          <a:p>
+            <a:pPr marL="508000" marR="0" lvl="0" indent="-349250" algn="l" rtl="0">
+              <a:lnSpc>
+                <a:spcPct val="100000"/>
+              </a:lnSpc>
+              <a:spcBef>
+                <a:spcPts val="0"/>
+              </a:spcBef>
+              <a:spcAft>
+                <a:spcPts val="0"/>
+              </a:spcAft>
+              <a:buClr>
+                <a:schemeClr val="lt1"/>
+              </a:buClr>
+              <a:buSzPts val="1500"/>
+              <a:buFont typeface="Arial Narrow"/>
+              <a:buChar char="●"/>
+            </a:pPr>
+            <a:r>
+              <a:rPr lang="en-US" sz="2000" b="1" i="0" u="none" strike="noStrike" cap="none" dirty="0">
+                <a:solidFill>
+                  <a:schemeClr val="lt1"/>
+                </a:solidFill>
+                <a:latin typeface="Arial Narrow"/>
+                <a:ea typeface="Arial Narrow"/>
+                <a:cs typeface="Arial Narrow"/>
+                <a:sym typeface="Arial Narrow"/>
+              </a:rPr>
+              <a:t>Regular Fries </a:t>
+            </a:r>
+            <a:r>
+              <a:rPr lang="en-US" sz="2000" i="0" u="none" strike="noStrike" cap="none" dirty="0">
+                <a:solidFill>
+                  <a:schemeClr val="lt1"/>
+                </a:solidFill>
+                <a:latin typeface="Arial Narrow"/>
+                <a:ea typeface="Arial Narrow"/>
+                <a:cs typeface="Arial Narrow"/>
+                <a:sym typeface="Arial Narrow"/>
+              </a:rPr>
+              <a:t>……………..……………........................................</a:t>
+            </a:r>
+            <a:r>
+              <a:rPr lang="en-US" sz="2000" b="0" i="0" u="none" strike="noStrike" cap="none" dirty="0">
+                <a:solidFill>
+                  <a:schemeClr val="lt1"/>
+                </a:solidFill>
+                <a:latin typeface="Arial Narrow"/>
+                <a:ea typeface="Arial Narrow"/>
+                <a:cs typeface="Arial Narrow"/>
+                <a:sym typeface="Arial Narrow"/>
+              </a:rPr>
+              <a:t>.</a:t>
+            </a:r>
+            <a:r>
+              <a:rPr lang="en-US" sz="2000" dirty="0">
+                <a:solidFill>
+                  <a:srgbClr val="8CD872"/>
+                </a:solidFill>
+                <a:latin typeface="Arial Narrow"/>
+                <a:ea typeface="Arial Narrow"/>
+                <a:cs typeface="Arial Narrow"/>
+                <a:sym typeface="Arial Narrow"/>
+              </a:rPr>
+              <a:t> </a:t>
+            </a:r>
+            <a:r>
+              <a:rPr lang="en-US" sz="2000" b="1" dirty="0">
+                <a:solidFill>
+                  <a:srgbClr val="8CD872"/>
+                </a:solidFill>
+                <a:latin typeface="Arial Narrow"/>
+                <a:ea typeface="Arial Narrow"/>
+                <a:cs typeface="Arial Narrow"/>
+                <a:sym typeface="Arial Narrow"/>
+              </a:rPr>
+              <a:t>9</a:t>
+            </a:r>
+            <a:endParaRPr lang="en-US" sz="2000" b="0" i="0" u="none" strike="noStrike" cap="none" dirty="0">
+              <a:solidFill>
+                <a:schemeClr val="lt1"/>
+              </a:solidFill>
+              <a:latin typeface="Arial Narrow"/>
+              <a:ea typeface="Arial Narrow"/>
+              <a:cs typeface="Arial Narrow"/>
+              <a:sym typeface="Arial Narrow"/>
+            </a:endParaRPr>
+          </a:p>
+          <a:p>
+            <a:pPr marL="508000" marR="0" lvl="0" indent="-349250" algn="l" rtl="0">
+              <a:lnSpc>
+                <a:spcPct val="100000"/>
+              </a:lnSpc>
+              <a:spcBef>
+                <a:spcPts val="0"/>
+              </a:spcBef>
+              <a:spcAft>
+                <a:spcPts val="0"/>
+              </a:spcAft>
+              <a:buClr>
+                <a:schemeClr val="lt1"/>
+              </a:buClr>
+              <a:buSzPts val="1500"/>
+              <a:buFont typeface="Arial Narrow"/>
+              <a:buChar char="●"/>
+            </a:pPr>
+            <a:r>
+              <a:rPr lang="en-US" sz="2000" b="1" dirty="0">
+                <a:solidFill>
+                  <a:schemeClr val="lt1"/>
+                </a:solidFill>
+                <a:latin typeface="Arial Narrow"/>
+                <a:ea typeface="Arial Narrow"/>
+                <a:cs typeface="Arial Narrow"/>
+                <a:sym typeface="Arial Narrow"/>
+              </a:rPr>
+              <a:t>Homestyle Fries</a:t>
+            </a:r>
+            <a:r>
+              <a:rPr lang="en-US" sz="2000" b="1" i="0" u="none" strike="noStrike" cap="none" dirty="0">
+                <a:solidFill>
+                  <a:schemeClr val="lt1"/>
+                </a:solidFill>
+                <a:latin typeface="Arial Narrow"/>
+                <a:ea typeface="Arial Narrow"/>
+                <a:cs typeface="Arial Narrow"/>
+                <a:sym typeface="Arial Narrow"/>
+              </a:rPr>
+              <a:t> </a:t>
+            </a:r>
+            <a:r>
+              <a:rPr lang="en-US" sz="2000" i="0" u="none" strike="noStrike" cap="none" dirty="0">
+                <a:solidFill>
+                  <a:schemeClr val="lt1"/>
+                </a:solidFill>
+                <a:latin typeface="Arial Narrow"/>
+                <a:ea typeface="Arial Narrow"/>
+                <a:cs typeface="Arial Narrow"/>
+                <a:sym typeface="Arial Narrow"/>
+              </a:rPr>
+              <a:t>…….…………………........................................</a:t>
+            </a:r>
+            <a:r>
+              <a:rPr lang="en-US" sz="2000" b="0" i="0" u="none" strike="noStrike" cap="none" dirty="0">
+                <a:solidFill>
+                  <a:schemeClr val="lt1"/>
+                </a:solidFill>
+                <a:latin typeface="Arial Narrow"/>
+                <a:ea typeface="Arial Narrow"/>
+                <a:cs typeface="Arial Narrow"/>
+                <a:sym typeface="Arial Narrow"/>
+              </a:rPr>
+              <a:t>.</a:t>
+            </a:r>
+            <a:r>
+              <a:rPr lang="en-US" sz="2000" dirty="0">
+                <a:solidFill>
+                  <a:srgbClr val="8CD872"/>
+                </a:solidFill>
+                <a:latin typeface="Arial Narrow"/>
+                <a:ea typeface="Arial Narrow"/>
+                <a:cs typeface="Arial Narrow"/>
+                <a:sym typeface="Arial Narrow"/>
+              </a:rPr>
+              <a:t> </a:t>
+            </a:r>
+            <a:r>
+              <a:rPr lang="en-US" sz="2000" b="1" dirty="0">
+                <a:solidFill>
+                  <a:srgbClr val="8CD872"/>
+                </a:solidFill>
+                <a:latin typeface="Arial Narrow"/>
+                <a:ea typeface="Arial Narrow"/>
+                <a:cs typeface="Arial Narrow"/>
+                <a:sym typeface="Arial Narrow"/>
+              </a:rPr>
+              <a:t>5</a:t>
+            </a:r>
+            <a:br>
+              <a:rPr lang="en-US" sz="600" b="0" i="0" u="none" strike="noStrike" cap="none" dirty="0">
+                <a:solidFill>
+                  <a:schemeClr val="lt1"/>
+                </a:solidFill>
+                <a:latin typeface="Arial Narrow"/>
+                <a:ea typeface="Arial Narrow"/>
+                <a:cs typeface="Arial Narrow"/>
+                <a:sym typeface="Arial Narrow"/>
+              </a:rPr>
+            </a:br>
+            <a:endParaRPr sz="900" b="0" i="0" u="none" strike="noStrike" cap="none" dirty="0">
+              <a:solidFill>
+                <a:schemeClr val="lt1"/>
+              </a:solidFill>
+              <a:latin typeface="Arial Narrow"/>
+              <a:ea typeface="Arial Narrow"/>
+              <a:cs typeface="Arial Narrow"/>
+              <a:sym typeface="Arial Narrow"/>
+            </a:endParaRPr>
+          </a:p>
+        </p:txBody>
+      </p:sp>
     </p:spTree>
   </p:cSld>
   <p:clrMapOvr>

--- a/misc/Menu Letter 8.5 by 11 on 12-12-24/2_Letter_DaBeast Services Menu.pptx
+++ b/misc/Menu Letter 8.5 by 11 on 12-12-24/2_Letter_DaBeast Services Menu.pptx
@@ -15435,7 +15435,7 @@
         <p:spPr>
           <a:xfrm>
             <a:off x="341567" y="6501007"/>
-            <a:ext cx="3357300" cy="2487002"/>
+            <a:ext cx="3357300" cy="2256170"/>
           </a:xfrm>
           <a:prstGeom prst="rect">
             <a:avLst/>
@@ -15491,127 +15491,23 @@
             </a:endParaRPr>
           </a:p>
           <a:p>
-            <a:pPr marL="304800" marR="0" lvl="0" indent="-177800" algn="l" rtl="0">
-              <a:lnSpc>
-                <a:spcPct val="100000"/>
-              </a:lnSpc>
-              <a:spcBef>
-                <a:spcPts val="0"/>
-              </a:spcBef>
-              <a:spcAft>
-                <a:spcPts val="0"/>
-              </a:spcAft>
-              <a:buClr>
-                <a:schemeClr val="dk1"/>
+            <a:pPr marL="0" marR="0" lvl="0" indent="0" algn="l" rtl="0">
+              <a:lnSpc>
+                <a:spcPct val="100000"/>
+              </a:lnSpc>
+              <a:spcBef>
+                <a:spcPts val="0"/>
+              </a:spcBef>
+              <a:spcAft>
+                <a:spcPts val="0"/>
+              </a:spcAft>
+              <a:buClr>
+                <a:srgbClr val="000000"/>
               </a:buClr>
               <a:buSzPts val="2000"/>
               <a:buFont typeface="Arial"/>
               <a:buNone/>
             </a:pPr>
-            <a:endParaRPr sz="2000" b="0" i="0" u="none" strike="noStrike" cap="none" dirty="0">
-              <a:solidFill>
-                <a:schemeClr val="lt1"/>
-              </a:solidFill>
-              <a:latin typeface="Arial Narrow"/>
-              <a:ea typeface="Arial Narrow"/>
-              <a:cs typeface="Arial Narrow"/>
-              <a:sym typeface="Arial Narrow"/>
-            </a:endParaRPr>
-          </a:p>
-          <a:p>
-            <a:pPr marL="0" marR="0" lvl="0" indent="0" algn="l" rtl="0">
-              <a:lnSpc>
-                <a:spcPct val="100000"/>
-              </a:lnSpc>
-              <a:spcBef>
-                <a:spcPts val="0"/>
-              </a:spcBef>
-              <a:spcAft>
-                <a:spcPts val="0"/>
-              </a:spcAft>
-              <a:buClr>
-                <a:srgbClr val="000000"/>
-              </a:buClr>
-              <a:buSzPts val="2000"/>
-              <a:buFont typeface="Arial"/>
-              <a:buNone/>
-            </a:pPr>
-            <a:r>
-              <a:rPr lang="en-US" sz="2000" b="0" i="0" u="none" strike="noStrike" cap="none" dirty="0">
-                <a:solidFill>
-                  <a:schemeClr val="lt1"/>
-                </a:solidFill>
-                <a:latin typeface="Arial Narrow"/>
-                <a:ea typeface="Arial Narrow"/>
-                <a:cs typeface="Arial Narrow"/>
-                <a:sym typeface="Arial Narrow"/>
-              </a:rPr>
-              <a:t>     Limber De Coco (Ice Cream)</a:t>
-            </a:r>
-            <a:r>
-              <a:rPr lang="en-US" sz="2000" b="0" i="0" u="none" strike="noStrike" cap="none" dirty="0">
-                <a:solidFill>
-                  <a:srgbClr val="8CD872"/>
-                </a:solidFill>
-                <a:latin typeface="Arial Narrow"/>
-                <a:ea typeface="Arial Narrow"/>
-                <a:cs typeface="Arial Narrow"/>
-                <a:sym typeface="Arial Narrow"/>
-              </a:rPr>
-              <a:t> </a:t>
-            </a:r>
-            <a:endParaRPr sz="2000" b="0" i="0" u="none" strike="noStrike" cap="none" dirty="0">
-              <a:solidFill>
-                <a:srgbClr val="8CD872"/>
-              </a:solidFill>
-              <a:latin typeface="Arial Narrow"/>
-              <a:ea typeface="Arial Narrow"/>
-              <a:cs typeface="Arial Narrow"/>
-              <a:sym typeface="Arial Narrow"/>
-            </a:endParaRPr>
-          </a:p>
-          <a:p>
-            <a:pPr marL="0" marR="0" lvl="0" indent="0" algn="l" rtl="0">
-              <a:lnSpc>
-                <a:spcPct val="100000"/>
-              </a:lnSpc>
-              <a:spcBef>
-                <a:spcPts val="0"/>
-              </a:spcBef>
-              <a:spcAft>
-                <a:spcPts val="0"/>
-              </a:spcAft>
-              <a:buClr>
-                <a:srgbClr val="000000"/>
-              </a:buClr>
-              <a:buSzPts val="2000"/>
-              <a:buFont typeface="Arial"/>
-              <a:buNone/>
-            </a:pPr>
-            <a:r>
-              <a:rPr lang="en-US" sz="2000" b="0" i="0" u="none" strike="noStrike" cap="none" dirty="0">
-                <a:solidFill>
-                  <a:schemeClr val="lt1"/>
-                </a:solidFill>
-                <a:latin typeface="Arial Narrow"/>
-                <a:ea typeface="Arial Narrow"/>
-                <a:cs typeface="Arial Narrow"/>
-                <a:sym typeface="Arial Narrow"/>
-              </a:rPr>
-              <a:t>     ………………………………. </a:t>
-            </a:r>
-            <a:r>
-              <a:rPr lang="en-US" sz="2000" b="1" i="0" u="none" strike="noStrike" cap="none" dirty="0">
-                <a:solidFill>
-                  <a:srgbClr val="8CD872"/>
-                </a:solidFill>
-                <a:latin typeface="Arial Narrow"/>
-                <a:ea typeface="Arial Narrow"/>
-                <a:cs typeface="Arial Narrow"/>
-                <a:sym typeface="Arial Narrow"/>
-              </a:rPr>
-              <a:t>5</a:t>
-            </a:r>
             <a:r>
               <a:rPr lang="en-US" sz="2000" b="0" i="0" u="none" strike="noStrike" cap="none" dirty="0">
                 <a:solidFill>
@@ -15728,35 +15624,93 @@
               </a:rPr>
               <a:t>6</a:t>
             </a:r>
-            <a:endParaRPr sz="1500" b="0" i="0" u="none" strike="noStrike" cap="none" dirty="0">
-              <a:solidFill>
-                <a:srgbClr val="000000"/>
-              </a:solidFill>
-              <a:latin typeface="Arial"/>
-              <a:ea typeface="Arial"/>
-              <a:cs typeface="Arial"/>
-              <a:sym typeface="Arial"/>
-            </a:endParaRPr>
           </a:p>
           <a:p>
-            <a:pPr marL="508000" marR="0" lvl="0" indent="0" algn="l" rtl="0">
-              <a:lnSpc>
-                <a:spcPct val="100000"/>
-              </a:lnSpc>
-              <a:spcBef>
-                <a:spcPts val="0"/>
-              </a:spcBef>
-              <a:spcAft>
-                <a:spcPts val="0"/>
-              </a:spcAft>
-              <a:buClr>
-                <a:srgbClr val="000000"/>
-              </a:buClr>
-              <a:buSzPts val="1500"/>
-              <a:buFont typeface="Arial"/>
-              <a:buNone/>
+            <a:pPr marL="304800" marR="0" lvl="0" indent="-304800" algn="l" rtl="0">
+              <a:lnSpc>
+                <a:spcPct val="100000"/>
+              </a:lnSpc>
+              <a:spcBef>
+                <a:spcPts val="0"/>
+              </a:spcBef>
+              <a:spcAft>
+                <a:spcPts val="0"/>
+              </a:spcAft>
+              <a:buClr>
+                <a:schemeClr val="lt1"/>
+              </a:buClr>
+              <a:buSzPts val="2000"/>
+              <a:buFont typeface="Arial"/>
+              <a:buChar char="•"/>
             </a:pPr>
-            <a:endParaRPr sz="1500" b="0" i="0" u="none" strike="noStrike" cap="none" dirty="0">
+            <a:r>
+              <a:rPr lang="en-US" sz="2000" b="0" i="0" u="none" strike="noStrike" cap="none" dirty="0">
+                <a:solidFill>
+                  <a:schemeClr val="lt1"/>
+                </a:solidFill>
+                <a:latin typeface="Arial Narrow"/>
+                <a:ea typeface="Arial Narrow"/>
+                <a:cs typeface="Arial Narrow"/>
+                <a:sym typeface="Arial Narrow"/>
+              </a:rPr>
+              <a:t>Limber De Coco (Ice Cream)</a:t>
+            </a:r>
+            <a:r>
+              <a:rPr lang="en-US" sz="2000" b="0" i="0" u="none" strike="noStrike" cap="none" dirty="0">
+                <a:solidFill>
+                  <a:srgbClr val="8CD872"/>
+                </a:solidFill>
+                <a:latin typeface="Arial Narrow"/>
+                <a:ea typeface="Arial Narrow"/>
+                <a:cs typeface="Arial Narrow"/>
+                <a:sym typeface="Arial Narrow"/>
+              </a:rPr>
+              <a:t> </a:t>
+            </a:r>
+          </a:p>
+          <a:p>
+            <a:pPr marL="0" marR="0" lvl="0" indent="0" algn="l" rtl="0">
+              <a:lnSpc>
+                <a:spcPct val="100000"/>
+              </a:lnSpc>
+              <a:spcBef>
+                <a:spcPts val="0"/>
+              </a:spcBef>
+              <a:spcAft>
+                <a:spcPts val="0"/>
+              </a:spcAft>
+              <a:buClr>
+                <a:srgbClr val="000000"/>
+              </a:buClr>
+              <a:buSzPts val="2000"/>
+              <a:buFont typeface="Arial"/>
+              <a:buNone/>
+            </a:pPr>
+            <a:r>
+              <a:rPr lang="en-US" sz="2000" b="0" i="0" u="none" strike="noStrike" cap="none" dirty="0">
+                <a:solidFill>
+                  <a:schemeClr val="lt1"/>
+                </a:solidFill>
+                <a:latin typeface="Arial Narrow"/>
+                <a:ea typeface="Arial Narrow"/>
+                <a:cs typeface="Arial Narrow"/>
+                <a:sym typeface="Arial Narrow"/>
+              </a:rPr>
+              <a:t>     ………………………………. </a:t>
+            </a:r>
+            <a:r>
+              <a:rPr lang="en-US" sz="2000" b="1" i="0" u="none" strike="noStrike" cap="none" dirty="0">
+                <a:solidFill>
+                  <a:srgbClr val="8CD872"/>
+                </a:solidFill>
+                <a:latin typeface="Arial Narrow"/>
+                <a:ea typeface="Arial Narrow"/>
+                <a:cs typeface="Arial Narrow"/>
+                <a:sym typeface="Arial Narrow"/>
+              </a:rPr>
+              <a:t>5</a:t>
+            </a:r>
+            <a:endParaRPr sz="2000" b="0" i="0" u="none" strike="noStrike" cap="none" dirty="0">
               <a:solidFill>
                 <a:srgbClr val="000000"/>
               </a:solidFill>
@@ -15776,7 +15730,7 @@
         </p:nvCxnSpPr>
         <p:spPr>
           <a:xfrm>
-            <a:off x="176323" y="2844294"/>
+            <a:off x="176323" y="2509620"/>
             <a:ext cx="7350900" cy="0"/>
           </a:xfrm>
           <a:prstGeom prst="straightConnector1">
@@ -15829,7 +15783,7 @@
         <p:spPr>
           <a:xfrm>
             <a:off x="4047486" y="6501003"/>
-            <a:ext cx="3491700" cy="3102555"/>
+            <a:ext cx="3491700" cy="3179500"/>
           </a:xfrm>
           <a:prstGeom prst="rect">
             <a:avLst/>
@@ -15954,7 +15908,7 @@
               </a:rPr>
               <a:t>4.5</a:t>
             </a:r>
-            <a:endParaRPr sz="1500" b="0" i="0" u="none" strike="noStrike" cap="none" dirty="0">
+            <a:endParaRPr lang="en-US" sz="1500" b="0" i="0" u="none" strike="noStrike" cap="none" dirty="0">
               <a:solidFill>
                 <a:srgbClr val="000000"/>
               </a:solidFill>
@@ -15965,35 +15919,23 @@
             </a:endParaRPr>
           </a:p>
           <a:p>
-            <a:pPr marL="0" marR="0" lvl="0" indent="0" algn="l" rtl="0">
-              <a:lnSpc>
-                <a:spcPct val="100000"/>
-              </a:lnSpc>
-              <a:spcBef>
-                <a:spcPts val="0"/>
-              </a:spcBef>
-              <a:spcAft>
-                <a:spcPts val="0"/>
-              </a:spcAft>
-              <a:buClr>
-                <a:srgbClr val="000000"/>
-              </a:buClr>
-              <a:buSzPts val="2000"/>
-              <a:buFont typeface="Arial"/>
-              <a:buNone/>
+            <a:pPr marL="1003300" marR="0" lvl="1" indent="-349250" algn="l" rtl="0">
+              <a:lnSpc>
+                <a:spcPct val="100000"/>
+              </a:lnSpc>
+              <a:spcBef>
+                <a:spcPts val="0"/>
+              </a:spcBef>
+              <a:spcAft>
+                <a:spcPts val="0"/>
+              </a:spcAft>
+              <a:buClr>
+                <a:schemeClr val="lt1"/>
+              </a:buClr>
+              <a:buSzPts val="1500"/>
+              <a:buFont typeface="Arial Narrow"/>
+              <a:buChar char="○"/>
             </a:pPr>
-            <a:r>
-              <a:rPr lang="en-US" sz="2000" b="0" i="0" u="none" strike="noStrike" cap="none" dirty="0">
-                <a:solidFill>
-                  <a:schemeClr val="lt1"/>
-                </a:solidFill>
-                <a:latin typeface="Arial Narrow"/>
-                <a:ea typeface="Arial Narrow"/>
-                <a:cs typeface="Arial Narrow"/>
-                <a:sym typeface="Arial Narrow"/>
-              </a:rPr>
-              <a:t>	</a:t>
-            </a:r>
             <a:r>
               <a:rPr lang="en-US" sz="1500" b="0" i="1" u="none" strike="noStrike" cap="none" dirty="0">
                 <a:solidFill>
@@ -16017,18 +15959,6 @@
                 <a:sym typeface="Arial Narrow"/>
               </a:rPr>
             </a:br>
-            <a:r>
-              <a:rPr lang="en-US" sz="1500" i="1" dirty="0">
-                <a:solidFill>
-                  <a:schemeClr val="lt1"/>
-                </a:solidFill>
-                <a:latin typeface="Arial Narrow"/>
-                <a:ea typeface="Arial Narrow"/>
-                <a:cs typeface="Arial Narrow"/>
-                <a:sym typeface="Arial Narrow"/>
-              </a:rPr>
-              <a:t>	</a:t>
-            </a:r>
             <a:r>
               <a:rPr lang="en-US" sz="1500" b="0" i="1" u="none" strike="noStrike" cap="none" dirty="0">
                 <a:solidFill>
@@ -16125,8 +16055,72 @@
               </a:rPr>
               <a:t>3</a:t>
             </a:r>
+            <a:endParaRPr lang="en-US" sz="1500" b="0" i="0" u="none" strike="noStrike" cap="none" dirty="0">
+              <a:solidFill>
+                <a:srgbClr val="000000"/>
+              </a:solidFill>
+              <a:latin typeface="Arial"/>
+              <a:ea typeface="Arial"/>
+              <a:cs typeface="Arial"/>
+              <a:sym typeface="Arial"/>
+            </a:endParaRPr>
+          </a:p>
+          <a:p>
+            <a:pPr marL="1003300" marR="0" lvl="1" indent="-349250" algn="l" rtl="0">
+              <a:lnSpc>
+                <a:spcPct val="100000"/>
+              </a:lnSpc>
+              <a:spcBef>
+                <a:spcPts val="0"/>
+              </a:spcBef>
+              <a:spcAft>
+                <a:spcPts val="0"/>
+              </a:spcAft>
+              <a:buClr>
+                <a:schemeClr val="lt1"/>
+              </a:buClr>
+              <a:buSzPts val="1500"/>
+              <a:buFont typeface="Arial Narrow"/>
+              <a:buChar char="○"/>
+            </a:pPr>
+            <a:r>
+              <a:rPr lang="en-US" sz="1500" b="0" i="1" u="none" strike="noStrike" cap="none" dirty="0">
+                <a:solidFill>
+                  <a:schemeClr val="lt1"/>
+                </a:solidFill>
+                <a:latin typeface="Arial Narrow"/>
+                <a:ea typeface="Arial Narrow"/>
+                <a:cs typeface="Arial Narrow"/>
+                <a:sym typeface="Arial Narrow"/>
+              </a:rPr>
+              <a:t>Gatorade, </a:t>
+            </a:r>
+            <a:r>
+              <a:rPr lang="en-US" sz="1500" b="0" i="1" u="none" strike="noStrike" cap="none" dirty="0" err="1">
+                <a:solidFill>
+                  <a:schemeClr val="lt1"/>
+                </a:solidFill>
+                <a:latin typeface="Arial Narrow"/>
+                <a:ea typeface="Arial Narrow"/>
+                <a:cs typeface="Arial Narrow"/>
+                <a:sym typeface="Arial Narrow"/>
+              </a:rPr>
+              <a:t>Redbull</a:t>
+            </a:r>
+            <a:r>
+              <a:rPr lang="en-US" sz="1500" b="0" i="1" u="none" strike="noStrike" cap="none" dirty="0">
+                <a:solidFill>
+                  <a:schemeClr val="lt1"/>
+                </a:solidFill>
+                <a:latin typeface="Arial Narrow"/>
+                <a:ea typeface="Arial Narrow"/>
+                <a:cs typeface="Arial Narrow"/>
+                <a:sym typeface="Arial Narrow"/>
+              </a:rPr>
+              <a:t>, Coke,</a:t>
+            </a:r>
             <a:br>
-              <a:rPr lang="en-US" sz="2000" b="0" i="0" u="none" strike="noStrike" cap="none" dirty="0">
+              <a:rPr lang="en-US" sz="1500" b="0" i="1" u="none" strike="noStrike" cap="none" dirty="0">
                 <a:solidFill>
                   <a:schemeClr val="lt1"/>
                 </a:solidFill>
@@ -16136,6 +16130,42 @@
                 <a:sym typeface="Arial Narrow"/>
               </a:rPr>
             </a:br>
+            <a:r>
+              <a:rPr lang="en-US" sz="1500" b="0" i="1" u="none" strike="noStrike" cap="none" dirty="0">
+                <a:solidFill>
+                  <a:schemeClr val="lt1"/>
+                </a:solidFill>
+                <a:latin typeface="Arial Narrow"/>
+                <a:ea typeface="Arial Narrow"/>
+                <a:cs typeface="Arial Narrow"/>
+                <a:sym typeface="Arial Narrow"/>
+              </a:rPr>
+              <a:t>Sprite, Fanta</a:t>
+            </a:r>
+            <a:r>
+              <a:rPr lang="en-US" sz="1500" b="0" i="1" u="none" strike="noStrike" cap="none">
+                <a:solidFill>
+                  <a:schemeClr val="lt1"/>
+                </a:solidFill>
+                <a:latin typeface="Arial Narrow"/>
+                <a:ea typeface="Arial Narrow"/>
+                <a:cs typeface="Arial Narrow"/>
+                <a:sym typeface="Arial Narrow"/>
+              </a:rPr>
+              <a:t>, Iced </a:t>
+            </a:r>
+            <a:r>
+              <a:rPr lang="en-US" sz="1500" b="0" i="1" u="none" strike="noStrike" cap="none" dirty="0">
+                <a:solidFill>
+                  <a:schemeClr val="lt1"/>
+                </a:solidFill>
+                <a:latin typeface="Arial Narrow"/>
+                <a:ea typeface="Arial Narrow"/>
+                <a:cs typeface="Arial Narrow"/>
+                <a:sym typeface="Arial Narrow"/>
+              </a:rPr>
+              <a:t>Tea, etc.</a:t>
+            </a:r>
             <a:endParaRPr sz="2000" b="0" i="0" u="none" strike="noStrike" cap="none" dirty="0">
               <a:solidFill>
                 <a:schemeClr val="lt1"/>
@@ -16395,7 +16425,7 @@
         </p:nvSpPr>
         <p:spPr>
           <a:xfrm>
-            <a:off x="403262" y="5119141"/>
+            <a:off x="403262" y="4784467"/>
             <a:ext cx="7039358" cy="1445931"/>
           </a:xfrm>
           <a:prstGeom prst="roundRect">
@@ -16445,7 +16475,7 @@
         </p:nvSpPr>
         <p:spPr>
           <a:xfrm>
-            <a:off x="303733" y="2150208"/>
+            <a:off x="303733" y="1815534"/>
             <a:ext cx="7127100" cy="4549105"/>
           </a:xfrm>
           <a:prstGeom prst="rect">
@@ -16648,7 +16678,7 @@
                 <a:cs typeface="Arial Narrow"/>
                 <a:sym typeface="Arial Narrow"/>
               </a:rPr>
-              <a:t> …………....................................</a:t>
+              <a:t> ………….......................................</a:t>
             </a:r>
             <a:r>
               <a:rPr lang="en-US" sz="2000" dirty="0">
@@ -16684,7 +16714,7 @@
                 <a:cs typeface="Arial Narrow"/>
                 <a:sym typeface="Arial Narrow"/>
               </a:rPr>
-              <a:t>13.5</a:t>
+              <a:t>13</a:t>
             </a:r>
           </a:p>
           <a:p>
@@ -17186,8 +17216,29 @@
                 <a:cs typeface="Arial Narrow"/>
                 <a:sym typeface="Arial Narrow"/>
               </a:rPr>
-              <a:t>Stuffed fried empanadas (beef and cheese)</a:t>
+              <a:t>Includes smoked ch</a:t>
             </a:r>
+            <a:r>
+              <a:rPr lang="en-US" sz="2000" dirty="0">
+                <a:solidFill>
+                  <a:schemeClr val="lt1"/>
+                </a:solidFill>
+                <a:latin typeface="Arial Narrow"/>
+                <a:ea typeface="Arial Narrow"/>
+                <a:cs typeface="Arial Narrow"/>
+                <a:sym typeface="Arial Narrow"/>
+              </a:rPr>
+              <a:t>icken, cheese, guava BBQ, and cilantro</a:t>
+            </a:r>
+            <a:endParaRPr lang="en-US" sz="2000" b="0" i="0" u="none" strike="noStrike" cap="none" dirty="0">
+              <a:solidFill>
+                <a:schemeClr val="lt1"/>
+              </a:solidFill>
+              <a:latin typeface="Arial Narrow"/>
+              <a:ea typeface="Arial Narrow"/>
+              <a:cs typeface="Arial Narrow"/>
+              <a:sym typeface="Arial Narrow"/>
+            </a:endParaRPr>
           </a:p>
           <a:p>
             <a:pPr marL="508000" marR="0" lvl="0" indent="-349250" algn="l" rtl="0">

--- a/misc/Menu Letter 8.5 by 11 on 12-12-24/2_Letter_DaBeast Services Menu.pptx
+++ b/misc/Menu Letter 8.5 by 11 on 12-12-24/2_Letter_DaBeast Services Menu.pptx
@@ -17128,7 +17128,7 @@
                 <a:cs typeface="Arial Narrow"/>
                 <a:sym typeface="Arial Narrow"/>
               </a:rPr>
-              <a:t> Fries &amp; Smoked Chicken </a:t>
+              <a:t> Fries</a:t>
             </a:r>
             <a:r>
               <a:rPr lang="en-US" sz="2000" i="0" u="none" strike="noStrike" cap="none" dirty="0">
@@ -17140,7 +17140,7 @@
                 <a:cs typeface="Arial Narrow"/>
                 <a:sym typeface="Arial Narrow"/>
               </a:rPr>
-              <a:t>….........................................</a:t>
+              <a:t> .........................................</a:t>
             </a:r>
             <a:r>
               <a:rPr lang="en-US" sz="2000" b="0" i="0" u="none" strike="noStrike" cap="none" dirty="0">
@@ -17152,7 +17152,7 @@
                 <a:cs typeface="Arial Narrow"/>
                 <a:sym typeface="Arial Narrow"/>
               </a:rPr>
-              <a:t>.</a:t>
+              <a:t>.......................................</a:t>
             </a:r>
             <a:r>
               <a:rPr lang="en-US" sz="2000" dirty="0">
@@ -17280,7 +17280,7 @@
                 <a:cs typeface="Arial Narrow"/>
                 <a:sym typeface="Arial Narrow"/>
               </a:rPr>
-              <a:t>……………..……………........................................</a:t>
+              <a:t>……………..…………….........................................</a:t>
             </a:r>
             <a:r>
               <a:rPr lang="en-US" sz="2000" b="0" i="0" u="none" strike="noStrike" cap="none" dirty="0">
@@ -17357,6 +17357,18 @@
                 <a:sym typeface="Arial Narrow"/>
               </a:rPr>
               <a:t>Homestyle Fries</a:t>
+            </a:r>
+            <a:r>
+              <a:rPr lang="en-US" sz="1600" b="1" dirty="0">
+                <a:solidFill>
+                  <a:schemeClr val="lt1"/>
+                </a:solidFill>
+                <a:latin typeface="Arial Narrow"/>
+                <a:ea typeface="Arial Narrow"/>
+                <a:cs typeface="Arial Narrow"/>
+                <a:sym typeface="Arial Narrow"/>
+              </a:rPr>
+              <a:t> </a:t>
             </a:r>
             <a:r>
               <a:rPr lang="en-US" sz="2000" b="1" i="0" u="none" strike="noStrike" cap="none" dirty="0">

--- a/misc/Menu Letter 8.5 by 11 on 12-12-24/2_Letter_DaBeast Services Menu.pptx
+++ b/misc/Menu Letter 8.5 by 11 on 12-12-24/2_Letter_DaBeast Services Menu.pptx
@@ -15885,7 +15885,7 @@
               <a:buChar char="•"/>
             </a:pPr>
             <a:r>
-              <a:rPr lang="en-US" sz="2000" b="0" i="0" u="none" strike="noStrike" cap="none" dirty="0">
+              <a:rPr lang="en-US" sz="2000" b="0" i="0" u="none" strike="noStrike" cap="none">
                 <a:solidFill>
                   <a:schemeClr val="lt1"/>
                 </a:solidFill>
@@ -15894,7 +15894,7 @@
                 <a:cs typeface="Arial Narrow"/>
                 <a:sym typeface="Arial Narrow"/>
               </a:rPr>
-              <a:t>Guanabana ………………... </a:t>
+              <a:t>Guanabana ……………… </a:t>
             </a:r>
             <a:r>
               <a:rPr lang="en-US" sz="2000" b="1" i="0" u="none" strike="noStrike" cap="none" dirty="0">
@@ -16140,31 +16140,7 @@
                 <a:cs typeface="Arial Narrow"/>
                 <a:sym typeface="Arial Narrow"/>
               </a:rPr>
-              <a:t>Sprite, Fanta</a:t>
-            </a:r>
-            <a:r>
-              <a:rPr lang="en-US" sz="1500" b="0" i="1" u="none" strike="noStrike" cap="none">
-                <a:solidFill>
-                  <a:schemeClr val="lt1"/>
-                </a:solidFill>
-                <a:latin typeface="Arial Narrow"/>
-                <a:ea typeface="Arial Narrow"/>
-                <a:cs typeface="Arial Narrow"/>
-                <a:sym typeface="Arial Narrow"/>
-              </a:rPr>
-              <a:t>, Iced </a:t>
-            </a:r>
-            <a:r>
-              <a:rPr lang="en-US" sz="1500" b="0" i="1" u="none" strike="noStrike" cap="none" dirty="0">
-                <a:solidFill>
-                  <a:schemeClr val="lt1"/>
-                </a:solidFill>
-                <a:latin typeface="Arial Narrow"/>
-                <a:ea typeface="Arial Narrow"/>
-                <a:cs typeface="Arial Narrow"/>
-                <a:sym typeface="Arial Narrow"/>
-              </a:rPr>
-              <a:t>Tea, etc.</a:t>
+              <a:t>Sprite, Fanta, Iced Tea, etc.</a:t>
             </a:r>
             <a:endParaRPr sz="2000" b="0" i="0" u="none" strike="noStrike" cap="none" dirty="0">
               <a:solidFill>
@@ -17152,7 +17128,7 @@
                 <a:cs typeface="Arial Narrow"/>
                 <a:sym typeface="Arial Narrow"/>
               </a:rPr>
-              <a:t>.......................................</a:t>
+              <a:t>........................................</a:t>
             </a:r>
             <a:r>
               <a:rPr lang="en-US" sz="2000" dirty="0">
@@ -17280,7 +17256,7 @@
                 <a:cs typeface="Arial Narrow"/>
                 <a:sym typeface="Arial Narrow"/>
               </a:rPr>
-              <a:t>……………..…………….........................................</a:t>
+              <a:t>……………..……………..........................................</a:t>
             </a:r>
             <a:r>
               <a:rPr lang="en-US" sz="2000" b="0" i="0" u="none" strike="noStrike" cap="none" dirty="0">
@@ -17392,7 +17368,7 @@
                 <a:cs typeface="Arial Narrow"/>
                 <a:sym typeface="Arial Narrow"/>
               </a:rPr>
-              <a:t>…….…………………........................................</a:t>
+              <a:t>…….………………….........................................</a:t>
             </a:r>
             <a:r>
               <a:rPr lang="en-US" sz="2000" b="0" i="0" u="none" strike="noStrike" cap="none" dirty="0">

--- a/misc/Menu Letter 8.5 by 11 on 12-12-24/2_Letter_DaBeast Services Menu.pptx
+++ b/misc/Menu Letter 8.5 by 11 on 12-12-24/2_Letter_DaBeast Services Menu.pptx
@@ -16401,8 +16401,8 @@
         </p:nvSpPr>
         <p:spPr>
           <a:xfrm>
-            <a:off x="403262" y="4784467"/>
-            <a:ext cx="7039358" cy="1445931"/>
+            <a:off x="403262" y="5157774"/>
+            <a:ext cx="7039358" cy="1402418"/>
           </a:xfrm>
           <a:prstGeom prst="roundRect">
             <a:avLst>
@@ -16452,7 +16452,7 @@
         <p:spPr>
           <a:xfrm>
             <a:off x="303733" y="1815534"/>
-            <a:ext cx="7127100" cy="4549105"/>
+            <a:ext cx="7127100" cy="4856882"/>
           </a:xfrm>
           <a:prstGeom prst="rect">
             <a:avLst/>
@@ -16613,6 +16613,85 @@
               </a:rPr>
               <a:t>13.5</a:t>
             </a:r>
+          </a:p>
+          <a:p>
+            <a:pPr marL="1003300" marR="0" lvl="1" indent="-381000" algn="l" rtl="0">
+              <a:lnSpc>
+                <a:spcPct val="100000"/>
+              </a:lnSpc>
+              <a:spcBef>
+                <a:spcPts val="0"/>
+              </a:spcBef>
+              <a:spcAft>
+                <a:spcPts val="0"/>
+              </a:spcAft>
+              <a:buClr>
+                <a:schemeClr val="lt1"/>
+              </a:buClr>
+              <a:buSzPts val="2000"/>
+              <a:buFont typeface="Arial Narrow"/>
+              <a:buChar char="○"/>
+            </a:pPr>
+            <a:r>
+              <a:rPr lang="en-US" sz="2000" dirty="0">
+                <a:solidFill>
+                  <a:schemeClr val="lt1"/>
+                </a:solidFill>
+                <a:latin typeface="Arial Narrow"/>
+                <a:ea typeface="Arial Narrow"/>
+                <a:cs typeface="Arial Narrow"/>
+                <a:sym typeface="Arial Narrow"/>
+              </a:rPr>
+              <a:t>With</a:t>
+            </a:r>
+            <a:r>
+              <a:rPr lang="en-US" sz="2000" b="1" dirty="0">
+                <a:solidFill>
+                  <a:schemeClr val="lt1"/>
+                </a:solidFill>
+                <a:latin typeface="Arial Narrow"/>
+                <a:ea typeface="Arial Narrow"/>
+                <a:cs typeface="Arial Narrow"/>
+                <a:sym typeface="Arial Narrow"/>
+              </a:rPr>
+              <a:t> bacon </a:t>
+            </a:r>
+            <a:r>
+              <a:rPr lang="en-US" sz="2000" i="0" u="none" strike="noStrike" cap="none" dirty="0">
+                <a:solidFill>
+                  <a:schemeClr val="lt1"/>
+                </a:solidFill>
+                <a:latin typeface="Arial Narrow"/>
+                <a:ea typeface="Arial Narrow"/>
+                <a:cs typeface="Arial Narrow"/>
+                <a:sym typeface="Arial Narrow"/>
+              </a:rPr>
+              <a:t>……………………….................................. </a:t>
+            </a:r>
+            <a:r>
+              <a:rPr lang="en-US" sz="2000" b="1" dirty="0">
+                <a:solidFill>
+                  <a:srgbClr val="8CD872"/>
+                </a:solidFill>
+                <a:latin typeface="Arial Narrow"/>
+                <a:ea typeface="Arial Narrow"/>
+                <a:cs typeface="Arial Narrow"/>
+                <a:sym typeface="Arial Narrow"/>
+              </a:rPr>
+              <a:t>Add 1</a:t>
+            </a:r>
+            <a:r>
+              <a:rPr lang="en-US" sz="2000" b="1" i="0" u="none" strike="noStrike" cap="none" dirty="0">
+                <a:solidFill>
+                  <a:srgbClr val="8CD872"/>
+                </a:solidFill>
+                <a:latin typeface="Arial Narrow"/>
+                <a:ea typeface="Arial Narrow"/>
+                <a:cs typeface="Arial Narrow"/>
+                <a:sym typeface="Arial Narrow"/>
+              </a:rPr>
+              <a:t>.5</a:t>
+            </a:r>
             <a:endParaRPr lang="en-US" sz="2000" b="1" i="0" u="none" strike="noStrike" cap="none" dirty="0">
               <a:solidFill>
                 <a:schemeClr val="lt1"/>
@@ -16833,7 +16912,31 @@
                 <a:cs typeface="Arial Narrow"/>
                 <a:sym typeface="Arial Narrow"/>
               </a:rPr>
-              <a:t> Chips and drink ………………</a:t>
+              <a:t> </a:t>
+            </a:r>
+            <a:r>
+              <a:rPr lang="en-US" sz="2000" i="0" u="none" strike="noStrike" cap="none" dirty="0">
+                <a:solidFill>
+                  <a:schemeClr val="lt1"/>
+                </a:solidFill>
+                <a:latin typeface="Arial Narrow"/>
+                <a:ea typeface="Arial Narrow"/>
+                <a:cs typeface="Arial Narrow"/>
+                <a:sym typeface="Arial Narrow"/>
+              </a:rPr>
+              <a:t>Chips</a:t>
+            </a:r>
+            <a:r>
+              <a:rPr lang="en-US" sz="2000" b="0" i="0" u="none" strike="noStrike" cap="none" dirty="0">
+                <a:solidFill>
+                  <a:schemeClr val="lt1"/>
+                </a:solidFill>
+                <a:latin typeface="Arial Narrow"/>
+                <a:ea typeface="Arial Narrow"/>
+                <a:cs typeface="Arial Narrow"/>
+                <a:sym typeface="Arial Narrow"/>
+              </a:rPr>
+              <a:t> and drink ………………</a:t>
             </a:r>
             <a:r>
               <a:rPr lang="en-US" sz="2000" dirty="0">
@@ -17033,7 +17136,31 @@
                 <a:cs typeface="Arial Narrow"/>
                 <a:sym typeface="Arial Narrow"/>
               </a:rPr>
-              <a:t>Stuffed fried empanadas (beef and cheese)</a:t>
+              <a:t>Stuffed fried </a:t>
+            </a:r>
+            <a:r>
+              <a:rPr lang="en-US" sz="2000" b="1" i="0" u="none" strike="noStrike" cap="none" dirty="0">
+                <a:solidFill>
+                  <a:schemeClr val="lt1"/>
+                </a:solidFill>
+                <a:latin typeface="Arial Narrow"/>
+                <a:ea typeface="Arial Narrow"/>
+                <a:cs typeface="Arial Narrow"/>
+                <a:sym typeface="Arial Narrow"/>
+              </a:rPr>
+              <a:t>empanadas</a:t>
+            </a:r>
+            <a:r>
+              <a:rPr lang="en-US" sz="2000" b="0" i="0" u="none" strike="noStrike" cap="none" dirty="0">
+                <a:solidFill>
+                  <a:schemeClr val="lt1"/>
+                </a:solidFill>
+                <a:latin typeface="Arial Narrow"/>
+                <a:ea typeface="Arial Narrow"/>
+                <a:cs typeface="Arial Narrow"/>
+                <a:sym typeface="Arial Narrow"/>
+              </a:rPr>
+              <a:t> (beef and cheese)</a:t>
             </a:r>
           </a:p>
           <a:p>
@@ -17192,7 +17319,19 @@
                 <a:cs typeface="Arial Narrow"/>
                 <a:sym typeface="Arial Narrow"/>
               </a:rPr>
-              <a:t>Includes smoked ch</a:t>
+              <a:t>Includes </a:t>
+            </a:r>
+            <a:r>
+              <a:rPr lang="en-US" sz="2000" i="0" u="none" strike="noStrike" cap="none" dirty="0">
+                <a:solidFill>
+                  <a:schemeClr val="lt1"/>
+                </a:solidFill>
+                <a:latin typeface="Arial Narrow"/>
+                <a:ea typeface="Arial Narrow"/>
+                <a:cs typeface="Arial Narrow"/>
+                <a:sym typeface="Arial Narrow"/>
+              </a:rPr>
+              <a:t>smoked ch</a:t>
             </a:r>
             <a:r>
               <a:rPr lang="en-US" sz="2000" dirty="0">
@@ -17206,7 +17345,7 @@
               </a:rPr>
               <a:t>icken, cheese, guava BBQ, and cilantro</a:t>
             </a:r>
-            <a:endParaRPr lang="en-US" sz="2000" b="0" i="0" u="none" strike="noStrike" cap="none" dirty="0">
+            <a:endParaRPr lang="en-US" sz="2000" i="0" u="none" strike="noStrike" cap="none" dirty="0">
               <a:solidFill>
                 <a:schemeClr val="lt1"/>
               </a:solidFill>
@@ -17429,6 +17568,260 @@
           </a:p>
         </p:txBody>
       </p:sp>
+      <p:grpSp>
+        <p:nvGrpSpPr>
+          <p:cNvPr id="3" name="Group 2">
+            <a:extLst>
+              <a:ext uri="{FF2B5EF4-FFF2-40B4-BE49-F238E27FC236}">
+                <a16:creationId xmlns:a16="http://schemas.microsoft.com/office/drawing/2014/main" id="{3E17D531-448D-4279-979C-624A02988018}"/>
+              </a:ext>
+            </a:extLst>
+          </p:cNvPr>
+          <p:cNvGrpSpPr/>
+          <p:nvPr/>
+        </p:nvGrpSpPr>
+        <p:grpSpPr>
+          <a:xfrm>
+            <a:off x="616961" y="2980282"/>
+            <a:ext cx="767339" cy="1263632"/>
+            <a:chOff x="616961" y="2980282"/>
+            <a:chExt cx="767339" cy="1263632"/>
+          </a:xfrm>
+        </p:grpSpPr>
+        <p:grpSp>
+          <p:nvGrpSpPr>
+            <p:cNvPr id="2" name="Group 1">
+              <a:extLst>
+                <a:ext uri="{FF2B5EF4-FFF2-40B4-BE49-F238E27FC236}">
+                  <a16:creationId xmlns:a16="http://schemas.microsoft.com/office/drawing/2014/main" id="{E2324FCD-CD66-4312-9CC3-289E20792CB3}"/>
+                </a:ext>
+              </a:extLst>
+            </p:cNvPr>
+            <p:cNvGrpSpPr/>
+            <p:nvPr/>
+          </p:nvGrpSpPr>
+          <p:grpSpPr>
+            <a:xfrm>
+              <a:off x="616961" y="2980282"/>
+              <a:ext cx="767339" cy="1263632"/>
+              <a:chOff x="1832007" y="9525805"/>
+              <a:chExt cx="2222636" cy="3730290"/>
+            </a:xfrm>
+          </p:grpSpPr>
+          <p:sp>
+            <p:nvSpPr>
+              <p:cNvPr id="15" name="Rectangle 14">
+                <a:extLst>
+                  <a:ext uri="{FF2B5EF4-FFF2-40B4-BE49-F238E27FC236}">
+                    <a16:creationId xmlns:a16="http://schemas.microsoft.com/office/drawing/2014/main" id="{0FE03A10-83EE-4E62-8945-9652961EE2C4}"/>
+                  </a:ext>
+                </a:extLst>
+              </p:cNvPr>
+              <p:cNvSpPr/>
+              <p:nvPr/>
+            </p:nvSpPr>
+            <p:spPr>
+              <a:xfrm>
+                <a:off x="2993011" y="12888450"/>
+                <a:ext cx="1061632" cy="367645"/>
+              </a:xfrm>
+              <a:prstGeom prst="rect">
+                <a:avLst/>
+              </a:prstGeom>
+              <a:noFill/>
+              <a:ln>
+                <a:noFill/>
+              </a:ln>
+            </p:spPr>
+            <p:style>
+              <a:lnRef idx="2">
+                <a:schemeClr val="accent1">
+                  <a:shade val="50000"/>
+                </a:schemeClr>
+              </a:lnRef>
+              <a:fillRef idx="1">
+                <a:schemeClr val="accent1"/>
+              </a:fillRef>
+              <a:effectRef idx="0">
+                <a:schemeClr val="accent1"/>
+              </a:effectRef>
+              <a:fontRef idx="minor">
+                <a:schemeClr val="lt1"/>
+              </a:fontRef>
+            </p:style>
+            <p:txBody>
+              <a:bodyPr rtlCol="0" anchor="ctr"/>
+              <a:lstStyle/>
+              <a:p>
+                <a:pPr algn="ctr"/>
+                <a:endParaRPr lang="en-US"/>
+              </a:p>
+            </p:txBody>
+          </p:sp>
+          <p:cxnSp>
+            <p:nvCxnSpPr>
+              <p:cNvPr id="16" name="Connector: Elbow 15">
+                <a:extLst>
+                  <a:ext uri="{FF2B5EF4-FFF2-40B4-BE49-F238E27FC236}">
+                    <a16:creationId xmlns:a16="http://schemas.microsoft.com/office/drawing/2014/main" id="{89C2B68B-4555-4870-80E2-1E9EECA6FD23}"/>
+                  </a:ext>
+                </a:extLst>
+              </p:cNvPr>
+              <p:cNvCxnSpPr>
+                <a:cxnSpLocks/>
+                <a:endCxn id="15" idx="1"/>
+              </p:cNvCxnSpPr>
+              <p:nvPr/>
+            </p:nvCxnSpPr>
+            <p:spPr>
+              <a:xfrm rot="16200000" flipH="1">
+                <a:off x="639275" y="10718537"/>
+                <a:ext cx="3546468" cy="1161003"/>
+              </a:xfrm>
+              <a:prstGeom prst="bentConnector2">
+                <a:avLst/>
+              </a:prstGeom>
+              <a:ln w="19050" cap="rnd">
+                <a:solidFill>
+                  <a:schemeClr val="bg1"/>
+                </a:solidFill>
+                <a:prstDash val="sysDot"/>
+                <a:round/>
+                <a:tailEnd type="stealth"/>
+              </a:ln>
+            </p:spPr>
+            <p:style>
+              <a:lnRef idx="1">
+                <a:schemeClr val="accent1"/>
+              </a:lnRef>
+              <a:fillRef idx="0">
+                <a:schemeClr val="accent1"/>
+              </a:fillRef>
+              <a:effectRef idx="0">
+                <a:schemeClr val="accent1"/>
+              </a:effectRef>
+              <a:fontRef idx="minor">
+                <a:schemeClr val="tx1"/>
+              </a:fontRef>
+            </p:style>
+          </p:cxnSp>
+        </p:grpSp>
+        <p:grpSp>
+          <p:nvGrpSpPr>
+            <p:cNvPr id="18" name="Group 17">
+              <a:extLst>
+                <a:ext uri="{FF2B5EF4-FFF2-40B4-BE49-F238E27FC236}">
+                  <a16:creationId xmlns:a16="http://schemas.microsoft.com/office/drawing/2014/main" id="{D3358302-2F07-4480-9FFB-A14A74C449C8}"/>
+                </a:ext>
+              </a:extLst>
+            </p:cNvPr>
+            <p:cNvGrpSpPr/>
+            <p:nvPr/>
+          </p:nvGrpSpPr>
+          <p:grpSpPr>
+            <a:xfrm flipV="1">
+              <a:off x="1036709" y="3081891"/>
+              <a:ext cx="88603" cy="341590"/>
+              <a:chOff x="3085806" y="9887577"/>
+              <a:chExt cx="259334" cy="999811"/>
+            </a:xfrm>
+          </p:grpSpPr>
+          <p:cxnSp>
+            <p:nvCxnSpPr>
+              <p:cNvPr id="19" name="Straight Connector 18">
+                <a:extLst>
+                  <a:ext uri="{FF2B5EF4-FFF2-40B4-BE49-F238E27FC236}">
+                    <a16:creationId xmlns:a16="http://schemas.microsoft.com/office/drawing/2014/main" id="{EBF62D70-9FD7-4545-88C9-F38645F769EE}"/>
+                  </a:ext>
+                </a:extLst>
+              </p:cNvPr>
+              <p:cNvCxnSpPr/>
+              <p:nvPr/>
+            </p:nvCxnSpPr>
+            <p:spPr>
+              <a:xfrm>
+                <a:off x="3215473" y="9887577"/>
+                <a:ext cx="0" cy="999811"/>
+              </a:xfrm>
+              <a:prstGeom prst="line">
+                <a:avLst/>
+              </a:prstGeom>
+              <a:ln w="19050" cap="rnd">
+                <a:solidFill>
+                  <a:schemeClr val="bg1"/>
+                </a:solidFill>
+                <a:prstDash val="sysDot"/>
+              </a:ln>
+            </p:spPr>
+            <p:style>
+              <a:lnRef idx="1">
+                <a:schemeClr val="accent1"/>
+              </a:lnRef>
+              <a:fillRef idx="0">
+                <a:schemeClr val="accent1"/>
+              </a:fillRef>
+              <a:effectRef idx="0">
+                <a:schemeClr val="accent1"/>
+              </a:effectRef>
+              <a:fontRef idx="minor">
+                <a:schemeClr val="tx1"/>
+              </a:fontRef>
+            </p:style>
+          </p:cxnSp>
+          <p:sp>
+            <p:nvSpPr>
+              <p:cNvPr id="20" name="Oval 19">
+                <a:extLst>
+                  <a:ext uri="{FF2B5EF4-FFF2-40B4-BE49-F238E27FC236}">
+                    <a16:creationId xmlns:a16="http://schemas.microsoft.com/office/drawing/2014/main" id="{8DF4EC53-77B1-4B25-859B-4AFA5A873257}"/>
+                  </a:ext>
+                </a:extLst>
+              </p:cNvPr>
+              <p:cNvSpPr/>
+              <p:nvPr/>
+            </p:nvSpPr>
+            <p:spPr>
+              <a:xfrm>
+                <a:off x="3085806" y="10228897"/>
+                <a:ext cx="259334" cy="259332"/>
+              </a:xfrm>
+              <a:prstGeom prst="ellipse">
+                <a:avLst/>
+              </a:prstGeom>
+              <a:solidFill>
+                <a:srgbClr val="262626"/>
+              </a:solidFill>
+              <a:ln>
+                <a:noFill/>
+              </a:ln>
+            </p:spPr>
+            <p:style>
+              <a:lnRef idx="2">
+                <a:schemeClr val="accent1">
+                  <a:shade val="50000"/>
+                </a:schemeClr>
+              </a:lnRef>
+              <a:fillRef idx="1">
+                <a:schemeClr val="accent1"/>
+              </a:fillRef>
+              <a:effectRef idx="0">
+                <a:schemeClr val="accent1"/>
+              </a:effectRef>
+              <a:fontRef idx="minor">
+                <a:schemeClr val="lt1"/>
+              </a:fontRef>
+            </p:style>
+            <p:txBody>
+              <a:bodyPr rtlCol="0" anchor="ctr"/>
+              <a:lstStyle/>
+              <a:p>
+                <a:pPr algn="ctr"/>
+                <a:endParaRPr lang="en-US"/>
+              </a:p>
+            </p:txBody>
+          </p:sp>
+        </p:grpSp>
+      </p:grpSp>
     </p:spTree>
   </p:cSld>
   <p:clrMapOvr>

--- a/misc/Menu Letter 8.5 by 11 on 12-12-24/2_Letter_DaBeast Services Menu.pptx
+++ b/misc/Menu Letter 8.5 by 11 on 12-12-24/2_Letter_DaBeast Services Menu.pptx
@@ -15610,20 +15610,41 @@
                 <a:cs typeface="Arial Narrow"/>
                 <a:sym typeface="Arial Narrow"/>
               </a:rPr>
-              <a:t>Fried Cheesecake Bites …. </a:t>
+              <a:t>Fried Cheesecake Bites </a:t>
             </a:r>
             <a:r>
-              <a:rPr lang="en-US" sz="2000" b="1" i="0" u="none" strike="noStrike" cap="none" dirty="0">
-                <a:solidFill>
-                  <a:srgbClr val="8CD872"/>
+              <a:rPr lang="en-US" sz="2000" b="0" i="0" u="none" strike="noStrike" cap="none">
+                <a:solidFill>
+                  <a:schemeClr val="lt1"/>
                 </a:solidFill>
                 <a:latin typeface="Arial Narrow"/>
                 <a:ea typeface="Arial Narrow"/>
                 <a:cs typeface="Arial Narrow"/>
                 <a:sym typeface="Arial Narrow"/>
               </a:rPr>
-              <a:t>6</a:t>
+              <a:t>…. </a:t>
             </a:r>
+            <a:r>
+              <a:rPr lang="en-US" sz="2000" b="1" i="0" u="none" strike="noStrike" cap="none">
+                <a:solidFill>
+                  <a:srgbClr val="8CD872"/>
+                </a:solidFill>
+                <a:latin typeface="Arial Narrow"/>
+                <a:ea typeface="Arial Narrow"/>
+                <a:cs typeface="Arial Narrow"/>
+                <a:sym typeface="Arial Narrow"/>
+              </a:rPr>
+              <a:t>7</a:t>
+            </a:r>
+            <a:endParaRPr lang="en-US" sz="2000" b="1" i="0" u="none" strike="noStrike" cap="none" dirty="0">
+              <a:solidFill>
+                <a:srgbClr val="8CD872"/>
+              </a:solidFill>
+              <a:latin typeface="Arial Narrow"/>
+              <a:ea typeface="Arial Narrow"/>
+              <a:cs typeface="Arial Narrow"/>
+              <a:sym typeface="Arial Narrow"/>
+            </a:endParaRPr>
           </a:p>
           <a:p>
             <a:pPr marL="304800" marR="0" lvl="0" indent="-304800" algn="l" rtl="0">
@@ -15885,7 +15906,7 @@
               <a:buChar char="•"/>
             </a:pPr>
             <a:r>
-              <a:rPr lang="en-US" sz="2000" b="0" i="0" u="none" strike="noStrike" cap="none">
+              <a:rPr lang="en-US" sz="2000" b="0" i="0" u="none" strike="noStrike" cap="none" dirty="0">
                 <a:solidFill>
                   <a:schemeClr val="lt1"/>
                 </a:solidFill>
@@ -17720,10 +17741,10 @@
           </p:nvGrpSpPr>
           <p:grpSpPr>
             <a:xfrm flipV="1">
-              <a:off x="1036709" y="3081891"/>
-              <a:ext cx="88603" cy="341590"/>
-              <a:chOff x="3085806" y="9887577"/>
-              <a:chExt cx="259334" cy="999811"/>
+              <a:off x="1036709" y="3081892"/>
+              <a:ext cx="88603" cy="330917"/>
+              <a:chOff x="3085806" y="9918816"/>
+              <a:chExt cx="259334" cy="968572"/>
             </a:xfrm>
           </p:grpSpPr>
           <p:cxnSp>
@@ -17735,13 +17756,15 @@
                   </a:ext>
                 </a:extLst>
               </p:cNvPr>
-              <p:cNvCxnSpPr/>
+              <p:cNvCxnSpPr>
+                <a:cxnSpLocks/>
+              </p:cNvCxnSpPr>
               <p:nvPr/>
             </p:nvCxnSpPr>
             <p:spPr>
               <a:xfrm>
-                <a:off x="3215473" y="9887577"/>
-                <a:ext cx="0" cy="999811"/>
+                <a:off x="3215474" y="9918816"/>
+                <a:ext cx="0" cy="968572"/>
               </a:xfrm>
               <a:prstGeom prst="line">
                 <a:avLst/>

--- a/misc/Menu Letter 8.5 by 11 on 12-12-24/2_Letter_DaBeast Services Menu.pptx
+++ b/misc/Menu Letter 8.5 by 11 on 12-12-24/2_Letter_DaBeast Services Menu.pptx
@@ -16114,31 +16114,7 @@
                 <a:cs typeface="Arial Narrow"/>
                 <a:sym typeface="Arial Narrow"/>
               </a:rPr>
-              <a:t>Gatorade, </a:t>
-            </a:r>
-            <a:r>
-              <a:rPr lang="en-US" sz="1500" b="0" i="1" u="none" strike="noStrike" cap="none" dirty="0" err="1">
-                <a:solidFill>
-                  <a:schemeClr val="lt1"/>
-                </a:solidFill>
-                <a:latin typeface="Arial Narrow"/>
-                <a:ea typeface="Arial Narrow"/>
-                <a:cs typeface="Arial Narrow"/>
-                <a:sym typeface="Arial Narrow"/>
-              </a:rPr>
-              <a:t>Redbull</a:t>
-            </a:r>
-            <a:r>
-              <a:rPr lang="en-US" sz="1500" b="0" i="1" u="none" strike="noStrike" cap="none" dirty="0">
-                <a:solidFill>
-                  <a:schemeClr val="lt1"/>
-                </a:solidFill>
-                <a:latin typeface="Arial Narrow"/>
-                <a:ea typeface="Arial Narrow"/>
-                <a:cs typeface="Arial Narrow"/>
-                <a:sym typeface="Arial Narrow"/>
-              </a:rPr>
-              <a:t>, Coke,</a:t>
+              <a:t>Gatorade, Red Bull, Coke,</a:t>
             </a:r>
             <a:br>
               <a:rPr lang="en-US" sz="1500" b="0" i="1" u="none" strike="noStrike" cap="none" dirty="0">
@@ -16733,7 +16709,7 @@
               <a:buChar char="●"/>
             </a:pPr>
             <a:r>
-              <a:rPr lang="en-US" sz="2000" b="1" i="0" u="none" strike="noStrike" cap="none" dirty="0">
+              <a:rPr lang="en-US" sz="2000" b="1" i="0" u="none" strike="noStrike" cap="none">
                 <a:solidFill>
                   <a:schemeClr val="lt1"/>
                 </a:solidFill>
@@ -16742,7 +16718,19 @@
                 <a:cs typeface="Arial Narrow"/>
                 <a:sym typeface="Arial Narrow"/>
               </a:rPr>
-              <a:t>Smoked Chicken Sandwich</a:t>
+              <a:t>Smoked Chicken </a:t>
+            </a:r>
+            <a:r>
+              <a:rPr lang="en-US" sz="2000" b="1" i="0" u="none" strike="noStrike" cap="none" dirty="0">
+                <a:solidFill>
+                  <a:schemeClr val="lt1"/>
+                </a:solidFill>
+                <a:latin typeface="Arial Narrow"/>
+                <a:ea typeface="Arial Narrow"/>
+                <a:cs typeface="Arial Narrow"/>
+                <a:sym typeface="Arial Narrow"/>
+              </a:rPr>
+              <a:t>Sandwich</a:t>
             </a:r>
             <a:r>
               <a:rPr lang="en-US" sz="2000" i="0" u="none" strike="noStrike" cap="none" dirty="0">
@@ -17741,10 +17729,10 @@
           </p:nvGrpSpPr>
           <p:grpSpPr>
             <a:xfrm flipV="1">
-              <a:off x="1036709" y="3081892"/>
-              <a:ext cx="88603" cy="330917"/>
-              <a:chOff x="3085806" y="9918816"/>
-              <a:chExt cx="259334" cy="968572"/>
+              <a:off x="1036708" y="3083798"/>
+              <a:ext cx="90277" cy="330917"/>
+              <a:chOff x="3085806" y="9913238"/>
+              <a:chExt cx="264234" cy="968572"/>
             </a:xfrm>
           </p:grpSpPr>
           <p:cxnSp>
@@ -17763,7 +17751,7 @@
             </p:nvCxnSpPr>
             <p:spPr>
               <a:xfrm>
-                <a:off x="3215474" y="9918816"/>
+                <a:off x="3215474" y="9913238"/>
                 <a:ext cx="0" cy="968572"/>
               </a:xfrm>
               <a:prstGeom prst="line">
@@ -17805,8 +17793,8 @@
             </p:nvSpPr>
             <p:spPr>
               <a:xfrm>
-                <a:off x="3085806" y="10228897"/>
-                <a:ext cx="259334" cy="259332"/>
+                <a:off x="3085806" y="10228896"/>
+                <a:ext cx="264234" cy="264232"/>
               </a:xfrm>
               <a:prstGeom prst="ellipse">
                 <a:avLst/>

--- a/misc/Menu Letter 8.5 by 11 on 12-12-24/2_Letter_DaBeast Services Menu.pptx
+++ b/misc/Menu Letter 8.5 by 11 on 12-12-24/2_Letter_DaBeast Services Menu.pptx
@@ -15610,20 +15610,41 @@
                 <a:cs typeface="Arial Narrow"/>
                 <a:sym typeface="Arial Narrow"/>
               </a:rPr>
-              <a:t>Fried Cheesecake Bites …. </a:t>
+              <a:t>Fried Cheesecake Bites </a:t>
             </a:r>
             <a:r>
-              <a:rPr lang="en-US" sz="2000" b="1" i="0" u="none" strike="noStrike" cap="none" dirty="0">
-                <a:solidFill>
-                  <a:srgbClr val="8CD872"/>
+              <a:rPr lang="en-US" sz="2000" b="0" i="0" u="none" strike="noStrike" cap="none">
+                <a:solidFill>
+                  <a:schemeClr val="lt1"/>
                 </a:solidFill>
                 <a:latin typeface="Arial Narrow"/>
                 <a:ea typeface="Arial Narrow"/>
                 <a:cs typeface="Arial Narrow"/>
                 <a:sym typeface="Arial Narrow"/>
               </a:rPr>
-              <a:t>6</a:t>
+              <a:t>…. </a:t>
             </a:r>
+            <a:r>
+              <a:rPr lang="en-US" sz="2000" b="1" i="0" u="none" strike="noStrike" cap="none">
+                <a:solidFill>
+                  <a:srgbClr val="8CD872"/>
+                </a:solidFill>
+                <a:latin typeface="Arial Narrow"/>
+                <a:ea typeface="Arial Narrow"/>
+                <a:cs typeface="Arial Narrow"/>
+                <a:sym typeface="Arial Narrow"/>
+              </a:rPr>
+              <a:t>7</a:t>
+            </a:r>
+            <a:endParaRPr lang="en-US" sz="2000" b="1" i="0" u="none" strike="noStrike" cap="none" dirty="0">
+              <a:solidFill>
+                <a:srgbClr val="8CD872"/>
+              </a:solidFill>
+              <a:latin typeface="Arial Narrow"/>
+              <a:ea typeface="Arial Narrow"/>
+              <a:cs typeface="Arial Narrow"/>
+              <a:sym typeface="Arial Narrow"/>
+            </a:endParaRPr>
           </a:p>
           <a:p>
             <a:pPr marL="304800" marR="0" lvl="0" indent="-304800" algn="l" rtl="0">
@@ -15885,7 +15906,7 @@
               <a:buChar char="•"/>
             </a:pPr>
             <a:r>
-              <a:rPr lang="en-US" sz="2000" b="0" i="0" u="none" strike="noStrike" cap="none">
+              <a:rPr lang="en-US" sz="2000" b="0" i="0" u="none" strike="noStrike" cap="none" dirty="0">
                 <a:solidFill>
                   <a:schemeClr val="lt1"/>
                 </a:solidFill>
@@ -16093,31 +16114,7 @@
                 <a:cs typeface="Arial Narrow"/>
                 <a:sym typeface="Arial Narrow"/>
               </a:rPr>
-              <a:t>Gatorade, </a:t>
-            </a:r>
-            <a:r>
-              <a:rPr lang="en-US" sz="1500" b="0" i="1" u="none" strike="noStrike" cap="none" dirty="0" err="1">
-                <a:solidFill>
-                  <a:schemeClr val="lt1"/>
-                </a:solidFill>
-                <a:latin typeface="Arial Narrow"/>
-                <a:ea typeface="Arial Narrow"/>
-                <a:cs typeface="Arial Narrow"/>
-                <a:sym typeface="Arial Narrow"/>
-              </a:rPr>
-              <a:t>Redbull</a:t>
-            </a:r>
-            <a:r>
-              <a:rPr lang="en-US" sz="1500" b="0" i="1" u="none" strike="noStrike" cap="none" dirty="0">
-                <a:solidFill>
-                  <a:schemeClr val="lt1"/>
-                </a:solidFill>
-                <a:latin typeface="Arial Narrow"/>
-                <a:ea typeface="Arial Narrow"/>
-                <a:cs typeface="Arial Narrow"/>
-                <a:sym typeface="Arial Narrow"/>
-              </a:rPr>
-              <a:t>, Coke,</a:t>
+              <a:t>Gatorade, Red Bull, Coke,</a:t>
             </a:r>
             <a:br>
               <a:rPr lang="en-US" sz="1500" b="0" i="1" u="none" strike="noStrike" cap="none" dirty="0">
@@ -16401,8 +16398,8 @@
         </p:nvSpPr>
         <p:spPr>
           <a:xfrm>
-            <a:off x="403262" y="4784467"/>
-            <a:ext cx="7039358" cy="1445931"/>
+            <a:off x="403262" y="5157774"/>
+            <a:ext cx="7039358" cy="1402418"/>
           </a:xfrm>
           <a:prstGeom prst="roundRect">
             <a:avLst>
@@ -16452,7 +16449,7 @@
         <p:spPr>
           <a:xfrm>
             <a:off x="303733" y="1815534"/>
-            <a:ext cx="7127100" cy="4549105"/>
+            <a:ext cx="7127100" cy="4856882"/>
           </a:xfrm>
           <a:prstGeom prst="rect">
             <a:avLst/>
@@ -16613,6 +16610,85 @@
               </a:rPr>
               <a:t>13.5</a:t>
             </a:r>
+          </a:p>
+          <a:p>
+            <a:pPr marL="1003300" marR="0" lvl="1" indent="-381000" algn="l" rtl="0">
+              <a:lnSpc>
+                <a:spcPct val="100000"/>
+              </a:lnSpc>
+              <a:spcBef>
+                <a:spcPts val="0"/>
+              </a:spcBef>
+              <a:spcAft>
+                <a:spcPts val="0"/>
+              </a:spcAft>
+              <a:buClr>
+                <a:schemeClr val="lt1"/>
+              </a:buClr>
+              <a:buSzPts val="2000"/>
+              <a:buFont typeface="Arial Narrow"/>
+              <a:buChar char="○"/>
+            </a:pPr>
+            <a:r>
+              <a:rPr lang="en-US" sz="2000" dirty="0">
+                <a:solidFill>
+                  <a:schemeClr val="lt1"/>
+                </a:solidFill>
+                <a:latin typeface="Arial Narrow"/>
+                <a:ea typeface="Arial Narrow"/>
+                <a:cs typeface="Arial Narrow"/>
+                <a:sym typeface="Arial Narrow"/>
+              </a:rPr>
+              <a:t>With</a:t>
+            </a:r>
+            <a:r>
+              <a:rPr lang="en-US" sz="2000" b="1" dirty="0">
+                <a:solidFill>
+                  <a:schemeClr val="lt1"/>
+                </a:solidFill>
+                <a:latin typeface="Arial Narrow"/>
+                <a:ea typeface="Arial Narrow"/>
+                <a:cs typeface="Arial Narrow"/>
+                <a:sym typeface="Arial Narrow"/>
+              </a:rPr>
+              <a:t> bacon </a:t>
+            </a:r>
+            <a:r>
+              <a:rPr lang="en-US" sz="2000" i="0" u="none" strike="noStrike" cap="none" dirty="0">
+                <a:solidFill>
+                  <a:schemeClr val="lt1"/>
+                </a:solidFill>
+                <a:latin typeface="Arial Narrow"/>
+                <a:ea typeface="Arial Narrow"/>
+                <a:cs typeface="Arial Narrow"/>
+                <a:sym typeface="Arial Narrow"/>
+              </a:rPr>
+              <a:t>……………………….................................. </a:t>
+            </a:r>
+            <a:r>
+              <a:rPr lang="en-US" sz="2000" b="1" dirty="0">
+                <a:solidFill>
+                  <a:srgbClr val="8CD872"/>
+                </a:solidFill>
+                <a:latin typeface="Arial Narrow"/>
+                <a:ea typeface="Arial Narrow"/>
+                <a:cs typeface="Arial Narrow"/>
+                <a:sym typeface="Arial Narrow"/>
+              </a:rPr>
+              <a:t>Add 1</a:t>
+            </a:r>
+            <a:r>
+              <a:rPr lang="en-US" sz="2000" b="1" i="0" u="none" strike="noStrike" cap="none" dirty="0">
+                <a:solidFill>
+                  <a:srgbClr val="8CD872"/>
+                </a:solidFill>
+                <a:latin typeface="Arial Narrow"/>
+                <a:ea typeface="Arial Narrow"/>
+                <a:cs typeface="Arial Narrow"/>
+                <a:sym typeface="Arial Narrow"/>
+              </a:rPr>
+              <a:t>.5</a:t>
+            </a:r>
             <a:endParaRPr lang="en-US" sz="2000" b="1" i="0" u="none" strike="noStrike" cap="none" dirty="0">
               <a:solidFill>
                 <a:schemeClr val="lt1"/>
@@ -16633,7 +16709,7 @@
               <a:buChar char="●"/>
             </a:pPr>
             <a:r>
-              <a:rPr lang="en-US" sz="2000" b="1" i="0" u="none" strike="noStrike" cap="none" dirty="0">
+              <a:rPr lang="en-US" sz="2000" b="1" i="0" u="none" strike="noStrike" cap="none">
                 <a:solidFill>
                   <a:schemeClr val="lt1"/>
                 </a:solidFill>
@@ -16642,7 +16718,19 @@
                 <a:cs typeface="Arial Narrow"/>
                 <a:sym typeface="Arial Narrow"/>
               </a:rPr>
-              <a:t>Smoked Chicken Sandwich</a:t>
+              <a:t>Smoked Chicken </a:t>
+            </a:r>
+            <a:r>
+              <a:rPr lang="en-US" sz="2000" b="1" i="0" u="none" strike="noStrike" cap="none" dirty="0">
+                <a:solidFill>
+                  <a:schemeClr val="lt1"/>
+                </a:solidFill>
+                <a:latin typeface="Arial Narrow"/>
+                <a:ea typeface="Arial Narrow"/>
+                <a:cs typeface="Arial Narrow"/>
+                <a:sym typeface="Arial Narrow"/>
+              </a:rPr>
+              <a:t>Sandwich</a:t>
             </a:r>
             <a:r>
               <a:rPr lang="en-US" sz="2000" i="0" u="none" strike="noStrike" cap="none" dirty="0">
@@ -16833,7 +16921,31 @@
                 <a:cs typeface="Arial Narrow"/>
                 <a:sym typeface="Arial Narrow"/>
               </a:rPr>
-              <a:t> Chips and drink ………………</a:t>
+              <a:t> </a:t>
+            </a:r>
+            <a:r>
+              <a:rPr lang="en-US" sz="2000" i="0" u="none" strike="noStrike" cap="none" dirty="0">
+                <a:solidFill>
+                  <a:schemeClr val="lt1"/>
+                </a:solidFill>
+                <a:latin typeface="Arial Narrow"/>
+                <a:ea typeface="Arial Narrow"/>
+                <a:cs typeface="Arial Narrow"/>
+                <a:sym typeface="Arial Narrow"/>
+              </a:rPr>
+              <a:t>Chips</a:t>
+            </a:r>
+            <a:r>
+              <a:rPr lang="en-US" sz="2000" b="0" i="0" u="none" strike="noStrike" cap="none" dirty="0">
+                <a:solidFill>
+                  <a:schemeClr val="lt1"/>
+                </a:solidFill>
+                <a:latin typeface="Arial Narrow"/>
+                <a:ea typeface="Arial Narrow"/>
+                <a:cs typeface="Arial Narrow"/>
+                <a:sym typeface="Arial Narrow"/>
+              </a:rPr>
+              <a:t> and drink ………………</a:t>
             </a:r>
             <a:r>
               <a:rPr lang="en-US" sz="2000" dirty="0">
@@ -17033,7 +17145,31 @@
                 <a:cs typeface="Arial Narrow"/>
                 <a:sym typeface="Arial Narrow"/>
               </a:rPr>
-              <a:t>Stuffed fried empanadas (beef and cheese)</a:t>
+              <a:t>Stuffed fried </a:t>
+            </a:r>
+            <a:r>
+              <a:rPr lang="en-US" sz="2000" b="1" i="0" u="none" strike="noStrike" cap="none" dirty="0">
+                <a:solidFill>
+                  <a:schemeClr val="lt1"/>
+                </a:solidFill>
+                <a:latin typeface="Arial Narrow"/>
+                <a:ea typeface="Arial Narrow"/>
+                <a:cs typeface="Arial Narrow"/>
+                <a:sym typeface="Arial Narrow"/>
+              </a:rPr>
+              <a:t>empanadas</a:t>
+            </a:r>
+            <a:r>
+              <a:rPr lang="en-US" sz="2000" b="0" i="0" u="none" strike="noStrike" cap="none" dirty="0">
+                <a:solidFill>
+                  <a:schemeClr val="lt1"/>
+                </a:solidFill>
+                <a:latin typeface="Arial Narrow"/>
+                <a:ea typeface="Arial Narrow"/>
+                <a:cs typeface="Arial Narrow"/>
+                <a:sym typeface="Arial Narrow"/>
+              </a:rPr>
+              <a:t> (beef and cheese)</a:t>
             </a:r>
           </a:p>
           <a:p>
@@ -17192,7 +17328,19 @@
                 <a:cs typeface="Arial Narrow"/>
                 <a:sym typeface="Arial Narrow"/>
               </a:rPr>
-              <a:t>Includes smoked ch</a:t>
+              <a:t>Includes </a:t>
+            </a:r>
+            <a:r>
+              <a:rPr lang="en-US" sz="2000" i="0" u="none" strike="noStrike" cap="none" dirty="0">
+                <a:solidFill>
+                  <a:schemeClr val="lt1"/>
+                </a:solidFill>
+                <a:latin typeface="Arial Narrow"/>
+                <a:ea typeface="Arial Narrow"/>
+                <a:cs typeface="Arial Narrow"/>
+                <a:sym typeface="Arial Narrow"/>
+              </a:rPr>
+              <a:t>smoked ch</a:t>
             </a:r>
             <a:r>
               <a:rPr lang="en-US" sz="2000" dirty="0">
@@ -17206,7 +17354,7 @@
               </a:rPr>
               <a:t>icken, cheese, guava BBQ, and cilantro</a:t>
             </a:r>
-            <a:endParaRPr lang="en-US" sz="2000" b="0" i="0" u="none" strike="noStrike" cap="none" dirty="0">
+            <a:endParaRPr lang="en-US" sz="2000" i="0" u="none" strike="noStrike" cap="none" dirty="0">
               <a:solidFill>
                 <a:schemeClr val="lt1"/>
               </a:solidFill>
@@ -17429,6 +17577,262 @@
           </a:p>
         </p:txBody>
       </p:sp>
+      <p:grpSp>
+        <p:nvGrpSpPr>
+          <p:cNvPr id="3" name="Group 2">
+            <a:extLst>
+              <a:ext uri="{FF2B5EF4-FFF2-40B4-BE49-F238E27FC236}">
+                <a16:creationId xmlns:a16="http://schemas.microsoft.com/office/drawing/2014/main" id="{3E17D531-448D-4279-979C-624A02988018}"/>
+              </a:ext>
+            </a:extLst>
+          </p:cNvPr>
+          <p:cNvGrpSpPr/>
+          <p:nvPr/>
+        </p:nvGrpSpPr>
+        <p:grpSpPr>
+          <a:xfrm>
+            <a:off x="616961" y="2980282"/>
+            <a:ext cx="767339" cy="1263632"/>
+            <a:chOff x="616961" y="2980282"/>
+            <a:chExt cx="767339" cy="1263632"/>
+          </a:xfrm>
+        </p:grpSpPr>
+        <p:grpSp>
+          <p:nvGrpSpPr>
+            <p:cNvPr id="2" name="Group 1">
+              <a:extLst>
+                <a:ext uri="{FF2B5EF4-FFF2-40B4-BE49-F238E27FC236}">
+                  <a16:creationId xmlns:a16="http://schemas.microsoft.com/office/drawing/2014/main" id="{E2324FCD-CD66-4312-9CC3-289E20792CB3}"/>
+                </a:ext>
+              </a:extLst>
+            </p:cNvPr>
+            <p:cNvGrpSpPr/>
+            <p:nvPr/>
+          </p:nvGrpSpPr>
+          <p:grpSpPr>
+            <a:xfrm>
+              <a:off x="616961" y="2980282"/>
+              <a:ext cx="767339" cy="1263632"/>
+              <a:chOff x="1832007" y="9525805"/>
+              <a:chExt cx="2222636" cy="3730290"/>
+            </a:xfrm>
+          </p:grpSpPr>
+          <p:sp>
+            <p:nvSpPr>
+              <p:cNvPr id="15" name="Rectangle 14">
+                <a:extLst>
+                  <a:ext uri="{FF2B5EF4-FFF2-40B4-BE49-F238E27FC236}">
+                    <a16:creationId xmlns:a16="http://schemas.microsoft.com/office/drawing/2014/main" id="{0FE03A10-83EE-4E62-8945-9652961EE2C4}"/>
+                  </a:ext>
+                </a:extLst>
+              </p:cNvPr>
+              <p:cNvSpPr/>
+              <p:nvPr/>
+            </p:nvSpPr>
+            <p:spPr>
+              <a:xfrm>
+                <a:off x="2993011" y="12888450"/>
+                <a:ext cx="1061632" cy="367645"/>
+              </a:xfrm>
+              <a:prstGeom prst="rect">
+                <a:avLst/>
+              </a:prstGeom>
+              <a:noFill/>
+              <a:ln>
+                <a:noFill/>
+              </a:ln>
+            </p:spPr>
+            <p:style>
+              <a:lnRef idx="2">
+                <a:schemeClr val="accent1">
+                  <a:shade val="50000"/>
+                </a:schemeClr>
+              </a:lnRef>
+              <a:fillRef idx="1">
+                <a:schemeClr val="accent1"/>
+              </a:fillRef>
+              <a:effectRef idx="0">
+                <a:schemeClr val="accent1"/>
+              </a:effectRef>
+              <a:fontRef idx="minor">
+                <a:schemeClr val="lt1"/>
+              </a:fontRef>
+            </p:style>
+            <p:txBody>
+              <a:bodyPr rtlCol="0" anchor="ctr"/>
+              <a:lstStyle/>
+              <a:p>
+                <a:pPr algn="ctr"/>
+                <a:endParaRPr lang="en-US"/>
+              </a:p>
+            </p:txBody>
+          </p:sp>
+          <p:cxnSp>
+            <p:nvCxnSpPr>
+              <p:cNvPr id="16" name="Connector: Elbow 15">
+                <a:extLst>
+                  <a:ext uri="{FF2B5EF4-FFF2-40B4-BE49-F238E27FC236}">
+                    <a16:creationId xmlns:a16="http://schemas.microsoft.com/office/drawing/2014/main" id="{89C2B68B-4555-4870-80E2-1E9EECA6FD23}"/>
+                  </a:ext>
+                </a:extLst>
+              </p:cNvPr>
+              <p:cNvCxnSpPr>
+                <a:cxnSpLocks/>
+                <a:endCxn id="15" idx="1"/>
+              </p:cNvCxnSpPr>
+              <p:nvPr/>
+            </p:nvCxnSpPr>
+            <p:spPr>
+              <a:xfrm rot="16200000" flipH="1">
+                <a:off x="639275" y="10718537"/>
+                <a:ext cx="3546468" cy="1161003"/>
+              </a:xfrm>
+              <a:prstGeom prst="bentConnector2">
+                <a:avLst/>
+              </a:prstGeom>
+              <a:ln w="19050" cap="rnd">
+                <a:solidFill>
+                  <a:schemeClr val="bg1"/>
+                </a:solidFill>
+                <a:prstDash val="sysDot"/>
+                <a:round/>
+                <a:tailEnd type="stealth"/>
+              </a:ln>
+            </p:spPr>
+            <p:style>
+              <a:lnRef idx="1">
+                <a:schemeClr val="accent1"/>
+              </a:lnRef>
+              <a:fillRef idx="0">
+                <a:schemeClr val="accent1"/>
+              </a:fillRef>
+              <a:effectRef idx="0">
+                <a:schemeClr val="accent1"/>
+              </a:effectRef>
+              <a:fontRef idx="minor">
+                <a:schemeClr val="tx1"/>
+              </a:fontRef>
+            </p:style>
+          </p:cxnSp>
+        </p:grpSp>
+        <p:grpSp>
+          <p:nvGrpSpPr>
+            <p:cNvPr id="18" name="Group 17">
+              <a:extLst>
+                <a:ext uri="{FF2B5EF4-FFF2-40B4-BE49-F238E27FC236}">
+                  <a16:creationId xmlns:a16="http://schemas.microsoft.com/office/drawing/2014/main" id="{D3358302-2F07-4480-9FFB-A14A74C449C8}"/>
+                </a:ext>
+              </a:extLst>
+            </p:cNvPr>
+            <p:cNvGrpSpPr/>
+            <p:nvPr/>
+          </p:nvGrpSpPr>
+          <p:grpSpPr>
+            <a:xfrm flipV="1">
+              <a:off x="1036708" y="3083798"/>
+              <a:ext cx="90277" cy="330917"/>
+              <a:chOff x="3085806" y="9913238"/>
+              <a:chExt cx="264234" cy="968572"/>
+            </a:xfrm>
+          </p:grpSpPr>
+          <p:cxnSp>
+            <p:nvCxnSpPr>
+              <p:cNvPr id="19" name="Straight Connector 18">
+                <a:extLst>
+                  <a:ext uri="{FF2B5EF4-FFF2-40B4-BE49-F238E27FC236}">
+                    <a16:creationId xmlns:a16="http://schemas.microsoft.com/office/drawing/2014/main" id="{EBF62D70-9FD7-4545-88C9-F38645F769EE}"/>
+                  </a:ext>
+                </a:extLst>
+              </p:cNvPr>
+              <p:cNvCxnSpPr>
+                <a:cxnSpLocks/>
+              </p:cNvCxnSpPr>
+              <p:nvPr/>
+            </p:nvCxnSpPr>
+            <p:spPr>
+              <a:xfrm>
+                <a:off x="3215474" y="9913238"/>
+                <a:ext cx="0" cy="968572"/>
+              </a:xfrm>
+              <a:prstGeom prst="line">
+                <a:avLst/>
+              </a:prstGeom>
+              <a:ln w="19050" cap="rnd">
+                <a:solidFill>
+                  <a:schemeClr val="bg1"/>
+                </a:solidFill>
+                <a:prstDash val="sysDot"/>
+              </a:ln>
+            </p:spPr>
+            <p:style>
+              <a:lnRef idx="1">
+                <a:schemeClr val="accent1"/>
+              </a:lnRef>
+              <a:fillRef idx="0">
+                <a:schemeClr val="accent1"/>
+              </a:fillRef>
+              <a:effectRef idx="0">
+                <a:schemeClr val="accent1"/>
+              </a:effectRef>
+              <a:fontRef idx="minor">
+                <a:schemeClr val="tx1"/>
+              </a:fontRef>
+            </p:style>
+          </p:cxnSp>
+          <p:sp>
+            <p:nvSpPr>
+              <p:cNvPr id="20" name="Oval 19">
+                <a:extLst>
+                  <a:ext uri="{FF2B5EF4-FFF2-40B4-BE49-F238E27FC236}">
+                    <a16:creationId xmlns:a16="http://schemas.microsoft.com/office/drawing/2014/main" id="{8DF4EC53-77B1-4B25-859B-4AFA5A873257}"/>
+                  </a:ext>
+                </a:extLst>
+              </p:cNvPr>
+              <p:cNvSpPr/>
+              <p:nvPr/>
+            </p:nvSpPr>
+            <p:spPr>
+              <a:xfrm>
+                <a:off x="3085806" y="10228896"/>
+                <a:ext cx="264234" cy="264232"/>
+              </a:xfrm>
+              <a:prstGeom prst="ellipse">
+                <a:avLst/>
+              </a:prstGeom>
+              <a:solidFill>
+                <a:srgbClr val="262626"/>
+              </a:solidFill>
+              <a:ln>
+                <a:noFill/>
+              </a:ln>
+            </p:spPr>
+            <p:style>
+              <a:lnRef idx="2">
+                <a:schemeClr val="accent1">
+                  <a:shade val="50000"/>
+                </a:schemeClr>
+              </a:lnRef>
+              <a:fillRef idx="1">
+                <a:schemeClr val="accent1"/>
+              </a:fillRef>
+              <a:effectRef idx="0">
+                <a:schemeClr val="accent1"/>
+              </a:effectRef>
+              <a:fontRef idx="minor">
+                <a:schemeClr val="lt1"/>
+              </a:fontRef>
+            </p:style>
+            <p:txBody>
+              <a:bodyPr rtlCol="0" anchor="ctr"/>
+              <a:lstStyle/>
+              <a:p>
+                <a:pPr algn="ctr"/>
+                <a:endParaRPr lang="en-US"/>
+              </a:p>
+            </p:txBody>
+          </p:sp>
+        </p:grpSp>
+      </p:grpSp>
     </p:spTree>
   </p:cSld>
   <p:clrMapOvr>

--- a/misc/Menu Letter 8.5 by 11 on 12-12-24/2_Letter_DaBeast Services Menu.pptx
+++ b/misc/Menu Letter 8.5 by 11 on 12-12-24/2_Letter_DaBeast Services Menu.pptx
@@ -21,7 +21,7 @@
       <p:boldItalic r:id="rId7"/>
     </p:embeddedFont>
     <p:embeddedFont>
-      <p:font typeface="Open Sans" panose="020B0604020202020204" charset="0"/>
+      <p:font typeface="Open Sans" panose="020B0606030504020204" pitchFamily="34" charset="0"/>
       <p:regular r:id="rId8"/>
       <p:bold r:id="rId9"/>
       <p:italic r:id="rId10"/>
@@ -15428,14 +15428,626 @@
       </p:pic>
       <p:sp>
         <p:nvSpPr>
+          <p:cNvPr id="93" name="Google Shape;93;p13"/>
+          <p:cNvSpPr txBox="1"/>
+          <p:nvPr/>
+        </p:nvSpPr>
+        <p:spPr>
+          <a:xfrm>
+            <a:off x="303733" y="2150208"/>
+            <a:ext cx="7127100" cy="3411000"/>
+          </a:xfrm>
+          <a:prstGeom prst="rect">
+            <a:avLst/>
+          </a:prstGeom>
+          <a:noFill/>
+          <a:ln>
+            <a:noFill/>
+          </a:ln>
+        </p:spPr>
+        <p:txBody>
+          <a:bodyPr spcFirstLastPara="1" wrap="square" lIns="100775" tIns="50375" rIns="100775" bIns="50375" anchor="t" anchorCtr="0">
+            <a:spAutoFit/>
+          </a:bodyPr>
+          <a:lstStyle/>
+          <a:p>
+            <a:pPr marL="0" marR="0" lvl="0" indent="0" algn="l" rtl="0">
+              <a:lnSpc>
+                <a:spcPct val="100000"/>
+              </a:lnSpc>
+              <a:spcBef>
+                <a:spcPts val="0"/>
+              </a:spcBef>
+              <a:spcAft>
+                <a:spcPts val="0"/>
+              </a:spcAft>
+              <a:buClr>
+                <a:srgbClr val="000000"/>
+              </a:buClr>
+              <a:buSzPts val="4000"/>
+              <a:buFont typeface="Arial"/>
+              <a:buNone/>
+            </a:pPr>
+            <a:r>
+              <a:rPr lang="en-US" sz="4000" b="1" i="0" u="none" strike="noStrike" cap="none" dirty="0">
+                <a:solidFill>
+                  <a:schemeClr val="lt1"/>
+                </a:solidFill>
+                <a:latin typeface="Arial Narrow"/>
+                <a:ea typeface="Arial Narrow"/>
+                <a:cs typeface="Arial Narrow"/>
+                <a:sym typeface="Arial Narrow"/>
+              </a:rPr>
+              <a:t>Lunch / Dinner</a:t>
+            </a:r>
+            <a:endParaRPr sz="4000" b="0" i="0" u="none" strike="noStrike" cap="none" dirty="0">
+              <a:solidFill>
+                <a:schemeClr val="lt1"/>
+              </a:solidFill>
+              <a:latin typeface="Arial Narrow"/>
+              <a:ea typeface="Arial Narrow"/>
+              <a:cs typeface="Arial Narrow"/>
+              <a:sym typeface="Arial Narrow"/>
+            </a:endParaRPr>
+          </a:p>
+          <a:p>
+            <a:pPr marL="0" marR="0" lvl="0" indent="0" algn="l" rtl="0">
+              <a:lnSpc>
+                <a:spcPct val="100000"/>
+              </a:lnSpc>
+              <a:spcBef>
+                <a:spcPts val="0"/>
+              </a:spcBef>
+              <a:spcAft>
+                <a:spcPts val="0"/>
+              </a:spcAft>
+              <a:buClr>
+                <a:srgbClr val="000000"/>
+              </a:buClr>
+              <a:buSzPts val="2000"/>
+              <a:buFont typeface="Arial"/>
+              <a:buNone/>
+            </a:pPr>
+            <a:endParaRPr sz="2000" b="1" i="0" u="none" strike="noStrike" cap="none" dirty="0">
+              <a:solidFill>
+                <a:schemeClr val="lt1"/>
+              </a:solidFill>
+              <a:latin typeface="Arial Narrow"/>
+              <a:ea typeface="Arial Narrow"/>
+              <a:cs typeface="Arial Narrow"/>
+              <a:sym typeface="Arial Narrow"/>
+            </a:endParaRPr>
+          </a:p>
+          <a:p>
+            <a:pPr marL="508000" marR="0" lvl="0" indent="-349250" algn="l" rtl="0">
+              <a:lnSpc>
+                <a:spcPct val="100000"/>
+              </a:lnSpc>
+              <a:spcBef>
+                <a:spcPts val="0"/>
+              </a:spcBef>
+              <a:spcAft>
+                <a:spcPts val="0"/>
+              </a:spcAft>
+              <a:buClr>
+                <a:schemeClr val="lt1"/>
+              </a:buClr>
+              <a:buSzPts val="1500"/>
+              <a:buFont typeface="Arial Narrow"/>
+              <a:buChar char="●"/>
+            </a:pPr>
+            <a:r>
+              <a:rPr lang="en-US" sz="2000" b="1" i="0" u="none" strike="noStrike" cap="none" dirty="0">
+                <a:solidFill>
+                  <a:schemeClr val="lt1"/>
+                </a:solidFill>
+                <a:latin typeface="Arial Narrow"/>
+                <a:ea typeface="Arial Narrow"/>
+                <a:cs typeface="Arial Narrow"/>
+                <a:sym typeface="Arial Narrow"/>
+              </a:rPr>
+              <a:t>Cheeseburger</a:t>
+            </a:r>
+            <a:r>
+              <a:rPr lang="en-US" sz="2000" i="0" u="none" strike="noStrike" cap="none" dirty="0">
+                <a:solidFill>
+                  <a:schemeClr val="lt1"/>
+                </a:solidFill>
+                <a:latin typeface="Arial Narrow"/>
+                <a:ea typeface="Arial Narrow"/>
+                <a:cs typeface="Arial Narrow"/>
+                <a:sym typeface="Arial Narrow"/>
+              </a:rPr>
+              <a:t> ……………………………....................................</a:t>
+            </a:r>
+            <a:r>
+              <a:rPr lang="en-US" sz="2000" dirty="0">
+                <a:solidFill>
+                  <a:srgbClr val="8CD872"/>
+                </a:solidFill>
+                <a:latin typeface="Arial Narrow"/>
+                <a:ea typeface="Arial Narrow"/>
+                <a:cs typeface="Arial Narrow"/>
+                <a:sym typeface="Arial Narrow"/>
+              </a:rPr>
+              <a:t>.</a:t>
+            </a:r>
+            <a:r>
+              <a:rPr lang="en-US" sz="2000" b="0" i="0" u="none" strike="noStrike" cap="none" dirty="0">
+                <a:solidFill>
+                  <a:srgbClr val="8CD872"/>
+                </a:solidFill>
+                <a:latin typeface="Arial Narrow"/>
+                <a:ea typeface="Arial Narrow"/>
+                <a:cs typeface="Arial Narrow"/>
+                <a:sym typeface="Arial Narrow"/>
+              </a:rPr>
+              <a:t> </a:t>
+            </a:r>
+            <a:r>
+              <a:rPr lang="en-US" sz="2000" b="1" i="0" u="none" strike="noStrike" cap="none" dirty="0">
+                <a:solidFill>
+                  <a:srgbClr val="8CD872"/>
+                </a:solidFill>
+                <a:latin typeface="Arial Narrow"/>
+                <a:ea typeface="Arial Narrow"/>
+                <a:cs typeface="Arial Narrow"/>
+                <a:sym typeface="Arial Narrow"/>
+              </a:rPr>
+              <a:t>12</a:t>
+            </a:r>
+            <a:endParaRPr sz="2000" b="1" i="0" u="none" strike="noStrike" cap="none" dirty="0">
+              <a:solidFill>
+                <a:srgbClr val="8CD872"/>
+              </a:solidFill>
+              <a:latin typeface="Arial Narrow"/>
+              <a:ea typeface="Arial Narrow"/>
+              <a:cs typeface="Arial Narrow"/>
+              <a:sym typeface="Arial Narrow"/>
+            </a:endParaRPr>
+          </a:p>
+          <a:p>
+            <a:pPr marL="508000" marR="0" lvl="0" indent="-349250" algn="l" rtl="0">
+              <a:lnSpc>
+                <a:spcPct val="100000"/>
+              </a:lnSpc>
+              <a:spcBef>
+                <a:spcPts val="0"/>
+              </a:spcBef>
+              <a:spcAft>
+                <a:spcPts val="0"/>
+              </a:spcAft>
+              <a:buClr>
+                <a:schemeClr val="lt1"/>
+              </a:buClr>
+              <a:buSzPts val="1500"/>
+              <a:buFont typeface="Arial Narrow"/>
+              <a:buChar char="●"/>
+            </a:pPr>
+            <a:r>
+              <a:rPr lang="en-US" sz="2000" b="1" i="0" u="none" strike="noStrike" cap="none" dirty="0">
+                <a:solidFill>
+                  <a:schemeClr val="lt1"/>
+                </a:solidFill>
+                <a:latin typeface="Arial Narrow"/>
+                <a:ea typeface="Arial Narrow"/>
+                <a:cs typeface="Arial Narrow"/>
+                <a:sym typeface="Arial Narrow"/>
+              </a:rPr>
+              <a:t>Beer Brat </a:t>
+            </a:r>
+            <a:r>
+              <a:rPr lang="en-US" sz="2000" i="0" u="none" strike="noStrike" cap="none" dirty="0">
+                <a:solidFill>
+                  <a:schemeClr val="lt1"/>
+                </a:solidFill>
+                <a:latin typeface="Arial Narrow"/>
+                <a:ea typeface="Arial Narrow"/>
+                <a:cs typeface="Arial Narrow"/>
+                <a:sym typeface="Arial Narrow"/>
+              </a:rPr>
+              <a:t>………………………………....................................</a:t>
+            </a:r>
+            <a:r>
+              <a:rPr lang="en-US" sz="2000" dirty="0">
+                <a:solidFill>
+                  <a:schemeClr val="lt1"/>
+                </a:solidFill>
+                <a:latin typeface="Arial Narrow"/>
+                <a:ea typeface="Arial Narrow"/>
+                <a:cs typeface="Arial Narrow"/>
+                <a:sym typeface="Arial Narrow"/>
+              </a:rPr>
+              <a:t>.</a:t>
+            </a:r>
+            <a:r>
+              <a:rPr lang="en-US" sz="2000" i="0" u="none" strike="noStrike" cap="none" dirty="0">
+                <a:solidFill>
+                  <a:schemeClr val="lt1"/>
+                </a:solidFill>
+                <a:latin typeface="Arial Narrow"/>
+                <a:ea typeface="Arial Narrow"/>
+                <a:cs typeface="Arial Narrow"/>
+                <a:sym typeface="Arial Narrow"/>
+              </a:rPr>
+              <a:t>.....</a:t>
+            </a:r>
+            <a:r>
+              <a:rPr lang="en-US" sz="2000" b="0" i="0" u="none" strike="noStrike" cap="none" dirty="0">
+                <a:solidFill>
+                  <a:srgbClr val="8CD872"/>
+                </a:solidFill>
+                <a:latin typeface="Arial Narrow"/>
+                <a:ea typeface="Arial Narrow"/>
+                <a:cs typeface="Arial Narrow"/>
+                <a:sym typeface="Arial Narrow"/>
+              </a:rPr>
+              <a:t>  </a:t>
+            </a:r>
+            <a:r>
+              <a:rPr lang="en-US" sz="2000" b="1" dirty="0">
+                <a:solidFill>
+                  <a:srgbClr val="8CD872"/>
+                </a:solidFill>
+                <a:latin typeface="Arial Narrow"/>
+                <a:ea typeface="Arial Narrow"/>
+                <a:cs typeface="Arial Narrow"/>
+                <a:sym typeface="Arial Narrow"/>
+              </a:rPr>
+              <a:t>8</a:t>
+            </a:r>
+            <a:endParaRPr sz="2000" b="1" i="0" u="none" strike="noStrike" cap="none" dirty="0">
+              <a:solidFill>
+                <a:srgbClr val="8CD872"/>
+              </a:solidFill>
+              <a:latin typeface="Arial Narrow"/>
+              <a:ea typeface="Arial Narrow"/>
+              <a:cs typeface="Arial Narrow"/>
+              <a:sym typeface="Arial Narrow"/>
+            </a:endParaRPr>
+          </a:p>
+          <a:p>
+            <a:pPr marL="1003300" marR="0" lvl="1" indent="-381000" algn="l" rtl="0">
+              <a:lnSpc>
+                <a:spcPct val="100000"/>
+              </a:lnSpc>
+              <a:spcBef>
+                <a:spcPts val="0"/>
+              </a:spcBef>
+              <a:spcAft>
+                <a:spcPts val="0"/>
+              </a:spcAft>
+              <a:buClr>
+                <a:schemeClr val="lt1"/>
+              </a:buClr>
+              <a:buSzPts val="2000"/>
+              <a:buFont typeface="Arial Narrow"/>
+              <a:buChar char="○"/>
+            </a:pPr>
+            <a:r>
+              <a:rPr lang="en-US" sz="2000" b="1" i="0" u="none" strike="noStrike" cap="none" dirty="0">
+                <a:solidFill>
+                  <a:schemeClr val="lt1"/>
+                </a:solidFill>
+                <a:latin typeface="Arial Narrow"/>
+                <a:ea typeface="Arial Narrow"/>
+                <a:cs typeface="Arial Narrow"/>
+                <a:sym typeface="Arial Narrow"/>
+              </a:rPr>
+              <a:t>Meal deal:</a:t>
+            </a:r>
+            <a:r>
+              <a:rPr lang="en-US" sz="2000" b="0" i="0" u="none" strike="noStrike" cap="none" dirty="0">
+                <a:solidFill>
+                  <a:schemeClr val="lt1"/>
+                </a:solidFill>
+                <a:latin typeface="Arial Narrow"/>
+                <a:ea typeface="Arial Narrow"/>
+                <a:cs typeface="Arial Narrow"/>
+                <a:sym typeface="Arial Narrow"/>
+              </a:rPr>
+              <a:t> Chips and drink ………………</a:t>
+            </a:r>
+            <a:r>
+              <a:rPr lang="en-US" sz="2000" dirty="0">
+                <a:solidFill>
+                  <a:schemeClr val="lt1"/>
+                </a:solidFill>
+                <a:latin typeface="Arial Narrow"/>
+                <a:ea typeface="Arial Narrow"/>
+                <a:cs typeface="Arial Narrow"/>
+                <a:sym typeface="Arial Narrow"/>
+              </a:rPr>
+              <a:t>………</a:t>
+            </a:r>
+            <a:r>
+              <a:rPr lang="en-US" sz="2000" b="0" i="0" u="none" strike="noStrike" cap="none" dirty="0">
+                <a:solidFill>
+                  <a:schemeClr val="lt1"/>
+                </a:solidFill>
+                <a:latin typeface="Arial Narrow"/>
+                <a:ea typeface="Arial Narrow"/>
+                <a:cs typeface="Arial Narrow"/>
+                <a:sym typeface="Arial Narrow"/>
+              </a:rPr>
+              <a:t>.…</a:t>
+            </a:r>
+            <a:r>
+              <a:rPr lang="en-US" sz="2000" dirty="0">
+                <a:solidFill>
+                  <a:schemeClr val="lt1"/>
+                </a:solidFill>
+                <a:latin typeface="Arial Narrow"/>
+                <a:ea typeface="Arial Narrow"/>
+                <a:cs typeface="Arial Narrow"/>
+                <a:sym typeface="Arial Narrow"/>
+              </a:rPr>
+              <a:t>…..</a:t>
+            </a:r>
+            <a:r>
+              <a:rPr lang="en-US" sz="2000" b="0" i="0" u="none" strike="noStrike" cap="none" dirty="0">
+                <a:solidFill>
+                  <a:schemeClr val="lt1"/>
+                </a:solidFill>
+                <a:latin typeface="Arial Narrow"/>
+                <a:ea typeface="Arial Narrow"/>
+                <a:cs typeface="Arial Narrow"/>
+                <a:sym typeface="Arial Narrow"/>
+              </a:rPr>
+              <a:t> </a:t>
+            </a:r>
+            <a:r>
+              <a:rPr lang="en-US" sz="2000" b="1" i="0" u="none" strike="noStrike" cap="none" dirty="0">
+                <a:solidFill>
+                  <a:srgbClr val="8CD872"/>
+                </a:solidFill>
+                <a:latin typeface="Arial Narrow"/>
+                <a:ea typeface="Arial Narrow"/>
+                <a:cs typeface="Arial Narrow"/>
+                <a:sym typeface="Arial Narrow"/>
+              </a:rPr>
+              <a:t>Add 3</a:t>
+            </a:r>
+            <a:endParaRPr sz="2000" b="1" i="0" u="none" strike="noStrike" cap="none" dirty="0">
+              <a:solidFill>
+                <a:srgbClr val="8CD872"/>
+              </a:solidFill>
+              <a:latin typeface="Arial Narrow"/>
+              <a:ea typeface="Arial Narrow"/>
+              <a:cs typeface="Arial Narrow"/>
+              <a:sym typeface="Arial Narrow"/>
+            </a:endParaRPr>
+          </a:p>
+          <a:p>
+            <a:pPr marL="1003300" marR="0" lvl="0" indent="0" algn="l" rtl="0">
+              <a:lnSpc>
+                <a:spcPct val="100000"/>
+              </a:lnSpc>
+              <a:spcBef>
+                <a:spcPts val="0"/>
+              </a:spcBef>
+              <a:spcAft>
+                <a:spcPts val="0"/>
+              </a:spcAft>
+              <a:buClr>
+                <a:srgbClr val="000000"/>
+              </a:buClr>
+              <a:buSzPts val="2000"/>
+              <a:buFont typeface="Arial"/>
+              <a:buNone/>
+            </a:pPr>
+            <a:endParaRPr sz="2000" b="0" i="0" u="none" strike="noStrike" cap="none" dirty="0">
+              <a:solidFill>
+                <a:schemeClr val="lt1"/>
+              </a:solidFill>
+              <a:latin typeface="Arial Narrow"/>
+              <a:ea typeface="Arial Narrow"/>
+              <a:cs typeface="Arial Narrow"/>
+              <a:sym typeface="Arial Narrow"/>
+            </a:endParaRPr>
+          </a:p>
+          <a:p>
+            <a:pPr marL="508000" marR="0" lvl="0" indent="-349250" algn="l" rtl="0">
+              <a:lnSpc>
+                <a:spcPct val="100000"/>
+              </a:lnSpc>
+              <a:spcBef>
+                <a:spcPts val="0"/>
+              </a:spcBef>
+              <a:spcAft>
+                <a:spcPts val="0"/>
+              </a:spcAft>
+              <a:buClr>
+                <a:schemeClr val="lt1"/>
+              </a:buClr>
+              <a:buSzPts val="1500"/>
+              <a:buFont typeface="Arial Narrow"/>
+              <a:buChar char="●"/>
+            </a:pPr>
+            <a:r>
+              <a:rPr lang="en-US" sz="2000" b="1" i="0" u="none" strike="noStrike" cap="none" dirty="0" err="1">
+                <a:solidFill>
+                  <a:schemeClr val="lt1"/>
+                </a:solidFill>
+                <a:latin typeface="Arial Narrow"/>
+                <a:ea typeface="Arial Narrow"/>
+                <a:cs typeface="Arial Narrow"/>
+                <a:sym typeface="Arial Narrow"/>
+              </a:rPr>
+              <a:t>Pastelillos</a:t>
+            </a:r>
+            <a:r>
+              <a:rPr lang="en-US" sz="2000" b="1" i="0" u="none" strike="noStrike" cap="none" dirty="0">
+                <a:solidFill>
+                  <a:schemeClr val="lt1"/>
+                </a:solidFill>
+                <a:latin typeface="Arial Narrow"/>
+                <a:ea typeface="Arial Narrow"/>
+                <a:cs typeface="Arial Narrow"/>
+                <a:sym typeface="Arial Narrow"/>
+              </a:rPr>
+              <a:t> </a:t>
+            </a:r>
+            <a:r>
+              <a:rPr lang="en-US" sz="2000" i="0" u="none" strike="noStrike" cap="none" dirty="0">
+                <a:solidFill>
+                  <a:schemeClr val="lt1"/>
+                </a:solidFill>
+                <a:latin typeface="Arial Narrow"/>
+                <a:ea typeface="Arial Narrow"/>
+                <a:cs typeface="Arial Narrow"/>
+                <a:sym typeface="Arial Narrow"/>
+              </a:rPr>
+              <a:t>………………………………........................................</a:t>
+            </a:r>
+            <a:r>
+              <a:rPr lang="en-US" sz="2000" b="0" i="0" u="none" strike="noStrike" cap="none" dirty="0">
+                <a:solidFill>
+                  <a:schemeClr val="lt1"/>
+                </a:solidFill>
+                <a:latin typeface="Arial Narrow"/>
+                <a:ea typeface="Arial Narrow"/>
+                <a:cs typeface="Arial Narrow"/>
+                <a:sym typeface="Arial Narrow"/>
+              </a:rPr>
+              <a:t>.</a:t>
+            </a:r>
+            <a:r>
+              <a:rPr lang="en-US" sz="2000" dirty="0">
+                <a:solidFill>
+                  <a:srgbClr val="8CD872"/>
+                </a:solidFill>
+                <a:latin typeface="Arial Narrow"/>
+                <a:ea typeface="Arial Narrow"/>
+                <a:cs typeface="Arial Narrow"/>
+                <a:sym typeface="Arial Narrow"/>
+              </a:rPr>
+              <a:t> </a:t>
+            </a:r>
+            <a:r>
+              <a:rPr lang="en-US" sz="2000" b="1" i="0" u="none" strike="noStrike" cap="none" dirty="0">
+                <a:solidFill>
+                  <a:srgbClr val="8CD872"/>
+                </a:solidFill>
+                <a:latin typeface="Arial Narrow"/>
+                <a:ea typeface="Arial Narrow"/>
+                <a:cs typeface="Arial Narrow"/>
+                <a:sym typeface="Arial Narrow"/>
+              </a:rPr>
+              <a:t>4</a:t>
+            </a:r>
+            <a:endParaRPr sz="2000" b="1" i="0" u="none" strike="noStrike" cap="none" dirty="0">
+              <a:solidFill>
+                <a:srgbClr val="8CD872"/>
+              </a:solidFill>
+              <a:latin typeface="Arial Narrow"/>
+              <a:ea typeface="Arial Narrow"/>
+              <a:cs typeface="Arial Narrow"/>
+              <a:sym typeface="Arial Narrow"/>
+            </a:endParaRPr>
+          </a:p>
+          <a:p>
+            <a:pPr marL="1003300" marR="0" lvl="1" indent="-381000" algn="l" rtl="0">
+              <a:lnSpc>
+                <a:spcPct val="100000"/>
+              </a:lnSpc>
+              <a:spcBef>
+                <a:spcPts val="0"/>
+              </a:spcBef>
+              <a:spcAft>
+                <a:spcPts val="0"/>
+              </a:spcAft>
+              <a:buClr>
+                <a:schemeClr val="lt1"/>
+              </a:buClr>
+              <a:buSzPts val="2000"/>
+              <a:buFont typeface="Arial Narrow"/>
+              <a:buChar char="○"/>
+            </a:pPr>
+            <a:r>
+              <a:rPr lang="en-US" sz="2000" b="0" i="0" u="none" strike="noStrike" cap="none" dirty="0">
+                <a:solidFill>
+                  <a:schemeClr val="lt1"/>
+                </a:solidFill>
+                <a:latin typeface="Arial Narrow"/>
+                <a:ea typeface="Arial Narrow"/>
+                <a:cs typeface="Arial Narrow"/>
+                <a:sym typeface="Arial Narrow"/>
+              </a:rPr>
+              <a:t>Stuffed fried empanadas (beef and cheese)</a:t>
+            </a:r>
+            <a:br>
+              <a:rPr lang="en-US" sz="2000" b="0" i="0" u="none" strike="noStrike" cap="none" dirty="0">
+                <a:solidFill>
+                  <a:schemeClr val="lt1"/>
+                </a:solidFill>
+                <a:latin typeface="Arial Narrow"/>
+                <a:ea typeface="Arial Narrow"/>
+                <a:cs typeface="Arial Narrow"/>
+                <a:sym typeface="Arial Narrow"/>
+              </a:rPr>
+            </a:br>
+            <a:endParaRPr sz="2000" b="0" i="0" u="none" strike="noStrike" cap="none" dirty="0">
+              <a:solidFill>
+                <a:schemeClr val="lt1"/>
+              </a:solidFill>
+              <a:latin typeface="Arial Narrow"/>
+              <a:ea typeface="Arial Narrow"/>
+              <a:cs typeface="Arial Narrow"/>
+              <a:sym typeface="Arial Narrow"/>
+            </a:endParaRPr>
+          </a:p>
+          <a:p>
+            <a:pPr marL="0" marR="0" lvl="0" indent="0" algn="l" rtl="0">
+              <a:lnSpc>
+                <a:spcPct val="100000"/>
+              </a:lnSpc>
+              <a:spcBef>
+                <a:spcPts val="0"/>
+              </a:spcBef>
+              <a:spcAft>
+                <a:spcPts val="0"/>
+              </a:spcAft>
+              <a:buClr>
+                <a:srgbClr val="000000"/>
+              </a:buClr>
+              <a:buSzPts val="600"/>
+              <a:buFont typeface="Arial"/>
+              <a:buNone/>
+            </a:pPr>
+            <a:br>
+              <a:rPr lang="en-US" sz="600" b="0" i="0" u="none" strike="noStrike" cap="none" dirty="0">
+                <a:solidFill>
+                  <a:schemeClr val="lt1"/>
+                </a:solidFill>
+                <a:latin typeface="Arial Narrow"/>
+                <a:ea typeface="Arial Narrow"/>
+                <a:cs typeface="Arial Narrow"/>
+                <a:sym typeface="Arial Narrow"/>
+              </a:rPr>
+            </a:br>
+            <a:endParaRPr sz="900" b="0" i="0" u="none" strike="noStrike" cap="none" dirty="0">
+              <a:solidFill>
+                <a:schemeClr val="lt1"/>
+              </a:solidFill>
+              <a:latin typeface="Arial Narrow"/>
+              <a:ea typeface="Arial Narrow"/>
+              <a:cs typeface="Arial Narrow"/>
+              <a:sym typeface="Arial Narrow"/>
+            </a:endParaRPr>
+          </a:p>
+        </p:txBody>
+      </p:sp>
+      <p:sp>
+        <p:nvSpPr>
           <p:cNvPr id="94" name="Google Shape;94;p13"/>
           <p:cNvSpPr txBox="1"/>
           <p:nvPr/>
         </p:nvSpPr>
         <p:spPr>
           <a:xfrm>
-            <a:off x="341567" y="6501007"/>
-            <a:ext cx="3357300" cy="2256170"/>
+            <a:off x="337577" y="5640139"/>
+            <a:ext cx="3357300" cy="2718600"/>
           </a:xfrm>
           <a:prstGeom prst="rect">
             <a:avLst/>
@@ -15504,10 +16116,142 @@
               <a:buClr>
                 <a:srgbClr val="000000"/>
               </a:buClr>
+              <a:buSzPts val="1500"/>
+              <a:buFont typeface="Arial"/>
+              <a:buNone/>
+            </a:pPr>
+            <a:endParaRPr sz="1500" b="0" i="0" u="none" strike="noStrike" cap="none" dirty="0">
+              <a:solidFill>
+                <a:schemeClr val="lt1"/>
+              </a:solidFill>
+              <a:latin typeface="Arial Narrow"/>
+              <a:ea typeface="Arial Narrow"/>
+              <a:cs typeface="Arial Narrow"/>
+              <a:sym typeface="Arial Narrow"/>
+            </a:endParaRPr>
+          </a:p>
+          <a:p>
+            <a:pPr marL="304800" marR="0" lvl="0" indent="-177800" algn="l" rtl="0">
+              <a:lnSpc>
+                <a:spcPct val="100000"/>
+              </a:lnSpc>
+              <a:spcBef>
+                <a:spcPts val="0"/>
+              </a:spcBef>
+              <a:spcAft>
+                <a:spcPts val="0"/>
+              </a:spcAft>
+              <a:buClr>
+                <a:schemeClr val="dk1"/>
+              </a:buClr>
               <a:buSzPts val="2000"/>
               <a:buFont typeface="Arial"/>
               <a:buNone/>
             </a:pPr>
+            <a:endParaRPr sz="2000" b="0" i="0" u="none" strike="noStrike" cap="none" dirty="0">
+              <a:solidFill>
+                <a:schemeClr val="lt1"/>
+              </a:solidFill>
+              <a:latin typeface="Arial Narrow"/>
+              <a:ea typeface="Arial Narrow"/>
+              <a:cs typeface="Arial Narrow"/>
+              <a:sym typeface="Arial Narrow"/>
+            </a:endParaRPr>
+          </a:p>
+          <a:p>
+            <a:pPr marL="0" marR="0" lvl="0" indent="0" algn="l" rtl="0">
+              <a:lnSpc>
+                <a:spcPct val="100000"/>
+              </a:lnSpc>
+              <a:spcBef>
+                <a:spcPts val="0"/>
+              </a:spcBef>
+              <a:spcAft>
+                <a:spcPts val="0"/>
+              </a:spcAft>
+              <a:buClr>
+                <a:srgbClr val="000000"/>
+              </a:buClr>
+              <a:buSzPts val="2000"/>
+              <a:buFont typeface="Arial"/>
+              <a:buNone/>
+            </a:pPr>
+            <a:r>
+              <a:rPr lang="en-US" sz="2000" b="0" i="0" u="none" strike="noStrike" cap="none" dirty="0">
+                <a:solidFill>
+                  <a:schemeClr val="lt1"/>
+                </a:solidFill>
+                <a:latin typeface="Arial Narrow"/>
+                <a:ea typeface="Arial Narrow"/>
+                <a:cs typeface="Arial Narrow"/>
+                <a:sym typeface="Arial Narrow"/>
+              </a:rPr>
+              <a:t>     Limber De Coco (Ice Cream)</a:t>
+            </a:r>
+            <a:r>
+              <a:rPr lang="en-US" sz="2000" b="0" i="0" u="none" strike="noStrike" cap="none" dirty="0">
+                <a:solidFill>
+                  <a:srgbClr val="8CD872"/>
+                </a:solidFill>
+                <a:latin typeface="Arial Narrow"/>
+                <a:ea typeface="Arial Narrow"/>
+                <a:cs typeface="Arial Narrow"/>
+                <a:sym typeface="Arial Narrow"/>
+              </a:rPr>
+              <a:t> </a:t>
+            </a:r>
+            <a:endParaRPr sz="2000" b="0" i="0" u="none" strike="noStrike" cap="none" dirty="0">
+              <a:solidFill>
+                <a:srgbClr val="8CD872"/>
+              </a:solidFill>
+              <a:latin typeface="Arial Narrow"/>
+              <a:ea typeface="Arial Narrow"/>
+              <a:cs typeface="Arial Narrow"/>
+              <a:sym typeface="Arial Narrow"/>
+            </a:endParaRPr>
+          </a:p>
+          <a:p>
+            <a:pPr marL="0" marR="0" lvl="0" indent="0" algn="l" rtl="0">
+              <a:lnSpc>
+                <a:spcPct val="100000"/>
+              </a:lnSpc>
+              <a:spcBef>
+                <a:spcPts val="0"/>
+              </a:spcBef>
+              <a:spcAft>
+                <a:spcPts val="0"/>
+              </a:spcAft>
+              <a:buClr>
+                <a:srgbClr val="000000"/>
+              </a:buClr>
+              <a:buSzPts val="2000"/>
+              <a:buFont typeface="Arial"/>
+              <a:buNone/>
+            </a:pPr>
+            <a:r>
+              <a:rPr lang="en-US" sz="2000" b="0" i="0" u="none" strike="noStrike" cap="none" dirty="0">
+                <a:solidFill>
+                  <a:schemeClr val="lt1"/>
+                </a:solidFill>
+                <a:latin typeface="Arial Narrow"/>
+                <a:ea typeface="Arial Narrow"/>
+                <a:cs typeface="Arial Narrow"/>
+                <a:sym typeface="Arial Narrow"/>
+              </a:rPr>
+              <a:t>     ………………………………. </a:t>
+            </a:r>
+            <a:r>
+              <a:rPr lang="en-US" sz="2000" b="1" i="0" u="none" strike="noStrike" cap="none" dirty="0">
+                <a:solidFill>
+                  <a:srgbClr val="8CD872"/>
+                </a:solidFill>
+                <a:latin typeface="Arial Narrow"/>
+                <a:ea typeface="Arial Narrow"/>
+                <a:cs typeface="Arial Narrow"/>
+                <a:sym typeface="Arial Narrow"/>
+              </a:rPr>
+              <a:t>5</a:t>
+            </a:r>
             <a:r>
               <a:rPr lang="en-US" sz="2000" b="0" i="0" u="none" strike="noStrike" cap="none" dirty="0">
                 <a:solidFill>
@@ -15610,128 +16354,49 @@
                 <a:cs typeface="Arial Narrow"/>
                 <a:sym typeface="Arial Narrow"/>
               </a:rPr>
-              <a:t>Fried Cheesecake Bites </a:t>
+              <a:t>Fried Cheesecake Bites …. </a:t>
             </a:r>
             <a:r>
-              <a:rPr lang="en-US" sz="2000" b="0" i="0" u="none" strike="noStrike" cap="none">
-                <a:solidFill>
-                  <a:schemeClr val="lt1"/>
+              <a:rPr lang="en-US" sz="2000" b="1" i="0" u="none" strike="noStrike" cap="none" dirty="0">
+                <a:solidFill>
+                  <a:srgbClr val="8CD872"/>
                 </a:solidFill>
                 <a:latin typeface="Arial Narrow"/>
                 <a:ea typeface="Arial Narrow"/>
                 <a:cs typeface="Arial Narrow"/>
                 <a:sym typeface="Arial Narrow"/>
               </a:rPr>
-              <a:t>…. </a:t>
+              <a:t>6</a:t>
             </a:r>
-            <a:r>
-              <a:rPr lang="en-US" sz="2000" b="1" i="0" u="none" strike="noStrike" cap="none">
-                <a:solidFill>
-                  <a:srgbClr val="8CD872"/>
-                </a:solidFill>
-                <a:latin typeface="Arial Narrow"/>
-                <a:ea typeface="Arial Narrow"/>
-                <a:cs typeface="Arial Narrow"/>
-                <a:sym typeface="Arial Narrow"/>
-              </a:rPr>
-              <a:t>7</a:t>
-            </a:r>
-            <a:endParaRPr lang="en-US" sz="2000" b="1" i="0" u="none" strike="noStrike" cap="none" dirty="0">
+            <a:endParaRPr sz="1500" b="0" i="0" u="none" strike="noStrike" cap="none" dirty="0">
               <a:solidFill>
-                <a:srgbClr val="8CD872"/>
+                <a:srgbClr val="000000"/>
               </a:solidFill>
-              <a:latin typeface="Arial Narrow"/>
-              <a:ea typeface="Arial Narrow"/>
-              <a:cs typeface="Arial Narrow"/>
-              <a:sym typeface="Arial Narrow"/>
+              <a:latin typeface="Arial"/>
+              <a:ea typeface="Arial"/>
+              <a:cs typeface="Arial"/>
+              <a:sym typeface="Arial"/>
             </a:endParaRPr>
           </a:p>
           <a:p>
-            <a:pPr marL="304800" marR="0" lvl="0" indent="-304800" algn="l" rtl="0">
-              <a:lnSpc>
-                <a:spcPct val="100000"/>
-              </a:lnSpc>
-              <a:spcBef>
-                <a:spcPts val="0"/>
-              </a:spcBef>
-              <a:spcAft>
-                <a:spcPts val="0"/>
-              </a:spcAft>
-              <a:buClr>
-                <a:schemeClr val="lt1"/>
-              </a:buClr>
-              <a:buSzPts val="2000"/>
-              <a:buFont typeface="Arial"/>
-              <a:buChar char="•"/>
+            <a:pPr marL="508000" marR="0" lvl="0" indent="0" algn="l" rtl="0">
+              <a:lnSpc>
+                <a:spcPct val="100000"/>
+              </a:lnSpc>
+              <a:spcBef>
+                <a:spcPts val="0"/>
+              </a:spcBef>
+              <a:spcAft>
+                <a:spcPts val="0"/>
+              </a:spcAft>
+              <a:buClr>
+                <a:srgbClr val="000000"/>
+              </a:buClr>
+              <a:buSzPts val="1500"/>
+              <a:buFont typeface="Arial"/>
+              <a:buNone/>
             </a:pPr>
-            <a:r>
-              <a:rPr lang="en-US" sz="2000" b="0" i="0" u="none" strike="noStrike" cap="none" dirty="0">
-                <a:solidFill>
-                  <a:schemeClr val="lt1"/>
-                </a:solidFill>
-                <a:latin typeface="Arial Narrow"/>
-                <a:ea typeface="Arial Narrow"/>
-                <a:cs typeface="Arial Narrow"/>
-                <a:sym typeface="Arial Narrow"/>
-              </a:rPr>
-              <a:t>Limber De Coco (Ice Cream)</a:t>
-            </a:r>
-            <a:r>
-              <a:rPr lang="en-US" sz="2000" b="0" i="0" u="none" strike="noStrike" cap="none" dirty="0">
-                <a:solidFill>
-                  <a:srgbClr val="8CD872"/>
-                </a:solidFill>
-                <a:latin typeface="Arial Narrow"/>
-                <a:ea typeface="Arial Narrow"/>
-                <a:cs typeface="Arial Narrow"/>
-                <a:sym typeface="Arial Narrow"/>
-              </a:rPr>
-              <a:t> </a:t>
-            </a:r>
-          </a:p>
-          <a:p>
-            <a:pPr marL="0" marR="0" lvl="0" indent="0" algn="l" rtl="0">
-              <a:lnSpc>
-                <a:spcPct val="100000"/>
-              </a:lnSpc>
-              <a:spcBef>
-                <a:spcPts val="0"/>
-              </a:spcBef>
-              <a:spcAft>
-                <a:spcPts val="0"/>
-              </a:spcAft>
-              <a:buClr>
-                <a:srgbClr val="000000"/>
-              </a:buClr>
-              <a:buSzPts val="2000"/>
-              <a:buFont typeface="Arial"/>
-              <a:buNone/>
-            </a:pPr>
-            <a:r>
-              <a:rPr lang="en-US" sz="2000" b="0" i="0" u="none" strike="noStrike" cap="none" dirty="0">
-                <a:solidFill>
-                  <a:schemeClr val="lt1"/>
-                </a:solidFill>
-                <a:latin typeface="Arial Narrow"/>
-                <a:ea typeface="Arial Narrow"/>
-                <a:cs typeface="Arial Narrow"/>
-                <a:sym typeface="Arial Narrow"/>
-              </a:rPr>
-              <a:t>     ………………………………. </a:t>
-            </a:r>
-            <a:r>
-              <a:rPr lang="en-US" sz="2000" b="1" i="0" u="none" strike="noStrike" cap="none" dirty="0">
-                <a:solidFill>
-                  <a:srgbClr val="8CD872"/>
-                </a:solidFill>
-                <a:latin typeface="Arial Narrow"/>
-                <a:ea typeface="Arial Narrow"/>
-                <a:cs typeface="Arial Narrow"/>
-                <a:sym typeface="Arial Narrow"/>
-              </a:rPr>
-              <a:t>5</a:t>
-            </a:r>
-            <a:endParaRPr sz="2000" b="0" i="0" u="none" strike="noStrike" cap="none" dirty="0">
+            <a:endParaRPr sz="1500" b="0" i="0" u="none" strike="noStrike" cap="none" dirty="0">
               <a:solidFill>
                 <a:srgbClr val="000000"/>
               </a:solidFill>
@@ -15751,7 +16416,7 @@
         </p:nvCxnSpPr>
         <p:spPr>
           <a:xfrm>
-            <a:off x="176323" y="2509620"/>
+            <a:off x="176323" y="2844294"/>
             <a:ext cx="7350900" cy="0"/>
           </a:xfrm>
           <a:prstGeom prst="straightConnector1">
@@ -15777,7 +16442,7 @@
         </p:nvCxnSpPr>
         <p:spPr>
           <a:xfrm>
-            <a:off x="180313" y="7243303"/>
+            <a:off x="176323" y="6352823"/>
             <a:ext cx="7350900" cy="0"/>
           </a:xfrm>
           <a:prstGeom prst="straightConnector1">
@@ -15803,8 +16468,8 @@
         </p:nvSpPr>
         <p:spPr>
           <a:xfrm>
-            <a:off x="4047486" y="6501003"/>
-            <a:ext cx="3491700" cy="3179500"/>
+            <a:off x="4043496" y="5640135"/>
+            <a:ext cx="3491700" cy="3410332"/>
           </a:xfrm>
           <a:prstGeom prst="rect">
             <a:avLst/>
@@ -15888,6 +16553,34 @@
             </a:endParaRPr>
           </a:p>
           <a:p>
+            <a:pPr marL="0" marR="0" lvl="0" indent="0" algn="l" rtl="0">
+              <a:lnSpc>
+                <a:spcPct val="100000"/>
+              </a:lnSpc>
+              <a:spcBef>
+                <a:spcPts val="0"/>
+              </a:spcBef>
+              <a:spcAft>
+                <a:spcPts val="0"/>
+              </a:spcAft>
+              <a:buClr>
+                <a:srgbClr val="000000"/>
+              </a:buClr>
+              <a:buSzPts val="2000"/>
+              <a:buFont typeface="Arial"/>
+              <a:buNone/>
+            </a:pPr>
+            <a:endParaRPr sz="2000" b="0" i="0" u="none" strike="noStrike" cap="none" dirty="0">
+              <a:solidFill>
+                <a:schemeClr val="lt1"/>
+              </a:solidFill>
+              <a:latin typeface="Arial Narrow"/>
+              <a:ea typeface="Arial Narrow"/>
+              <a:cs typeface="Arial Narrow"/>
+              <a:sym typeface="Arial Narrow"/>
+            </a:endParaRPr>
+          </a:p>
+          <a:p>
             <a:pPr marL="304800" marR="0" lvl="0" indent="-304800" algn="l" rtl="0">
               <a:lnSpc>
                 <a:spcPct val="100000"/>
@@ -15915,7 +16608,7 @@
                 <a:cs typeface="Arial Narrow"/>
                 <a:sym typeface="Arial Narrow"/>
               </a:rPr>
-              <a:t>Guanabana ……………… </a:t>
+              <a:t>Guanabana ………………... </a:t>
             </a:r>
             <a:r>
               <a:rPr lang="en-US" sz="2000" b="1" i="0" u="none" strike="noStrike" cap="none" dirty="0">
@@ -15929,7 +16622,7 @@
               </a:rPr>
               <a:t>4.5</a:t>
             </a:r>
-            <a:endParaRPr lang="en-US" sz="1500" b="0" i="0" u="none" strike="noStrike" cap="none" dirty="0">
+            <a:endParaRPr sz="1500" b="0" i="0" u="none" strike="noStrike" cap="none" dirty="0">
               <a:solidFill>
                 <a:srgbClr val="000000"/>
               </a:solidFill>
@@ -15940,23 +16633,35 @@
             </a:endParaRPr>
           </a:p>
           <a:p>
-            <a:pPr marL="1003300" marR="0" lvl="1" indent="-349250" algn="l" rtl="0">
-              <a:lnSpc>
-                <a:spcPct val="100000"/>
-              </a:lnSpc>
-              <a:spcBef>
-                <a:spcPts val="0"/>
-              </a:spcBef>
-              <a:spcAft>
-                <a:spcPts val="0"/>
-              </a:spcAft>
-              <a:buClr>
-                <a:schemeClr val="lt1"/>
-              </a:buClr>
-              <a:buSzPts val="1500"/>
-              <a:buFont typeface="Arial Narrow"/>
-              <a:buChar char="○"/>
+            <a:pPr marL="0" marR="0" lvl="0" indent="0" algn="l" rtl="0">
+              <a:lnSpc>
+                <a:spcPct val="100000"/>
+              </a:lnSpc>
+              <a:spcBef>
+                <a:spcPts val="0"/>
+              </a:spcBef>
+              <a:spcAft>
+                <a:spcPts val="0"/>
+              </a:spcAft>
+              <a:buClr>
+                <a:srgbClr val="000000"/>
+              </a:buClr>
+              <a:buSzPts val="2000"/>
+              <a:buFont typeface="Arial"/>
+              <a:buNone/>
             </a:pPr>
+            <a:r>
+              <a:rPr lang="en-US" sz="2000" b="0" i="0" u="none" strike="noStrike" cap="none" dirty="0">
+                <a:solidFill>
+                  <a:schemeClr val="lt1"/>
+                </a:solidFill>
+                <a:latin typeface="Arial Narrow"/>
+                <a:ea typeface="Arial Narrow"/>
+                <a:cs typeface="Arial Narrow"/>
+                <a:sym typeface="Arial Narrow"/>
+              </a:rPr>
+              <a:t>	</a:t>
+            </a:r>
             <a:r>
               <a:rPr lang="en-US" sz="1500" b="0" i="1" u="none" strike="noStrike" cap="none" dirty="0">
                 <a:solidFill>
@@ -15980,6 +16685,18 @@
                 <a:sym typeface="Arial Narrow"/>
               </a:rPr>
             </a:br>
+            <a:r>
+              <a:rPr lang="en-US" sz="1500" i="1" dirty="0">
+                <a:solidFill>
+                  <a:schemeClr val="lt1"/>
+                </a:solidFill>
+                <a:latin typeface="Arial Narrow"/>
+                <a:ea typeface="Arial Narrow"/>
+                <a:cs typeface="Arial Narrow"/>
+                <a:sym typeface="Arial Narrow"/>
+              </a:rPr>
+              <a:t>	</a:t>
+            </a:r>
             <a:r>
               <a:rPr lang="en-US" sz="1500" b="0" i="1" u="none" strike="noStrike" cap="none" dirty="0">
                 <a:solidFill>
@@ -16076,48 +16793,8 @@
               </a:rPr>
               <a:t>3</a:t>
             </a:r>
-            <a:endParaRPr lang="en-US" sz="1500" b="0" i="0" u="none" strike="noStrike" cap="none" dirty="0">
-              <a:solidFill>
-                <a:srgbClr val="000000"/>
-              </a:solidFill>
-              <a:latin typeface="Arial"/>
-              <a:ea typeface="Arial"/>
-              <a:cs typeface="Arial"/>
-              <a:sym typeface="Arial"/>
-            </a:endParaRPr>
-          </a:p>
-          <a:p>
-            <a:pPr marL="1003300" marR="0" lvl="1" indent="-349250" algn="l" rtl="0">
-              <a:lnSpc>
-                <a:spcPct val="100000"/>
-              </a:lnSpc>
-              <a:spcBef>
-                <a:spcPts val="0"/>
-              </a:spcBef>
-              <a:spcAft>
-                <a:spcPts val="0"/>
-              </a:spcAft>
-              <a:buClr>
-                <a:schemeClr val="lt1"/>
-              </a:buClr>
-              <a:buSzPts val="1500"/>
-              <a:buFont typeface="Arial Narrow"/>
-              <a:buChar char="○"/>
-            </a:pPr>
-            <a:r>
-              <a:rPr lang="en-US" sz="1500" b="0" i="1" u="none" strike="noStrike" cap="none" dirty="0">
-                <a:solidFill>
-                  <a:schemeClr val="lt1"/>
-                </a:solidFill>
-                <a:latin typeface="Arial Narrow"/>
-                <a:ea typeface="Arial Narrow"/>
-                <a:cs typeface="Arial Narrow"/>
-                <a:sym typeface="Arial Narrow"/>
-              </a:rPr>
-              <a:t>Gatorade, Red Bull, Coke,</a:t>
-            </a:r>
             <a:br>
-              <a:rPr lang="en-US" sz="1500" b="0" i="1" u="none" strike="noStrike" cap="none" dirty="0">
+              <a:rPr lang="en-US" sz="2000" b="0" i="0" u="none" strike="noStrike" cap="none" dirty="0">
                 <a:solidFill>
                   <a:schemeClr val="lt1"/>
                 </a:solidFill>
@@ -16127,18 +16804,6 @@
                 <a:sym typeface="Arial Narrow"/>
               </a:rPr>
             </a:br>
-            <a:r>
-              <a:rPr lang="en-US" sz="1500" b="0" i="1" u="none" strike="noStrike" cap="none" dirty="0">
-                <a:solidFill>
-                  <a:schemeClr val="lt1"/>
-                </a:solidFill>
-                <a:latin typeface="Arial Narrow"/>
-                <a:ea typeface="Arial Narrow"/>
-                <a:cs typeface="Arial Narrow"/>
-                <a:sym typeface="Arial Narrow"/>
-              </a:rPr>
-              <a:t>Sprite, Fanta, Iced Tea, etc.</a:t>
-            </a:r>
             <a:endParaRPr sz="2000" b="0" i="0" u="none" strike="noStrike" cap="none" dirty="0">
               <a:solidFill>
                 <a:schemeClr val="lt1"/>
@@ -16283,7 +16948,7 @@
         </p:nvSpPr>
         <p:spPr>
           <a:xfrm>
-            <a:off x="170226" y="9638223"/>
+            <a:off x="170226" y="9560531"/>
             <a:ext cx="3438300" cy="378900"/>
           </a:xfrm>
           <a:prstGeom prst="rect">
@@ -16372,7 +17037,7 @@
         </p:blipFill>
         <p:spPr>
           <a:xfrm>
-            <a:off x="1436019" y="8817691"/>
+            <a:off x="1436019" y="8739999"/>
             <a:ext cx="782375" cy="782375"/>
           </a:xfrm>
           <a:prstGeom prst="rect">
@@ -16384,1455 +17049,6 @@
           </a:ln>
         </p:spPr>
       </p:pic>
-      <p:sp>
-        <p:nvSpPr>
-          <p:cNvPr id="14" name="Google Shape;91;p1">
-            <a:extLst>
-              <a:ext uri="{FF2B5EF4-FFF2-40B4-BE49-F238E27FC236}">
-                <a16:creationId xmlns:a16="http://schemas.microsoft.com/office/drawing/2014/main" id="{6C3E6655-7ABD-406F-9B2A-75B0018826B2}"/>
-              </a:ext>
-            </a:extLst>
-          </p:cNvPr>
-          <p:cNvSpPr/>
-          <p:nvPr/>
-        </p:nvSpPr>
-        <p:spPr>
-          <a:xfrm>
-            <a:off x="403262" y="5157774"/>
-            <a:ext cx="7039358" cy="1402418"/>
-          </a:xfrm>
-          <a:prstGeom prst="roundRect">
-            <a:avLst>
-              <a:gd name="adj" fmla="val 4489"/>
-            </a:avLst>
-          </a:prstGeom>
-          <a:solidFill>
-            <a:srgbClr val="3F3F3F"/>
-          </a:solidFill>
-          <a:ln>
-            <a:noFill/>
-          </a:ln>
-        </p:spPr>
-        <p:txBody>
-          <a:bodyPr spcFirstLastPara="1" wrap="square" lIns="298525" tIns="149225" rIns="298525" bIns="149225" anchor="ctr" anchorCtr="0">
-            <a:noAutofit/>
-          </a:bodyPr>
-          <a:lstStyle/>
-          <a:p>
-            <a:pPr marL="0" marR="0" lvl="0" indent="0" algn="ctr" rtl="0">
-              <a:spcBef>
-                <a:spcPts val="0"/>
-              </a:spcBef>
-              <a:spcAft>
-                <a:spcPts val="0"/>
-              </a:spcAft>
-              <a:buNone/>
-            </a:pPr>
-            <a:endParaRPr sz="5900" b="0" i="0" u="none" strike="noStrike" cap="none">
-              <a:solidFill>
-                <a:schemeClr val="lt1"/>
-              </a:solidFill>
-              <a:latin typeface="Arial"/>
-              <a:ea typeface="Arial"/>
-              <a:cs typeface="Arial"/>
-              <a:sym typeface="Arial"/>
-            </a:endParaRPr>
-          </a:p>
-        </p:txBody>
-      </p:sp>
-      <p:sp>
-        <p:nvSpPr>
-          <p:cNvPr id="93" name="Google Shape;93;p13"/>
-          <p:cNvSpPr txBox="1"/>
-          <p:nvPr/>
-        </p:nvSpPr>
-        <p:spPr>
-          <a:xfrm>
-            <a:off x="303733" y="1815534"/>
-            <a:ext cx="7127100" cy="4856882"/>
-          </a:xfrm>
-          <a:prstGeom prst="rect">
-            <a:avLst/>
-          </a:prstGeom>
-          <a:noFill/>
-          <a:ln>
-            <a:noFill/>
-          </a:ln>
-        </p:spPr>
-        <p:txBody>
-          <a:bodyPr spcFirstLastPara="1" wrap="square" lIns="100775" tIns="50375" rIns="100775" bIns="50375" anchor="t" anchorCtr="0">
-            <a:spAutoFit/>
-          </a:bodyPr>
-          <a:lstStyle/>
-          <a:p>
-            <a:pPr marL="0" marR="0" lvl="0" indent="0" algn="l" rtl="0">
-              <a:lnSpc>
-                <a:spcPct val="100000"/>
-              </a:lnSpc>
-              <a:spcBef>
-                <a:spcPts val="0"/>
-              </a:spcBef>
-              <a:spcAft>
-                <a:spcPts val="0"/>
-              </a:spcAft>
-              <a:buClr>
-                <a:srgbClr val="000000"/>
-              </a:buClr>
-              <a:buSzPts val="4000"/>
-              <a:buFont typeface="Arial"/>
-              <a:buNone/>
-            </a:pPr>
-            <a:r>
-              <a:rPr lang="en-US" sz="4000" b="1" i="0" u="none" strike="noStrike" cap="none" dirty="0">
-                <a:solidFill>
-                  <a:schemeClr val="lt1"/>
-                </a:solidFill>
-                <a:latin typeface="Arial Narrow"/>
-                <a:ea typeface="Arial Narrow"/>
-                <a:cs typeface="Arial Narrow"/>
-                <a:sym typeface="Arial Narrow"/>
-              </a:rPr>
-              <a:t>Lunch / Dinner</a:t>
-            </a:r>
-            <a:endParaRPr sz="4000" b="0" i="0" u="none" strike="noStrike" cap="none" dirty="0">
-              <a:solidFill>
-                <a:schemeClr val="lt1"/>
-              </a:solidFill>
-              <a:latin typeface="Arial Narrow"/>
-              <a:ea typeface="Arial Narrow"/>
-              <a:cs typeface="Arial Narrow"/>
-              <a:sym typeface="Arial Narrow"/>
-            </a:endParaRPr>
-          </a:p>
-          <a:p>
-            <a:pPr marL="0" marR="0" lvl="0" indent="0" algn="l" rtl="0">
-              <a:lnSpc>
-                <a:spcPct val="100000"/>
-              </a:lnSpc>
-              <a:spcBef>
-                <a:spcPts val="0"/>
-              </a:spcBef>
-              <a:spcAft>
-                <a:spcPts val="0"/>
-              </a:spcAft>
-              <a:buClr>
-                <a:srgbClr val="000000"/>
-              </a:buClr>
-              <a:buSzPts val="2000"/>
-              <a:buFont typeface="Arial"/>
-              <a:buNone/>
-            </a:pPr>
-            <a:endParaRPr sz="2000" b="1" i="0" u="none" strike="noStrike" cap="none" dirty="0">
-              <a:solidFill>
-                <a:schemeClr val="lt1"/>
-              </a:solidFill>
-              <a:latin typeface="Arial Narrow"/>
-              <a:ea typeface="Arial Narrow"/>
-              <a:cs typeface="Arial Narrow"/>
-              <a:sym typeface="Arial Narrow"/>
-            </a:endParaRPr>
-          </a:p>
-          <a:p>
-            <a:pPr marL="508000" marR="0" lvl="0" indent="-349250" algn="l" rtl="0">
-              <a:lnSpc>
-                <a:spcPct val="100000"/>
-              </a:lnSpc>
-              <a:spcBef>
-                <a:spcPts val="0"/>
-              </a:spcBef>
-              <a:spcAft>
-                <a:spcPts val="0"/>
-              </a:spcAft>
-              <a:buClr>
-                <a:schemeClr val="lt1"/>
-              </a:buClr>
-              <a:buSzPts val="1500"/>
-              <a:buFont typeface="Arial Narrow"/>
-              <a:buChar char="●"/>
-            </a:pPr>
-            <a:r>
-              <a:rPr lang="en-US" sz="2000" b="1" i="0" u="none" strike="noStrike" cap="none" dirty="0">
-                <a:solidFill>
-                  <a:schemeClr val="lt1"/>
-                </a:solidFill>
-                <a:latin typeface="Arial Narrow"/>
-                <a:ea typeface="Arial Narrow"/>
-                <a:cs typeface="Arial Narrow"/>
-                <a:sym typeface="Arial Narrow"/>
-              </a:rPr>
-              <a:t>Cheeseburger</a:t>
-            </a:r>
-            <a:r>
-              <a:rPr lang="en-US" sz="2000" i="0" u="none" strike="noStrike" cap="none" dirty="0">
-                <a:solidFill>
-                  <a:schemeClr val="lt1"/>
-                </a:solidFill>
-                <a:latin typeface="Arial Narrow"/>
-                <a:ea typeface="Arial Narrow"/>
-                <a:cs typeface="Arial Narrow"/>
-                <a:sym typeface="Arial Narrow"/>
-              </a:rPr>
-              <a:t> ……………………………..................................</a:t>
-            </a:r>
-            <a:r>
-              <a:rPr lang="en-US" sz="2000" dirty="0">
-                <a:solidFill>
-                  <a:srgbClr val="8CD872"/>
-                </a:solidFill>
-                <a:latin typeface="Arial Narrow"/>
-                <a:ea typeface="Arial Narrow"/>
-                <a:cs typeface="Arial Narrow"/>
-                <a:sym typeface="Arial Narrow"/>
-              </a:rPr>
-              <a:t>. </a:t>
-            </a:r>
-            <a:r>
-              <a:rPr lang="en-US" sz="2000" b="0" i="0" u="none" strike="noStrike" cap="none" dirty="0">
-                <a:solidFill>
-                  <a:srgbClr val="8CD872"/>
-                </a:solidFill>
-                <a:latin typeface="Arial Narrow"/>
-                <a:ea typeface="Arial Narrow"/>
-                <a:cs typeface="Arial Narrow"/>
-                <a:sym typeface="Arial Narrow"/>
-              </a:rPr>
-              <a:t> </a:t>
-            </a:r>
-            <a:r>
-              <a:rPr lang="en-US" sz="2000" b="1" i="0" u="none" strike="noStrike" cap="none" dirty="0">
-                <a:solidFill>
-                  <a:srgbClr val="8CD872"/>
-                </a:solidFill>
-                <a:latin typeface="Arial Narrow"/>
-                <a:ea typeface="Arial Narrow"/>
-                <a:cs typeface="Arial Narrow"/>
-                <a:sym typeface="Arial Narrow"/>
-              </a:rPr>
-              <a:t>13.5</a:t>
-            </a:r>
-          </a:p>
-          <a:p>
-            <a:pPr marL="1003300" marR="0" lvl="1" indent="-381000" algn="l" rtl="0">
-              <a:lnSpc>
-                <a:spcPct val="100000"/>
-              </a:lnSpc>
-              <a:spcBef>
-                <a:spcPts val="0"/>
-              </a:spcBef>
-              <a:spcAft>
-                <a:spcPts val="0"/>
-              </a:spcAft>
-              <a:buClr>
-                <a:schemeClr val="lt1"/>
-              </a:buClr>
-              <a:buSzPts val="2000"/>
-              <a:buFont typeface="Arial Narrow"/>
-              <a:buChar char="○"/>
-            </a:pPr>
-            <a:r>
-              <a:rPr lang="en-US" sz="2000" dirty="0">
-                <a:solidFill>
-                  <a:schemeClr val="lt1"/>
-                </a:solidFill>
-                <a:latin typeface="Arial Narrow"/>
-                <a:ea typeface="Arial Narrow"/>
-                <a:cs typeface="Arial Narrow"/>
-                <a:sym typeface="Arial Narrow"/>
-              </a:rPr>
-              <a:t>With</a:t>
-            </a:r>
-            <a:r>
-              <a:rPr lang="en-US" sz="2000" b="1" dirty="0">
-                <a:solidFill>
-                  <a:schemeClr val="lt1"/>
-                </a:solidFill>
-                <a:latin typeface="Arial Narrow"/>
-                <a:ea typeface="Arial Narrow"/>
-                <a:cs typeface="Arial Narrow"/>
-                <a:sym typeface="Arial Narrow"/>
-              </a:rPr>
-              <a:t> bacon </a:t>
-            </a:r>
-            <a:r>
-              <a:rPr lang="en-US" sz="2000" i="0" u="none" strike="noStrike" cap="none" dirty="0">
-                <a:solidFill>
-                  <a:schemeClr val="lt1"/>
-                </a:solidFill>
-                <a:latin typeface="Arial Narrow"/>
-                <a:ea typeface="Arial Narrow"/>
-                <a:cs typeface="Arial Narrow"/>
-                <a:sym typeface="Arial Narrow"/>
-              </a:rPr>
-              <a:t>……………………….................................. </a:t>
-            </a:r>
-            <a:r>
-              <a:rPr lang="en-US" sz="2000" b="1" dirty="0">
-                <a:solidFill>
-                  <a:srgbClr val="8CD872"/>
-                </a:solidFill>
-                <a:latin typeface="Arial Narrow"/>
-                <a:ea typeface="Arial Narrow"/>
-                <a:cs typeface="Arial Narrow"/>
-                <a:sym typeface="Arial Narrow"/>
-              </a:rPr>
-              <a:t>Add 1</a:t>
-            </a:r>
-            <a:r>
-              <a:rPr lang="en-US" sz="2000" b="1" i="0" u="none" strike="noStrike" cap="none" dirty="0">
-                <a:solidFill>
-                  <a:srgbClr val="8CD872"/>
-                </a:solidFill>
-                <a:latin typeface="Arial Narrow"/>
-                <a:ea typeface="Arial Narrow"/>
-                <a:cs typeface="Arial Narrow"/>
-                <a:sym typeface="Arial Narrow"/>
-              </a:rPr>
-              <a:t>.5</a:t>
-            </a:r>
-            <a:endParaRPr lang="en-US" sz="2000" b="1" i="0" u="none" strike="noStrike" cap="none" dirty="0">
-              <a:solidFill>
-                <a:schemeClr val="lt1"/>
-              </a:solidFill>
-              <a:latin typeface="Arial Narrow"/>
-              <a:ea typeface="Arial Narrow"/>
-              <a:cs typeface="Arial Narrow"/>
-              <a:sym typeface="Arial Narrow"/>
-            </a:endParaRPr>
-          </a:p>
-          <a:p>
-            <a:pPr marL="508000" indent="-349250">
-              <a:buClr>
-                <a:schemeClr val="lt1"/>
-              </a:buClr>
-              <a:buSzPts val="1500"/>
-              <a:buFont typeface="Arial Narrow"/>
-              <a:buChar char="●"/>
-            </a:pPr>
-            <a:r>
-              <a:rPr lang="en-US" sz="2000" b="1" i="0" u="none" strike="noStrike" cap="none">
-                <a:solidFill>
-                  <a:schemeClr val="lt1"/>
-                </a:solidFill>
-                <a:latin typeface="Arial Narrow"/>
-                <a:ea typeface="Arial Narrow"/>
-                <a:cs typeface="Arial Narrow"/>
-                <a:sym typeface="Arial Narrow"/>
-              </a:rPr>
-              <a:t>Smoked Chicken </a:t>
-            </a:r>
-            <a:r>
-              <a:rPr lang="en-US" sz="2000" b="1" i="0" u="none" strike="noStrike" cap="none" dirty="0">
-                <a:solidFill>
-                  <a:schemeClr val="lt1"/>
-                </a:solidFill>
-                <a:latin typeface="Arial Narrow"/>
-                <a:ea typeface="Arial Narrow"/>
-                <a:cs typeface="Arial Narrow"/>
-                <a:sym typeface="Arial Narrow"/>
-              </a:rPr>
-              <a:t>Sandwich</a:t>
-            </a:r>
-            <a:r>
-              <a:rPr lang="en-US" sz="2000" i="0" u="none" strike="noStrike" cap="none" dirty="0">
-                <a:solidFill>
-                  <a:schemeClr val="lt1"/>
-                </a:solidFill>
-                <a:latin typeface="Arial Narrow"/>
-                <a:ea typeface="Arial Narrow"/>
-                <a:cs typeface="Arial Narrow"/>
-                <a:sym typeface="Arial Narrow"/>
-              </a:rPr>
-              <a:t> ………….......................................</a:t>
-            </a:r>
-            <a:r>
-              <a:rPr lang="en-US" sz="2000" dirty="0">
-                <a:solidFill>
-                  <a:srgbClr val="8CD872"/>
-                </a:solidFill>
-                <a:latin typeface="Arial Narrow"/>
-                <a:ea typeface="Arial Narrow"/>
-                <a:cs typeface="Arial Narrow"/>
-                <a:sym typeface="Arial Narrow"/>
-              </a:rPr>
-              <a:t>.</a:t>
-            </a:r>
-            <a:r>
-              <a:rPr lang="en-US" sz="2000" b="0" i="0" u="none" strike="noStrike" cap="none" dirty="0">
-                <a:solidFill>
-                  <a:srgbClr val="8CD872"/>
-                </a:solidFill>
-                <a:latin typeface="Arial Narrow"/>
-                <a:ea typeface="Arial Narrow"/>
-                <a:cs typeface="Arial Narrow"/>
-                <a:sym typeface="Arial Narrow"/>
-              </a:rPr>
-              <a:t>  </a:t>
-            </a:r>
-            <a:r>
-              <a:rPr lang="en-US" sz="2000" b="1" i="0" u="none" strike="noStrike" cap="none" dirty="0">
-                <a:solidFill>
-                  <a:srgbClr val="8CD872"/>
-                </a:solidFill>
-                <a:latin typeface="Arial Narrow"/>
-                <a:ea typeface="Arial Narrow"/>
-                <a:cs typeface="Arial Narrow"/>
-                <a:sym typeface="Arial Narrow"/>
-              </a:rPr>
-              <a:t>13</a:t>
-            </a:r>
-          </a:p>
-          <a:p>
-            <a:pPr marL="508000" marR="0" lvl="0" indent="-349250" algn="l" rtl="0">
-              <a:lnSpc>
-                <a:spcPct val="100000"/>
-              </a:lnSpc>
-              <a:spcBef>
-                <a:spcPts val="0"/>
-              </a:spcBef>
-              <a:spcAft>
-                <a:spcPts val="0"/>
-              </a:spcAft>
-              <a:buClr>
-                <a:schemeClr val="lt1"/>
-              </a:buClr>
-              <a:buSzPts val="1500"/>
-              <a:buFont typeface="Arial Narrow"/>
-              <a:buChar char="●"/>
-            </a:pPr>
-            <a:r>
-              <a:rPr lang="en-US" sz="2000" b="1" i="0" u="none" strike="noStrike" cap="none" dirty="0">
-                <a:solidFill>
-                  <a:schemeClr val="lt1"/>
-                </a:solidFill>
-                <a:latin typeface="Arial Narrow"/>
-                <a:ea typeface="Arial Narrow"/>
-                <a:cs typeface="Arial Narrow"/>
-                <a:sym typeface="Arial Narrow"/>
-              </a:rPr>
-              <a:t>Beer Brat </a:t>
-            </a:r>
-            <a:r>
-              <a:rPr lang="en-US" sz="2000" i="0" u="none" strike="noStrike" cap="none" dirty="0">
-                <a:solidFill>
-                  <a:schemeClr val="lt1"/>
-                </a:solidFill>
-                <a:latin typeface="Arial Narrow"/>
-                <a:ea typeface="Arial Narrow"/>
-                <a:cs typeface="Arial Narrow"/>
-                <a:sym typeface="Arial Narrow"/>
-              </a:rPr>
-              <a:t>………………………………....................................</a:t>
-            </a:r>
-            <a:r>
-              <a:rPr lang="en-US" sz="2000" dirty="0">
-                <a:solidFill>
-                  <a:schemeClr val="lt1"/>
-                </a:solidFill>
-                <a:latin typeface="Arial Narrow"/>
-                <a:ea typeface="Arial Narrow"/>
-                <a:cs typeface="Arial Narrow"/>
-                <a:sym typeface="Arial Narrow"/>
-              </a:rPr>
-              <a:t>.</a:t>
-            </a:r>
-            <a:r>
-              <a:rPr lang="en-US" sz="2000" i="0" u="none" strike="noStrike" cap="none" dirty="0">
-                <a:solidFill>
-                  <a:schemeClr val="lt1"/>
-                </a:solidFill>
-                <a:latin typeface="Arial Narrow"/>
-                <a:ea typeface="Arial Narrow"/>
-                <a:cs typeface="Arial Narrow"/>
-                <a:sym typeface="Arial Narrow"/>
-              </a:rPr>
-              <a:t>..... </a:t>
-            </a:r>
-            <a:r>
-              <a:rPr lang="en-US" sz="2000" b="0" i="0" u="none" strike="noStrike" cap="none" dirty="0">
-                <a:solidFill>
-                  <a:srgbClr val="8CD872"/>
-                </a:solidFill>
-                <a:latin typeface="Arial Narrow"/>
-                <a:ea typeface="Arial Narrow"/>
-                <a:cs typeface="Arial Narrow"/>
-                <a:sym typeface="Arial Narrow"/>
-              </a:rPr>
-              <a:t> </a:t>
-            </a:r>
-            <a:r>
-              <a:rPr lang="en-US" sz="2000" b="1" i="0" u="none" strike="noStrike" cap="none" dirty="0">
-                <a:solidFill>
-                  <a:srgbClr val="8CD872"/>
-                </a:solidFill>
-                <a:latin typeface="Arial Narrow"/>
-                <a:ea typeface="Arial Narrow"/>
-                <a:cs typeface="Arial Narrow"/>
-                <a:sym typeface="Arial Narrow"/>
-              </a:rPr>
-              <a:t>10</a:t>
-            </a:r>
-            <a:endParaRPr sz="2000" b="1" i="0" u="none" strike="noStrike" cap="none" dirty="0">
-              <a:solidFill>
-                <a:srgbClr val="8CD872"/>
-              </a:solidFill>
-              <a:latin typeface="Arial Narrow"/>
-              <a:ea typeface="Arial Narrow"/>
-              <a:cs typeface="Arial Narrow"/>
-              <a:sym typeface="Arial Narrow"/>
-            </a:endParaRPr>
-          </a:p>
-          <a:p>
-            <a:pPr marL="1003300" marR="0" lvl="1" indent="-381000" algn="l" rtl="0">
-              <a:lnSpc>
-                <a:spcPct val="100000"/>
-              </a:lnSpc>
-              <a:spcBef>
-                <a:spcPts val="0"/>
-              </a:spcBef>
-              <a:spcAft>
-                <a:spcPts val="0"/>
-              </a:spcAft>
-              <a:buClr>
-                <a:schemeClr val="lt1"/>
-              </a:buClr>
-              <a:buSzPts val="2000"/>
-              <a:buFont typeface="Arial Narrow"/>
-              <a:buChar char="○"/>
-            </a:pPr>
-            <a:r>
-              <a:rPr lang="en-US" sz="2000" b="1" i="0" u="none" strike="noStrike" cap="none" dirty="0">
-                <a:solidFill>
-                  <a:schemeClr val="lt1"/>
-                </a:solidFill>
-                <a:latin typeface="Arial Narrow"/>
-                <a:ea typeface="Arial Narrow"/>
-                <a:cs typeface="Arial Narrow"/>
-                <a:sym typeface="Arial Narrow"/>
-              </a:rPr>
-              <a:t>Meal deal:</a:t>
-            </a:r>
-            <a:r>
-              <a:rPr lang="en-US" sz="2000" b="0" i="0" u="none" strike="noStrike" cap="none" dirty="0">
-                <a:solidFill>
-                  <a:schemeClr val="lt1"/>
-                </a:solidFill>
-                <a:latin typeface="Arial Narrow"/>
-                <a:ea typeface="Arial Narrow"/>
-                <a:cs typeface="Arial Narrow"/>
-                <a:sym typeface="Arial Narrow"/>
-              </a:rPr>
-              <a:t> </a:t>
-            </a:r>
-            <a:r>
-              <a:rPr lang="en-US" sz="2000" i="0" u="none" strike="noStrike" cap="none" dirty="0">
-                <a:solidFill>
-                  <a:schemeClr val="lt1"/>
-                </a:solidFill>
-                <a:latin typeface="Arial Narrow"/>
-                <a:ea typeface="Arial Narrow"/>
-                <a:cs typeface="Arial Narrow"/>
-                <a:sym typeface="Arial Narrow"/>
-              </a:rPr>
-              <a:t>Chips</a:t>
-            </a:r>
-            <a:r>
-              <a:rPr lang="en-US" sz="2000" b="0" i="0" u="none" strike="noStrike" cap="none" dirty="0">
-                <a:solidFill>
-                  <a:schemeClr val="lt1"/>
-                </a:solidFill>
-                <a:latin typeface="Arial Narrow"/>
-                <a:ea typeface="Arial Narrow"/>
-                <a:cs typeface="Arial Narrow"/>
-                <a:sym typeface="Arial Narrow"/>
-              </a:rPr>
-              <a:t> and drink ………………</a:t>
-            </a:r>
-            <a:r>
-              <a:rPr lang="en-US" sz="2000" dirty="0">
-                <a:solidFill>
-                  <a:schemeClr val="lt1"/>
-                </a:solidFill>
-                <a:latin typeface="Arial Narrow"/>
-                <a:ea typeface="Arial Narrow"/>
-                <a:cs typeface="Arial Narrow"/>
-                <a:sym typeface="Arial Narrow"/>
-              </a:rPr>
-              <a:t>………</a:t>
-            </a:r>
-            <a:r>
-              <a:rPr lang="en-US" sz="2000" b="0" i="0" u="none" strike="noStrike" cap="none" dirty="0">
-                <a:solidFill>
-                  <a:schemeClr val="lt1"/>
-                </a:solidFill>
-                <a:latin typeface="Arial Narrow"/>
-                <a:ea typeface="Arial Narrow"/>
-                <a:cs typeface="Arial Narrow"/>
-                <a:sym typeface="Arial Narrow"/>
-              </a:rPr>
-              <a:t>.…</a:t>
-            </a:r>
-            <a:r>
-              <a:rPr lang="en-US" sz="2000" dirty="0">
-                <a:solidFill>
-                  <a:schemeClr val="lt1"/>
-                </a:solidFill>
-                <a:latin typeface="Arial Narrow"/>
-                <a:ea typeface="Arial Narrow"/>
-                <a:cs typeface="Arial Narrow"/>
-                <a:sym typeface="Arial Narrow"/>
-              </a:rPr>
-              <a:t>…..</a:t>
-            </a:r>
-            <a:r>
-              <a:rPr lang="en-US" sz="2000" b="0" i="0" u="none" strike="noStrike" cap="none" dirty="0">
-                <a:solidFill>
-                  <a:schemeClr val="lt1"/>
-                </a:solidFill>
-                <a:latin typeface="Arial Narrow"/>
-                <a:ea typeface="Arial Narrow"/>
-                <a:cs typeface="Arial Narrow"/>
-                <a:sym typeface="Arial Narrow"/>
-              </a:rPr>
-              <a:t>  </a:t>
-            </a:r>
-            <a:r>
-              <a:rPr lang="en-US" sz="2000" b="1" i="0" u="none" strike="noStrike" cap="none" dirty="0">
-                <a:solidFill>
-                  <a:srgbClr val="8CD872"/>
-                </a:solidFill>
-                <a:latin typeface="Arial Narrow"/>
-                <a:ea typeface="Arial Narrow"/>
-                <a:cs typeface="Arial Narrow"/>
-                <a:sym typeface="Arial Narrow"/>
-              </a:rPr>
-              <a:t>Add 3</a:t>
-            </a:r>
-            <a:endParaRPr sz="2000" b="0" i="0" u="none" strike="noStrike" cap="none" dirty="0">
-              <a:solidFill>
-                <a:schemeClr val="lt1"/>
-              </a:solidFill>
-              <a:latin typeface="Arial Narrow"/>
-              <a:ea typeface="Arial Narrow"/>
-              <a:cs typeface="Arial Narrow"/>
-              <a:sym typeface="Arial Narrow"/>
-            </a:endParaRPr>
-          </a:p>
-          <a:p>
-            <a:pPr marL="508000" marR="0" lvl="0" indent="-349250" algn="l" rtl="0">
-              <a:lnSpc>
-                <a:spcPct val="100000"/>
-              </a:lnSpc>
-              <a:spcBef>
-                <a:spcPts val="0"/>
-              </a:spcBef>
-              <a:spcAft>
-                <a:spcPts val="0"/>
-              </a:spcAft>
-              <a:buClr>
-                <a:schemeClr val="lt1"/>
-              </a:buClr>
-              <a:buSzPts val="1500"/>
-              <a:buFont typeface="Arial Narrow"/>
-              <a:buChar char="●"/>
-            </a:pPr>
-            <a:r>
-              <a:rPr lang="en-US" sz="2000" b="1" i="0" u="none" strike="noStrike" cap="none" dirty="0" err="1">
-                <a:solidFill>
-                  <a:schemeClr val="lt1"/>
-                </a:solidFill>
-                <a:latin typeface="Arial Narrow"/>
-                <a:ea typeface="Arial Narrow"/>
-                <a:cs typeface="Arial Narrow"/>
-                <a:sym typeface="Arial Narrow"/>
-              </a:rPr>
-              <a:t>Pastelillos</a:t>
-            </a:r>
-            <a:r>
-              <a:rPr lang="en-US" sz="2000" b="1" i="0" u="none" strike="noStrike" cap="none" dirty="0">
-                <a:solidFill>
-                  <a:schemeClr val="lt1"/>
-                </a:solidFill>
-                <a:latin typeface="Arial Narrow"/>
-                <a:ea typeface="Arial Narrow"/>
-                <a:cs typeface="Arial Narrow"/>
-                <a:sym typeface="Arial Narrow"/>
-              </a:rPr>
-              <a:t>  </a:t>
-            </a:r>
-            <a:r>
-              <a:rPr lang="en-US" sz="2000" i="0" u="none" strike="noStrike" cap="none" dirty="0">
-                <a:solidFill>
-                  <a:schemeClr val="lt1"/>
-                </a:solidFill>
-                <a:latin typeface="Arial Narrow"/>
-                <a:ea typeface="Arial Narrow"/>
-                <a:cs typeface="Arial Narrow"/>
-                <a:sym typeface="Arial Narrow"/>
-              </a:rPr>
-              <a:t>………………………………........................................</a:t>
-            </a:r>
-            <a:r>
-              <a:rPr lang="en-US" sz="2000" b="0" i="0" u="none" strike="noStrike" cap="none" dirty="0">
-                <a:solidFill>
-                  <a:schemeClr val="lt1"/>
-                </a:solidFill>
-                <a:latin typeface="Arial Narrow"/>
-                <a:ea typeface="Arial Narrow"/>
-                <a:cs typeface="Arial Narrow"/>
-                <a:sym typeface="Arial Narrow"/>
-              </a:rPr>
-              <a:t>. </a:t>
-            </a:r>
-            <a:r>
-              <a:rPr lang="en-US" sz="2000" dirty="0">
-                <a:solidFill>
-                  <a:srgbClr val="8CD872"/>
-                </a:solidFill>
-                <a:latin typeface="Arial Narrow"/>
-                <a:ea typeface="Arial Narrow"/>
-                <a:cs typeface="Arial Narrow"/>
-                <a:sym typeface="Arial Narrow"/>
-              </a:rPr>
-              <a:t> </a:t>
-            </a:r>
-            <a:r>
-              <a:rPr lang="en-US" sz="2000" b="1" dirty="0">
-                <a:solidFill>
-                  <a:srgbClr val="8CD872"/>
-                </a:solidFill>
-                <a:latin typeface="Arial Narrow"/>
-                <a:ea typeface="Arial Narrow"/>
-                <a:cs typeface="Arial Narrow"/>
-                <a:sym typeface="Arial Narrow"/>
-              </a:rPr>
-              <a:t>5</a:t>
-            </a:r>
-            <a:endParaRPr sz="2000" b="1" i="0" u="none" strike="noStrike" cap="none" dirty="0">
-              <a:solidFill>
-                <a:srgbClr val="8CD872"/>
-              </a:solidFill>
-              <a:latin typeface="Arial Narrow"/>
-              <a:ea typeface="Arial Narrow"/>
-              <a:cs typeface="Arial Narrow"/>
-              <a:sym typeface="Arial Narrow"/>
-            </a:endParaRPr>
-          </a:p>
-          <a:p>
-            <a:pPr marL="1003300" marR="0" lvl="1" indent="-381000" algn="l" rtl="0">
-              <a:lnSpc>
-                <a:spcPct val="100000"/>
-              </a:lnSpc>
-              <a:spcBef>
-                <a:spcPts val="0"/>
-              </a:spcBef>
-              <a:spcAft>
-                <a:spcPts val="0"/>
-              </a:spcAft>
-              <a:buClr>
-                <a:schemeClr val="lt1"/>
-              </a:buClr>
-              <a:buSzPts val="2000"/>
-              <a:buFont typeface="Arial Narrow"/>
-              <a:buChar char="○"/>
-            </a:pPr>
-            <a:r>
-              <a:rPr lang="en-US" sz="2000" b="0" i="0" u="none" strike="noStrike" cap="none" dirty="0">
-                <a:solidFill>
-                  <a:schemeClr val="lt1"/>
-                </a:solidFill>
-                <a:latin typeface="Arial Narrow"/>
-                <a:ea typeface="Arial Narrow"/>
-                <a:cs typeface="Arial Narrow"/>
-                <a:sym typeface="Arial Narrow"/>
-              </a:rPr>
-              <a:t>Stuffed fried </a:t>
-            </a:r>
-            <a:r>
-              <a:rPr lang="en-US" sz="2000" b="1" i="0" u="none" strike="noStrike" cap="none" dirty="0">
-                <a:solidFill>
-                  <a:schemeClr val="lt1"/>
-                </a:solidFill>
-                <a:latin typeface="Arial Narrow"/>
-                <a:ea typeface="Arial Narrow"/>
-                <a:cs typeface="Arial Narrow"/>
-                <a:sym typeface="Arial Narrow"/>
-              </a:rPr>
-              <a:t>empanadas</a:t>
-            </a:r>
-            <a:r>
-              <a:rPr lang="en-US" sz="2000" b="0" i="0" u="none" strike="noStrike" cap="none" dirty="0">
-                <a:solidFill>
-                  <a:schemeClr val="lt1"/>
-                </a:solidFill>
-                <a:latin typeface="Arial Narrow"/>
-                <a:ea typeface="Arial Narrow"/>
-                <a:cs typeface="Arial Narrow"/>
-                <a:sym typeface="Arial Narrow"/>
-              </a:rPr>
-              <a:t> (beef and cheese)</a:t>
-            </a:r>
-          </a:p>
-          <a:p>
-            <a:pPr marL="1003300" marR="0" lvl="1" indent="-381000" algn="l" rtl="0">
-              <a:lnSpc>
-                <a:spcPct val="100000"/>
-              </a:lnSpc>
-              <a:spcBef>
-                <a:spcPts val="0"/>
-              </a:spcBef>
-              <a:spcAft>
-                <a:spcPts val="0"/>
-              </a:spcAft>
-              <a:buClr>
-                <a:schemeClr val="lt1"/>
-              </a:buClr>
-              <a:buSzPts val="2000"/>
-              <a:buFont typeface="Arial Narrow"/>
-              <a:buChar char="○"/>
-            </a:pPr>
-            <a:endParaRPr lang="en-US" sz="2000" b="0" i="0" u="none" strike="noStrike" cap="none" dirty="0">
-              <a:solidFill>
-                <a:schemeClr val="lt1"/>
-              </a:solidFill>
-              <a:latin typeface="Arial Narrow"/>
-              <a:ea typeface="Arial Narrow"/>
-              <a:cs typeface="Arial Narrow"/>
-              <a:sym typeface="Arial Narrow"/>
-            </a:endParaRPr>
-          </a:p>
-          <a:p>
-            <a:pPr marL="508000" marR="0" lvl="0" indent="-349250" algn="l" rtl="0">
-              <a:lnSpc>
-                <a:spcPct val="100000"/>
-              </a:lnSpc>
-              <a:spcBef>
-                <a:spcPts val="0"/>
-              </a:spcBef>
-              <a:spcAft>
-                <a:spcPts val="0"/>
-              </a:spcAft>
-              <a:buClr>
-                <a:schemeClr val="lt1"/>
-              </a:buClr>
-              <a:buSzPts val="1500"/>
-              <a:buFont typeface="Arial Narrow"/>
-              <a:buChar char="●"/>
-            </a:pPr>
-            <a:r>
-              <a:rPr lang="en-US" sz="2000" b="1" i="0" u="none" strike="noStrike" cap="none" dirty="0" err="1">
-                <a:solidFill>
-                  <a:schemeClr val="lt1"/>
-                </a:solidFill>
-                <a:latin typeface="Arial Narrow"/>
-                <a:ea typeface="Arial Narrow"/>
-                <a:cs typeface="Arial Narrow"/>
-                <a:sym typeface="Arial Narrow"/>
-              </a:rPr>
-              <a:t>Pincho</a:t>
-            </a:r>
-            <a:r>
-              <a:rPr lang="en-US" sz="2000" b="1" i="0" u="none" strike="noStrike" cap="none" dirty="0">
-                <a:solidFill>
-                  <a:schemeClr val="lt1"/>
-                </a:solidFill>
-                <a:latin typeface="Arial Narrow"/>
-                <a:ea typeface="Arial Narrow"/>
-                <a:cs typeface="Arial Narrow"/>
-                <a:sym typeface="Arial Narrow"/>
-              </a:rPr>
-              <a:t> Fries</a:t>
-            </a:r>
-            <a:r>
-              <a:rPr lang="en-US" sz="2000" i="0" u="none" strike="noStrike" cap="none" dirty="0">
-                <a:solidFill>
-                  <a:schemeClr val="lt1"/>
-                </a:solidFill>
-                <a:latin typeface="Arial Narrow"/>
-                <a:ea typeface="Arial Narrow"/>
-                <a:cs typeface="Arial Narrow"/>
-                <a:sym typeface="Arial Narrow"/>
-              </a:rPr>
-              <a:t> .........................................</a:t>
-            </a:r>
-            <a:r>
-              <a:rPr lang="en-US" sz="2000" b="0" i="0" u="none" strike="noStrike" cap="none" dirty="0">
-                <a:solidFill>
-                  <a:schemeClr val="lt1"/>
-                </a:solidFill>
-                <a:latin typeface="Arial Narrow"/>
-                <a:ea typeface="Arial Narrow"/>
-                <a:cs typeface="Arial Narrow"/>
-                <a:sym typeface="Arial Narrow"/>
-              </a:rPr>
-              <a:t>........................................</a:t>
-            </a:r>
-            <a:r>
-              <a:rPr lang="en-US" sz="2000" dirty="0">
-                <a:solidFill>
-                  <a:srgbClr val="8CD872"/>
-                </a:solidFill>
-                <a:latin typeface="Arial Narrow"/>
-                <a:ea typeface="Arial Narrow"/>
-                <a:cs typeface="Arial Narrow"/>
-                <a:sym typeface="Arial Narrow"/>
-              </a:rPr>
-              <a:t> </a:t>
-            </a:r>
-            <a:r>
-              <a:rPr lang="en-US" sz="2000" b="1" dirty="0">
-                <a:solidFill>
-                  <a:srgbClr val="8CD872"/>
-                </a:solidFill>
-                <a:latin typeface="Arial Narrow"/>
-                <a:ea typeface="Arial Narrow"/>
-                <a:cs typeface="Arial Narrow"/>
-                <a:sym typeface="Arial Narrow"/>
-              </a:rPr>
-              <a:t>18</a:t>
-            </a:r>
-            <a:endParaRPr lang="en-US" sz="2000" b="1" i="0" u="none" strike="noStrike" cap="none" dirty="0">
-              <a:solidFill>
-                <a:srgbClr val="8CD872"/>
-              </a:solidFill>
-              <a:latin typeface="Arial Narrow"/>
-              <a:ea typeface="Arial Narrow"/>
-              <a:cs typeface="Arial Narrow"/>
-              <a:sym typeface="Arial Narrow"/>
-            </a:endParaRPr>
-          </a:p>
-          <a:p>
-            <a:pPr marL="1003300" marR="0" lvl="1" indent="-381000" algn="l" rtl="0">
-              <a:lnSpc>
-                <a:spcPct val="100000"/>
-              </a:lnSpc>
-              <a:spcBef>
-                <a:spcPts val="0"/>
-              </a:spcBef>
-              <a:spcAft>
-                <a:spcPts val="0"/>
-              </a:spcAft>
-              <a:buClr>
-                <a:schemeClr val="lt1"/>
-              </a:buClr>
-              <a:buSzPts val="2000"/>
-              <a:buFont typeface="Arial Narrow"/>
-              <a:buChar char="○"/>
-            </a:pPr>
-            <a:r>
-              <a:rPr lang="en-US" sz="2000" b="0" i="0" u="none" strike="noStrike" cap="none" dirty="0">
-                <a:solidFill>
-                  <a:schemeClr val="lt1"/>
-                </a:solidFill>
-                <a:latin typeface="Arial Narrow"/>
-                <a:ea typeface="Arial Narrow"/>
-                <a:cs typeface="Arial Narrow"/>
-                <a:sym typeface="Arial Narrow"/>
-              </a:rPr>
-              <a:t>Includes </a:t>
-            </a:r>
-            <a:r>
-              <a:rPr lang="en-US" sz="2000" i="0" u="none" strike="noStrike" cap="none" dirty="0">
-                <a:solidFill>
-                  <a:schemeClr val="lt1"/>
-                </a:solidFill>
-                <a:latin typeface="Arial Narrow"/>
-                <a:ea typeface="Arial Narrow"/>
-                <a:cs typeface="Arial Narrow"/>
-                <a:sym typeface="Arial Narrow"/>
-              </a:rPr>
-              <a:t>smoked ch</a:t>
-            </a:r>
-            <a:r>
-              <a:rPr lang="en-US" sz="2000" dirty="0">
-                <a:solidFill>
-                  <a:schemeClr val="lt1"/>
-                </a:solidFill>
-                <a:latin typeface="Arial Narrow"/>
-                <a:ea typeface="Arial Narrow"/>
-                <a:cs typeface="Arial Narrow"/>
-                <a:sym typeface="Arial Narrow"/>
-              </a:rPr>
-              <a:t>icken, cheese, guava BBQ, and cilantro</a:t>
-            </a:r>
-            <a:endParaRPr lang="en-US" sz="2000" i="0" u="none" strike="noStrike" cap="none" dirty="0">
-              <a:solidFill>
-                <a:schemeClr val="lt1"/>
-              </a:solidFill>
-              <a:latin typeface="Arial Narrow"/>
-              <a:ea typeface="Arial Narrow"/>
-              <a:cs typeface="Arial Narrow"/>
-              <a:sym typeface="Arial Narrow"/>
-            </a:endParaRPr>
-          </a:p>
-          <a:p>
-            <a:pPr marL="508000" marR="0" lvl="0" indent="-349250" algn="l" rtl="0">
-              <a:lnSpc>
-                <a:spcPct val="100000"/>
-              </a:lnSpc>
-              <a:spcBef>
-                <a:spcPts val="0"/>
-              </a:spcBef>
-              <a:spcAft>
-                <a:spcPts val="0"/>
-              </a:spcAft>
-              <a:buClr>
-                <a:schemeClr val="lt1"/>
-              </a:buClr>
-              <a:buSzPts val="1500"/>
-              <a:buFont typeface="Arial Narrow"/>
-              <a:buChar char="●"/>
-            </a:pPr>
-            <a:r>
-              <a:rPr lang="en-US" sz="2000" b="1" i="0" u="none" strike="noStrike" cap="none" dirty="0">
-                <a:solidFill>
-                  <a:schemeClr val="lt1"/>
-                </a:solidFill>
-                <a:latin typeface="Arial Narrow"/>
-                <a:ea typeface="Arial Narrow"/>
-                <a:cs typeface="Arial Narrow"/>
-                <a:sym typeface="Arial Narrow"/>
-              </a:rPr>
-              <a:t>Regular Fries </a:t>
-            </a:r>
-            <a:r>
-              <a:rPr lang="en-US" sz="2000" i="0" u="none" strike="noStrike" cap="none" dirty="0">
-                <a:solidFill>
-                  <a:schemeClr val="lt1"/>
-                </a:solidFill>
-                <a:latin typeface="Arial Narrow"/>
-                <a:ea typeface="Arial Narrow"/>
-                <a:cs typeface="Arial Narrow"/>
-                <a:sym typeface="Arial Narrow"/>
-              </a:rPr>
-              <a:t>……………..……………..........................................</a:t>
-            </a:r>
-            <a:r>
-              <a:rPr lang="en-US" sz="2000" b="0" i="0" u="none" strike="noStrike" cap="none" dirty="0">
-                <a:solidFill>
-                  <a:schemeClr val="lt1"/>
-                </a:solidFill>
-                <a:latin typeface="Arial Narrow"/>
-                <a:ea typeface="Arial Narrow"/>
-                <a:cs typeface="Arial Narrow"/>
-                <a:sym typeface="Arial Narrow"/>
-              </a:rPr>
-              <a:t>.</a:t>
-            </a:r>
-            <a:r>
-              <a:rPr lang="en-US" sz="2000" dirty="0">
-                <a:solidFill>
-                  <a:srgbClr val="8CD872"/>
-                </a:solidFill>
-                <a:latin typeface="Arial Narrow"/>
-                <a:ea typeface="Arial Narrow"/>
-                <a:cs typeface="Arial Narrow"/>
-                <a:sym typeface="Arial Narrow"/>
-              </a:rPr>
-              <a:t> </a:t>
-            </a:r>
-            <a:r>
-              <a:rPr lang="en-US" sz="2000" b="1" dirty="0">
-                <a:solidFill>
-                  <a:srgbClr val="8CD872"/>
-                </a:solidFill>
-                <a:latin typeface="Arial Narrow"/>
-                <a:ea typeface="Arial Narrow"/>
-                <a:cs typeface="Arial Narrow"/>
-                <a:sym typeface="Arial Narrow"/>
-              </a:rPr>
-              <a:t>9</a:t>
-            </a:r>
-            <a:endParaRPr lang="en-US" sz="2000" b="0" i="0" u="none" strike="noStrike" cap="none" dirty="0">
-              <a:solidFill>
-                <a:schemeClr val="lt1"/>
-              </a:solidFill>
-              <a:latin typeface="Arial Narrow"/>
-              <a:ea typeface="Arial Narrow"/>
-              <a:cs typeface="Arial Narrow"/>
-              <a:sym typeface="Arial Narrow"/>
-            </a:endParaRPr>
-          </a:p>
-          <a:p>
-            <a:pPr marL="508000" marR="0" lvl="0" indent="-349250" algn="l" rtl="0">
-              <a:lnSpc>
-                <a:spcPct val="100000"/>
-              </a:lnSpc>
-              <a:spcBef>
-                <a:spcPts val="0"/>
-              </a:spcBef>
-              <a:spcAft>
-                <a:spcPts val="0"/>
-              </a:spcAft>
-              <a:buClr>
-                <a:schemeClr val="lt1"/>
-              </a:buClr>
-              <a:buSzPts val="1500"/>
-              <a:buFont typeface="Arial Narrow"/>
-              <a:buChar char="●"/>
-            </a:pPr>
-            <a:r>
-              <a:rPr lang="en-US" sz="2000" b="1" dirty="0">
-                <a:solidFill>
-                  <a:schemeClr val="lt1"/>
-                </a:solidFill>
-                <a:latin typeface="Arial Narrow"/>
-                <a:ea typeface="Arial Narrow"/>
-                <a:cs typeface="Arial Narrow"/>
-                <a:sym typeface="Arial Narrow"/>
-              </a:rPr>
-              <a:t>Homestyle Fries</a:t>
-            </a:r>
-            <a:r>
-              <a:rPr lang="en-US" sz="1600" b="1" dirty="0">
-                <a:solidFill>
-                  <a:schemeClr val="lt1"/>
-                </a:solidFill>
-                <a:latin typeface="Arial Narrow"/>
-                <a:ea typeface="Arial Narrow"/>
-                <a:cs typeface="Arial Narrow"/>
-                <a:sym typeface="Arial Narrow"/>
-              </a:rPr>
-              <a:t> </a:t>
-            </a:r>
-            <a:r>
-              <a:rPr lang="en-US" sz="2000" b="1" i="0" u="none" strike="noStrike" cap="none" dirty="0">
-                <a:solidFill>
-                  <a:schemeClr val="lt1"/>
-                </a:solidFill>
-                <a:latin typeface="Arial Narrow"/>
-                <a:ea typeface="Arial Narrow"/>
-                <a:cs typeface="Arial Narrow"/>
-                <a:sym typeface="Arial Narrow"/>
-              </a:rPr>
-              <a:t> </a:t>
-            </a:r>
-            <a:r>
-              <a:rPr lang="en-US" sz="2000" i="0" u="none" strike="noStrike" cap="none" dirty="0">
-                <a:solidFill>
-                  <a:schemeClr val="lt1"/>
-                </a:solidFill>
-                <a:latin typeface="Arial Narrow"/>
-                <a:ea typeface="Arial Narrow"/>
-                <a:cs typeface="Arial Narrow"/>
-                <a:sym typeface="Arial Narrow"/>
-              </a:rPr>
-              <a:t>…….………………….........................................</a:t>
-            </a:r>
-            <a:r>
-              <a:rPr lang="en-US" sz="2000" b="0" i="0" u="none" strike="noStrike" cap="none" dirty="0">
-                <a:solidFill>
-                  <a:schemeClr val="lt1"/>
-                </a:solidFill>
-                <a:latin typeface="Arial Narrow"/>
-                <a:ea typeface="Arial Narrow"/>
-                <a:cs typeface="Arial Narrow"/>
-                <a:sym typeface="Arial Narrow"/>
-              </a:rPr>
-              <a:t>.</a:t>
-            </a:r>
-            <a:r>
-              <a:rPr lang="en-US" sz="2000" dirty="0">
-                <a:solidFill>
-                  <a:srgbClr val="8CD872"/>
-                </a:solidFill>
-                <a:latin typeface="Arial Narrow"/>
-                <a:ea typeface="Arial Narrow"/>
-                <a:cs typeface="Arial Narrow"/>
-                <a:sym typeface="Arial Narrow"/>
-              </a:rPr>
-              <a:t> </a:t>
-            </a:r>
-            <a:r>
-              <a:rPr lang="en-US" sz="2000" b="1" dirty="0">
-                <a:solidFill>
-                  <a:srgbClr val="8CD872"/>
-                </a:solidFill>
-                <a:latin typeface="Arial Narrow"/>
-                <a:ea typeface="Arial Narrow"/>
-                <a:cs typeface="Arial Narrow"/>
-                <a:sym typeface="Arial Narrow"/>
-              </a:rPr>
-              <a:t>5</a:t>
-            </a:r>
-            <a:br>
-              <a:rPr lang="en-US" sz="600" b="0" i="0" u="none" strike="noStrike" cap="none" dirty="0">
-                <a:solidFill>
-                  <a:schemeClr val="lt1"/>
-                </a:solidFill>
-                <a:latin typeface="Arial Narrow"/>
-                <a:ea typeface="Arial Narrow"/>
-                <a:cs typeface="Arial Narrow"/>
-                <a:sym typeface="Arial Narrow"/>
-              </a:rPr>
-            </a:br>
-            <a:endParaRPr sz="900" b="0" i="0" u="none" strike="noStrike" cap="none" dirty="0">
-              <a:solidFill>
-                <a:schemeClr val="lt1"/>
-              </a:solidFill>
-              <a:latin typeface="Arial Narrow"/>
-              <a:ea typeface="Arial Narrow"/>
-              <a:cs typeface="Arial Narrow"/>
-              <a:sym typeface="Arial Narrow"/>
-            </a:endParaRPr>
-          </a:p>
-        </p:txBody>
-      </p:sp>
-      <p:grpSp>
-        <p:nvGrpSpPr>
-          <p:cNvPr id="3" name="Group 2">
-            <a:extLst>
-              <a:ext uri="{FF2B5EF4-FFF2-40B4-BE49-F238E27FC236}">
-                <a16:creationId xmlns:a16="http://schemas.microsoft.com/office/drawing/2014/main" id="{3E17D531-448D-4279-979C-624A02988018}"/>
-              </a:ext>
-            </a:extLst>
-          </p:cNvPr>
-          <p:cNvGrpSpPr/>
-          <p:nvPr/>
-        </p:nvGrpSpPr>
-        <p:grpSpPr>
-          <a:xfrm>
-            <a:off x="616961" y="2980282"/>
-            <a:ext cx="767339" cy="1263632"/>
-            <a:chOff x="616961" y="2980282"/>
-            <a:chExt cx="767339" cy="1263632"/>
-          </a:xfrm>
-        </p:grpSpPr>
-        <p:grpSp>
-          <p:nvGrpSpPr>
-            <p:cNvPr id="2" name="Group 1">
-              <a:extLst>
-                <a:ext uri="{FF2B5EF4-FFF2-40B4-BE49-F238E27FC236}">
-                  <a16:creationId xmlns:a16="http://schemas.microsoft.com/office/drawing/2014/main" id="{E2324FCD-CD66-4312-9CC3-289E20792CB3}"/>
-                </a:ext>
-              </a:extLst>
-            </p:cNvPr>
-            <p:cNvGrpSpPr/>
-            <p:nvPr/>
-          </p:nvGrpSpPr>
-          <p:grpSpPr>
-            <a:xfrm>
-              <a:off x="616961" y="2980282"/>
-              <a:ext cx="767339" cy="1263632"/>
-              <a:chOff x="1832007" y="9525805"/>
-              <a:chExt cx="2222636" cy="3730290"/>
-            </a:xfrm>
-          </p:grpSpPr>
-          <p:sp>
-            <p:nvSpPr>
-              <p:cNvPr id="15" name="Rectangle 14">
-                <a:extLst>
-                  <a:ext uri="{FF2B5EF4-FFF2-40B4-BE49-F238E27FC236}">
-                    <a16:creationId xmlns:a16="http://schemas.microsoft.com/office/drawing/2014/main" id="{0FE03A10-83EE-4E62-8945-9652961EE2C4}"/>
-                  </a:ext>
-                </a:extLst>
-              </p:cNvPr>
-              <p:cNvSpPr/>
-              <p:nvPr/>
-            </p:nvSpPr>
-            <p:spPr>
-              <a:xfrm>
-                <a:off x="2993011" y="12888450"/>
-                <a:ext cx="1061632" cy="367645"/>
-              </a:xfrm>
-              <a:prstGeom prst="rect">
-                <a:avLst/>
-              </a:prstGeom>
-              <a:noFill/>
-              <a:ln>
-                <a:noFill/>
-              </a:ln>
-            </p:spPr>
-            <p:style>
-              <a:lnRef idx="2">
-                <a:schemeClr val="accent1">
-                  <a:shade val="50000"/>
-                </a:schemeClr>
-              </a:lnRef>
-              <a:fillRef idx="1">
-                <a:schemeClr val="accent1"/>
-              </a:fillRef>
-              <a:effectRef idx="0">
-                <a:schemeClr val="accent1"/>
-              </a:effectRef>
-              <a:fontRef idx="minor">
-                <a:schemeClr val="lt1"/>
-              </a:fontRef>
-            </p:style>
-            <p:txBody>
-              <a:bodyPr rtlCol="0" anchor="ctr"/>
-              <a:lstStyle/>
-              <a:p>
-                <a:pPr algn="ctr"/>
-                <a:endParaRPr lang="en-US"/>
-              </a:p>
-            </p:txBody>
-          </p:sp>
-          <p:cxnSp>
-            <p:nvCxnSpPr>
-              <p:cNvPr id="16" name="Connector: Elbow 15">
-                <a:extLst>
-                  <a:ext uri="{FF2B5EF4-FFF2-40B4-BE49-F238E27FC236}">
-                    <a16:creationId xmlns:a16="http://schemas.microsoft.com/office/drawing/2014/main" id="{89C2B68B-4555-4870-80E2-1E9EECA6FD23}"/>
-                  </a:ext>
-                </a:extLst>
-              </p:cNvPr>
-              <p:cNvCxnSpPr>
-                <a:cxnSpLocks/>
-                <a:endCxn id="15" idx="1"/>
-              </p:cNvCxnSpPr>
-              <p:nvPr/>
-            </p:nvCxnSpPr>
-            <p:spPr>
-              <a:xfrm rot="16200000" flipH="1">
-                <a:off x="639275" y="10718537"/>
-                <a:ext cx="3546468" cy="1161003"/>
-              </a:xfrm>
-              <a:prstGeom prst="bentConnector2">
-                <a:avLst/>
-              </a:prstGeom>
-              <a:ln w="19050" cap="rnd">
-                <a:solidFill>
-                  <a:schemeClr val="bg1"/>
-                </a:solidFill>
-                <a:prstDash val="sysDot"/>
-                <a:round/>
-                <a:tailEnd type="stealth"/>
-              </a:ln>
-            </p:spPr>
-            <p:style>
-              <a:lnRef idx="1">
-                <a:schemeClr val="accent1"/>
-              </a:lnRef>
-              <a:fillRef idx="0">
-                <a:schemeClr val="accent1"/>
-              </a:fillRef>
-              <a:effectRef idx="0">
-                <a:schemeClr val="accent1"/>
-              </a:effectRef>
-              <a:fontRef idx="minor">
-                <a:schemeClr val="tx1"/>
-              </a:fontRef>
-            </p:style>
-          </p:cxnSp>
-        </p:grpSp>
-        <p:grpSp>
-          <p:nvGrpSpPr>
-            <p:cNvPr id="18" name="Group 17">
-              <a:extLst>
-                <a:ext uri="{FF2B5EF4-FFF2-40B4-BE49-F238E27FC236}">
-                  <a16:creationId xmlns:a16="http://schemas.microsoft.com/office/drawing/2014/main" id="{D3358302-2F07-4480-9FFB-A14A74C449C8}"/>
-                </a:ext>
-              </a:extLst>
-            </p:cNvPr>
-            <p:cNvGrpSpPr/>
-            <p:nvPr/>
-          </p:nvGrpSpPr>
-          <p:grpSpPr>
-            <a:xfrm flipV="1">
-              <a:off x="1036708" y="3083798"/>
-              <a:ext cx="90277" cy="330917"/>
-              <a:chOff x="3085806" y="9913238"/>
-              <a:chExt cx="264234" cy="968572"/>
-            </a:xfrm>
-          </p:grpSpPr>
-          <p:cxnSp>
-            <p:nvCxnSpPr>
-              <p:cNvPr id="19" name="Straight Connector 18">
-                <a:extLst>
-                  <a:ext uri="{FF2B5EF4-FFF2-40B4-BE49-F238E27FC236}">
-                    <a16:creationId xmlns:a16="http://schemas.microsoft.com/office/drawing/2014/main" id="{EBF62D70-9FD7-4545-88C9-F38645F769EE}"/>
-                  </a:ext>
-                </a:extLst>
-              </p:cNvPr>
-              <p:cNvCxnSpPr>
-                <a:cxnSpLocks/>
-              </p:cNvCxnSpPr>
-              <p:nvPr/>
-            </p:nvCxnSpPr>
-            <p:spPr>
-              <a:xfrm>
-                <a:off x="3215474" y="9913238"/>
-                <a:ext cx="0" cy="968572"/>
-              </a:xfrm>
-              <a:prstGeom prst="line">
-                <a:avLst/>
-              </a:prstGeom>
-              <a:ln w="19050" cap="rnd">
-                <a:solidFill>
-                  <a:schemeClr val="bg1"/>
-                </a:solidFill>
-                <a:prstDash val="sysDot"/>
-              </a:ln>
-            </p:spPr>
-            <p:style>
-              <a:lnRef idx="1">
-                <a:schemeClr val="accent1"/>
-              </a:lnRef>
-              <a:fillRef idx="0">
-                <a:schemeClr val="accent1"/>
-              </a:fillRef>
-              <a:effectRef idx="0">
-                <a:schemeClr val="accent1"/>
-              </a:effectRef>
-              <a:fontRef idx="minor">
-                <a:schemeClr val="tx1"/>
-              </a:fontRef>
-            </p:style>
-          </p:cxnSp>
-          <p:sp>
-            <p:nvSpPr>
-              <p:cNvPr id="20" name="Oval 19">
-                <a:extLst>
-                  <a:ext uri="{FF2B5EF4-FFF2-40B4-BE49-F238E27FC236}">
-                    <a16:creationId xmlns:a16="http://schemas.microsoft.com/office/drawing/2014/main" id="{8DF4EC53-77B1-4B25-859B-4AFA5A873257}"/>
-                  </a:ext>
-                </a:extLst>
-              </p:cNvPr>
-              <p:cNvSpPr/>
-              <p:nvPr/>
-            </p:nvSpPr>
-            <p:spPr>
-              <a:xfrm>
-                <a:off x="3085806" y="10228896"/>
-                <a:ext cx="264234" cy="264232"/>
-              </a:xfrm>
-              <a:prstGeom prst="ellipse">
-                <a:avLst/>
-              </a:prstGeom>
-              <a:solidFill>
-                <a:srgbClr val="262626"/>
-              </a:solidFill>
-              <a:ln>
-                <a:noFill/>
-              </a:ln>
-            </p:spPr>
-            <p:style>
-              <a:lnRef idx="2">
-                <a:schemeClr val="accent1">
-                  <a:shade val="50000"/>
-                </a:schemeClr>
-              </a:lnRef>
-              <a:fillRef idx="1">
-                <a:schemeClr val="accent1"/>
-              </a:fillRef>
-              <a:effectRef idx="0">
-                <a:schemeClr val="accent1"/>
-              </a:effectRef>
-              <a:fontRef idx="minor">
-                <a:schemeClr val="lt1"/>
-              </a:fontRef>
-            </p:style>
-            <p:txBody>
-              <a:bodyPr rtlCol="0" anchor="ctr"/>
-              <a:lstStyle/>
-              <a:p>
-                <a:pPr algn="ctr"/>
-                <a:endParaRPr lang="en-US"/>
-              </a:p>
-            </p:txBody>
-          </p:sp>
-        </p:grpSp>
-      </p:grpSp>
     </p:spTree>
   </p:cSld>
   <p:clrMapOvr>

--- a/misc/Menu Letter 8.5 by 11 on 12-12-24/2_Letter_DaBeast Services Menu.pptx
+++ b/misc/Menu Letter 8.5 by 11 on 12-12-24/2_Letter_DaBeast Services Menu.pptx
@@ -21,7 +21,7 @@
       <p:boldItalic r:id="rId7"/>
     </p:embeddedFont>
     <p:embeddedFont>
-      <p:font typeface="Open Sans" panose="020B0606030504020204" pitchFamily="34" charset="0"/>
+      <p:font typeface="Open Sans" panose="020B0604020202020204" charset="0"/>
       <p:regular r:id="rId8"/>
       <p:bold r:id="rId9"/>
       <p:italic r:id="rId10"/>
@@ -15428,626 +15428,14 @@
       </p:pic>
       <p:sp>
         <p:nvSpPr>
-          <p:cNvPr id="93" name="Google Shape;93;p13"/>
-          <p:cNvSpPr txBox="1"/>
-          <p:nvPr/>
-        </p:nvSpPr>
-        <p:spPr>
-          <a:xfrm>
-            <a:off x="303733" y="2150208"/>
-            <a:ext cx="7127100" cy="3411000"/>
-          </a:xfrm>
-          <a:prstGeom prst="rect">
-            <a:avLst/>
-          </a:prstGeom>
-          <a:noFill/>
-          <a:ln>
-            <a:noFill/>
-          </a:ln>
-        </p:spPr>
-        <p:txBody>
-          <a:bodyPr spcFirstLastPara="1" wrap="square" lIns="100775" tIns="50375" rIns="100775" bIns="50375" anchor="t" anchorCtr="0">
-            <a:spAutoFit/>
-          </a:bodyPr>
-          <a:lstStyle/>
-          <a:p>
-            <a:pPr marL="0" marR="0" lvl="0" indent="0" algn="l" rtl="0">
-              <a:lnSpc>
-                <a:spcPct val="100000"/>
-              </a:lnSpc>
-              <a:spcBef>
-                <a:spcPts val="0"/>
-              </a:spcBef>
-              <a:spcAft>
-                <a:spcPts val="0"/>
-              </a:spcAft>
-              <a:buClr>
-                <a:srgbClr val="000000"/>
-              </a:buClr>
-              <a:buSzPts val="4000"/>
-              <a:buFont typeface="Arial"/>
-              <a:buNone/>
-            </a:pPr>
-            <a:r>
-              <a:rPr lang="en-US" sz="4000" b="1" i="0" u="none" strike="noStrike" cap="none" dirty="0">
-                <a:solidFill>
-                  <a:schemeClr val="lt1"/>
-                </a:solidFill>
-                <a:latin typeface="Arial Narrow"/>
-                <a:ea typeface="Arial Narrow"/>
-                <a:cs typeface="Arial Narrow"/>
-                <a:sym typeface="Arial Narrow"/>
-              </a:rPr>
-              <a:t>Lunch / Dinner</a:t>
-            </a:r>
-            <a:endParaRPr sz="4000" b="0" i="0" u="none" strike="noStrike" cap="none" dirty="0">
-              <a:solidFill>
-                <a:schemeClr val="lt1"/>
-              </a:solidFill>
-              <a:latin typeface="Arial Narrow"/>
-              <a:ea typeface="Arial Narrow"/>
-              <a:cs typeface="Arial Narrow"/>
-              <a:sym typeface="Arial Narrow"/>
-            </a:endParaRPr>
-          </a:p>
-          <a:p>
-            <a:pPr marL="0" marR="0" lvl="0" indent="0" algn="l" rtl="0">
-              <a:lnSpc>
-                <a:spcPct val="100000"/>
-              </a:lnSpc>
-              <a:spcBef>
-                <a:spcPts val="0"/>
-              </a:spcBef>
-              <a:spcAft>
-                <a:spcPts val="0"/>
-              </a:spcAft>
-              <a:buClr>
-                <a:srgbClr val="000000"/>
-              </a:buClr>
-              <a:buSzPts val="2000"/>
-              <a:buFont typeface="Arial"/>
-              <a:buNone/>
-            </a:pPr>
-            <a:endParaRPr sz="2000" b="1" i="0" u="none" strike="noStrike" cap="none" dirty="0">
-              <a:solidFill>
-                <a:schemeClr val="lt1"/>
-              </a:solidFill>
-              <a:latin typeface="Arial Narrow"/>
-              <a:ea typeface="Arial Narrow"/>
-              <a:cs typeface="Arial Narrow"/>
-              <a:sym typeface="Arial Narrow"/>
-            </a:endParaRPr>
-          </a:p>
-          <a:p>
-            <a:pPr marL="508000" marR="0" lvl="0" indent="-349250" algn="l" rtl="0">
-              <a:lnSpc>
-                <a:spcPct val="100000"/>
-              </a:lnSpc>
-              <a:spcBef>
-                <a:spcPts val="0"/>
-              </a:spcBef>
-              <a:spcAft>
-                <a:spcPts val="0"/>
-              </a:spcAft>
-              <a:buClr>
-                <a:schemeClr val="lt1"/>
-              </a:buClr>
-              <a:buSzPts val="1500"/>
-              <a:buFont typeface="Arial Narrow"/>
-              <a:buChar char="●"/>
-            </a:pPr>
-            <a:r>
-              <a:rPr lang="en-US" sz="2000" b="1" i="0" u="none" strike="noStrike" cap="none" dirty="0">
-                <a:solidFill>
-                  <a:schemeClr val="lt1"/>
-                </a:solidFill>
-                <a:latin typeface="Arial Narrow"/>
-                <a:ea typeface="Arial Narrow"/>
-                <a:cs typeface="Arial Narrow"/>
-                <a:sym typeface="Arial Narrow"/>
-              </a:rPr>
-              <a:t>Cheeseburger</a:t>
-            </a:r>
-            <a:r>
-              <a:rPr lang="en-US" sz="2000" i="0" u="none" strike="noStrike" cap="none" dirty="0">
-                <a:solidFill>
-                  <a:schemeClr val="lt1"/>
-                </a:solidFill>
-                <a:latin typeface="Arial Narrow"/>
-                <a:ea typeface="Arial Narrow"/>
-                <a:cs typeface="Arial Narrow"/>
-                <a:sym typeface="Arial Narrow"/>
-              </a:rPr>
-              <a:t> ……………………………....................................</a:t>
-            </a:r>
-            <a:r>
-              <a:rPr lang="en-US" sz="2000" dirty="0">
-                <a:solidFill>
-                  <a:srgbClr val="8CD872"/>
-                </a:solidFill>
-                <a:latin typeface="Arial Narrow"/>
-                <a:ea typeface="Arial Narrow"/>
-                <a:cs typeface="Arial Narrow"/>
-                <a:sym typeface="Arial Narrow"/>
-              </a:rPr>
-              <a:t>.</a:t>
-            </a:r>
-            <a:r>
-              <a:rPr lang="en-US" sz="2000" b="0" i="0" u="none" strike="noStrike" cap="none" dirty="0">
-                <a:solidFill>
-                  <a:srgbClr val="8CD872"/>
-                </a:solidFill>
-                <a:latin typeface="Arial Narrow"/>
-                <a:ea typeface="Arial Narrow"/>
-                <a:cs typeface="Arial Narrow"/>
-                <a:sym typeface="Arial Narrow"/>
-              </a:rPr>
-              <a:t> </a:t>
-            </a:r>
-            <a:r>
-              <a:rPr lang="en-US" sz="2000" b="1" i="0" u="none" strike="noStrike" cap="none" dirty="0">
-                <a:solidFill>
-                  <a:srgbClr val="8CD872"/>
-                </a:solidFill>
-                <a:latin typeface="Arial Narrow"/>
-                <a:ea typeface="Arial Narrow"/>
-                <a:cs typeface="Arial Narrow"/>
-                <a:sym typeface="Arial Narrow"/>
-              </a:rPr>
-              <a:t>12</a:t>
-            </a:r>
-            <a:endParaRPr sz="2000" b="1" i="0" u="none" strike="noStrike" cap="none" dirty="0">
-              <a:solidFill>
-                <a:srgbClr val="8CD872"/>
-              </a:solidFill>
-              <a:latin typeface="Arial Narrow"/>
-              <a:ea typeface="Arial Narrow"/>
-              <a:cs typeface="Arial Narrow"/>
-              <a:sym typeface="Arial Narrow"/>
-            </a:endParaRPr>
-          </a:p>
-          <a:p>
-            <a:pPr marL="508000" marR="0" lvl="0" indent="-349250" algn="l" rtl="0">
-              <a:lnSpc>
-                <a:spcPct val="100000"/>
-              </a:lnSpc>
-              <a:spcBef>
-                <a:spcPts val="0"/>
-              </a:spcBef>
-              <a:spcAft>
-                <a:spcPts val="0"/>
-              </a:spcAft>
-              <a:buClr>
-                <a:schemeClr val="lt1"/>
-              </a:buClr>
-              <a:buSzPts val="1500"/>
-              <a:buFont typeface="Arial Narrow"/>
-              <a:buChar char="●"/>
-            </a:pPr>
-            <a:r>
-              <a:rPr lang="en-US" sz="2000" b="1" i="0" u="none" strike="noStrike" cap="none" dirty="0">
-                <a:solidFill>
-                  <a:schemeClr val="lt1"/>
-                </a:solidFill>
-                <a:latin typeface="Arial Narrow"/>
-                <a:ea typeface="Arial Narrow"/>
-                <a:cs typeface="Arial Narrow"/>
-                <a:sym typeface="Arial Narrow"/>
-              </a:rPr>
-              <a:t>Beer Brat </a:t>
-            </a:r>
-            <a:r>
-              <a:rPr lang="en-US" sz="2000" i="0" u="none" strike="noStrike" cap="none" dirty="0">
-                <a:solidFill>
-                  <a:schemeClr val="lt1"/>
-                </a:solidFill>
-                <a:latin typeface="Arial Narrow"/>
-                <a:ea typeface="Arial Narrow"/>
-                <a:cs typeface="Arial Narrow"/>
-                <a:sym typeface="Arial Narrow"/>
-              </a:rPr>
-              <a:t>………………………………....................................</a:t>
-            </a:r>
-            <a:r>
-              <a:rPr lang="en-US" sz="2000" dirty="0">
-                <a:solidFill>
-                  <a:schemeClr val="lt1"/>
-                </a:solidFill>
-                <a:latin typeface="Arial Narrow"/>
-                <a:ea typeface="Arial Narrow"/>
-                <a:cs typeface="Arial Narrow"/>
-                <a:sym typeface="Arial Narrow"/>
-              </a:rPr>
-              <a:t>.</a:t>
-            </a:r>
-            <a:r>
-              <a:rPr lang="en-US" sz="2000" i="0" u="none" strike="noStrike" cap="none" dirty="0">
-                <a:solidFill>
-                  <a:schemeClr val="lt1"/>
-                </a:solidFill>
-                <a:latin typeface="Arial Narrow"/>
-                <a:ea typeface="Arial Narrow"/>
-                <a:cs typeface="Arial Narrow"/>
-                <a:sym typeface="Arial Narrow"/>
-              </a:rPr>
-              <a:t>.....</a:t>
-            </a:r>
-            <a:r>
-              <a:rPr lang="en-US" sz="2000" b="0" i="0" u="none" strike="noStrike" cap="none" dirty="0">
-                <a:solidFill>
-                  <a:srgbClr val="8CD872"/>
-                </a:solidFill>
-                <a:latin typeface="Arial Narrow"/>
-                <a:ea typeface="Arial Narrow"/>
-                <a:cs typeface="Arial Narrow"/>
-                <a:sym typeface="Arial Narrow"/>
-              </a:rPr>
-              <a:t>  </a:t>
-            </a:r>
-            <a:r>
-              <a:rPr lang="en-US" sz="2000" b="1" dirty="0">
-                <a:solidFill>
-                  <a:srgbClr val="8CD872"/>
-                </a:solidFill>
-                <a:latin typeface="Arial Narrow"/>
-                <a:ea typeface="Arial Narrow"/>
-                <a:cs typeface="Arial Narrow"/>
-                <a:sym typeface="Arial Narrow"/>
-              </a:rPr>
-              <a:t>8</a:t>
-            </a:r>
-            <a:endParaRPr sz="2000" b="1" i="0" u="none" strike="noStrike" cap="none" dirty="0">
-              <a:solidFill>
-                <a:srgbClr val="8CD872"/>
-              </a:solidFill>
-              <a:latin typeface="Arial Narrow"/>
-              <a:ea typeface="Arial Narrow"/>
-              <a:cs typeface="Arial Narrow"/>
-              <a:sym typeface="Arial Narrow"/>
-            </a:endParaRPr>
-          </a:p>
-          <a:p>
-            <a:pPr marL="1003300" marR="0" lvl="1" indent="-381000" algn="l" rtl="0">
-              <a:lnSpc>
-                <a:spcPct val="100000"/>
-              </a:lnSpc>
-              <a:spcBef>
-                <a:spcPts val="0"/>
-              </a:spcBef>
-              <a:spcAft>
-                <a:spcPts val="0"/>
-              </a:spcAft>
-              <a:buClr>
-                <a:schemeClr val="lt1"/>
-              </a:buClr>
-              <a:buSzPts val="2000"/>
-              <a:buFont typeface="Arial Narrow"/>
-              <a:buChar char="○"/>
-            </a:pPr>
-            <a:r>
-              <a:rPr lang="en-US" sz="2000" b="1" i="0" u="none" strike="noStrike" cap="none" dirty="0">
-                <a:solidFill>
-                  <a:schemeClr val="lt1"/>
-                </a:solidFill>
-                <a:latin typeface="Arial Narrow"/>
-                <a:ea typeface="Arial Narrow"/>
-                <a:cs typeface="Arial Narrow"/>
-                <a:sym typeface="Arial Narrow"/>
-              </a:rPr>
-              <a:t>Meal deal:</a:t>
-            </a:r>
-            <a:r>
-              <a:rPr lang="en-US" sz="2000" b="0" i="0" u="none" strike="noStrike" cap="none" dirty="0">
-                <a:solidFill>
-                  <a:schemeClr val="lt1"/>
-                </a:solidFill>
-                <a:latin typeface="Arial Narrow"/>
-                <a:ea typeface="Arial Narrow"/>
-                <a:cs typeface="Arial Narrow"/>
-                <a:sym typeface="Arial Narrow"/>
-              </a:rPr>
-              <a:t> Chips and drink ………………</a:t>
-            </a:r>
-            <a:r>
-              <a:rPr lang="en-US" sz="2000" dirty="0">
-                <a:solidFill>
-                  <a:schemeClr val="lt1"/>
-                </a:solidFill>
-                <a:latin typeface="Arial Narrow"/>
-                <a:ea typeface="Arial Narrow"/>
-                <a:cs typeface="Arial Narrow"/>
-                <a:sym typeface="Arial Narrow"/>
-              </a:rPr>
-              <a:t>………</a:t>
-            </a:r>
-            <a:r>
-              <a:rPr lang="en-US" sz="2000" b="0" i="0" u="none" strike="noStrike" cap="none" dirty="0">
-                <a:solidFill>
-                  <a:schemeClr val="lt1"/>
-                </a:solidFill>
-                <a:latin typeface="Arial Narrow"/>
-                <a:ea typeface="Arial Narrow"/>
-                <a:cs typeface="Arial Narrow"/>
-                <a:sym typeface="Arial Narrow"/>
-              </a:rPr>
-              <a:t>.…</a:t>
-            </a:r>
-            <a:r>
-              <a:rPr lang="en-US" sz="2000" dirty="0">
-                <a:solidFill>
-                  <a:schemeClr val="lt1"/>
-                </a:solidFill>
-                <a:latin typeface="Arial Narrow"/>
-                <a:ea typeface="Arial Narrow"/>
-                <a:cs typeface="Arial Narrow"/>
-                <a:sym typeface="Arial Narrow"/>
-              </a:rPr>
-              <a:t>…..</a:t>
-            </a:r>
-            <a:r>
-              <a:rPr lang="en-US" sz="2000" b="0" i="0" u="none" strike="noStrike" cap="none" dirty="0">
-                <a:solidFill>
-                  <a:schemeClr val="lt1"/>
-                </a:solidFill>
-                <a:latin typeface="Arial Narrow"/>
-                <a:ea typeface="Arial Narrow"/>
-                <a:cs typeface="Arial Narrow"/>
-                <a:sym typeface="Arial Narrow"/>
-              </a:rPr>
-              <a:t> </a:t>
-            </a:r>
-            <a:r>
-              <a:rPr lang="en-US" sz="2000" b="1" i="0" u="none" strike="noStrike" cap="none" dirty="0">
-                <a:solidFill>
-                  <a:srgbClr val="8CD872"/>
-                </a:solidFill>
-                <a:latin typeface="Arial Narrow"/>
-                <a:ea typeface="Arial Narrow"/>
-                <a:cs typeface="Arial Narrow"/>
-                <a:sym typeface="Arial Narrow"/>
-              </a:rPr>
-              <a:t>Add 3</a:t>
-            </a:r>
-            <a:endParaRPr sz="2000" b="1" i="0" u="none" strike="noStrike" cap="none" dirty="0">
-              <a:solidFill>
-                <a:srgbClr val="8CD872"/>
-              </a:solidFill>
-              <a:latin typeface="Arial Narrow"/>
-              <a:ea typeface="Arial Narrow"/>
-              <a:cs typeface="Arial Narrow"/>
-              <a:sym typeface="Arial Narrow"/>
-            </a:endParaRPr>
-          </a:p>
-          <a:p>
-            <a:pPr marL="1003300" marR="0" lvl="0" indent="0" algn="l" rtl="0">
-              <a:lnSpc>
-                <a:spcPct val="100000"/>
-              </a:lnSpc>
-              <a:spcBef>
-                <a:spcPts val="0"/>
-              </a:spcBef>
-              <a:spcAft>
-                <a:spcPts val="0"/>
-              </a:spcAft>
-              <a:buClr>
-                <a:srgbClr val="000000"/>
-              </a:buClr>
-              <a:buSzPts val="2000"/>
-              <a:buFont typeface="Arial"/>
-              <a:buNone/>
-            </a:pPr>
-            <a:endParaRPr sz="2000" b="0" i="0" u="none" strike="noStrike" cap="none" dirty="0">
-              <a:solidFill>
-                <a:schemeClr val="lt1"/>
-              </a:solidFill>
-              <a:latin typeface="Arial Narrow"/>
-              <a:ea typeface="Arial Narrow"/>
-              <a:cs typeface="Arial Narrow"/>
-              <a:sym typeface="Arial Narrow"/>
-            </a:endParaRPr>
-          </a:p>
-          <a:p>
-            <a:pPr marL="508000" marR="0" lvl="0" indent="-349250" algn="l" rtl="0">
-              <a:lnSpc>
-                <a:spcPct val="100000"/>
-              </a:lnSpc>
-              <a:spcBef>
-                <a:spcPts val="0"/>
-              </a:spcBef>
-              <a:spcAft>
-                <a:spcPts val="0"/>
-              </a:spcAft>
-              <a:buClr>
-                <a:schemeClr val="lt1"/>
-              </a:buClr>
-              <a:buSzPts val="1500"/>
-              <a:buFont typeface="Arial Narrow"/>
-              <a:buChar char="●"/>
-            </a:pPr>
-            <a:r>
-              <a:rPr lang="en-US" sz="2000" b="1" i="0" u="none" strike="noStrike" cap="none" dirty="0" err="1">
-                <a:solidFill>
-                  <a:schemeClr val="lt1"/>
-                </a:solidFill>
-                <a:latin typeface="Arial Narrow"/>
-                <a:ea typeface="Arial Narrow"/>
-                <a:cs typeface="Arial Narrow"/>
-                <a:sym typeface="Arial Narrow"/>
-              </a:rPr>
-              <a:t>Pastelillos</a:t>
-            </a:r>
-            <a:r>
-              <a:rPr lang="en-US" sz="2000" b="1" i="0" u="none" strike="noStrike" cap="none" dirty="0">
-                <a:solidFill>
-                  <a:schemeClr val="lt1"/>
-                </a:solidFill>
-                <a:latin typeface="Arial Narrow"/>
-                <a:ea typeface="Arial Narrow"/>
-                <a:cs typeface="Arial Narrow"/>
-                <a:sym typeface="Arial Narrow"/>
-              </a:rPr>
-              <a:t> </a:t>
-            </a:r>
-            <a:r>
-              <a:rPr lang="en-US" sz="2000" i="0" u="none" strike="noStrike" cap="none" dirty="0">
-                <a:solidFill>
-                  <a:schemeClr val="lt1"/>
-                </a:solidFill>
-                <a:latin typeface="Arial Narrow"/>
-                <a:ea typeface="Arial Narrow"/>
-                <a:cs typeface="Arial Narrow"/>
-                <a:sym typeface="Arial Narrow"/>
-              </a:rPr>
-              <a:t>………………………………........................................</a:t>
-            </a:r>
-            <a:r>
-              <a:rPr lang="en-US" sz="2000" b="0" i="0" u="none" strike="noStrike" cap="none" dirty="0">
-                <a:solidFill>
-                  <a:schemeClr val="lt1"/>
-                </a:solidFill>
-                <a:latin typeface="Arial Narrow"/>
-                <a:ea typeface="Arial Narrow"/>
-                <a:cs typeface="Arial Narrow"/>
-                <a:sym typeface="Arial Narrow"/>
-              </a:rPr>
-              <a:t>.</a:t>
-            </a:r>
-            <a:r>
-              <a:rPr lang="en-US" sz="2000" dirty="0">
-                <a:solidFill>
-                  <a:srgbClr val="8CD872"/>
-                </a:solidFill>
-                <a:latin typeface="Arial Narrow"/>
-                <a:ea typeface="Arial Narrow"/>
-                <a:cs typeface="Arial Narrow"/>
-                <a:sym typeface="Arial Narrow"/>
-              </a:rPr>
-              <a:t> </a:t>
-            </a:r>
-            <a:r>
-              <a:rPr lang="en-US" sz="2000" b="1" i="0" u="none" strike="noStrike" cap="none" dirty="0">
-                <a:solidFill>
-                  <a:srgbClr val="8CD872"/>
-                </a:solidFill>
-                <a:latin typeface="Arial Narrow"/>
-                <a:ea typeface="Arial Narrow"/>
-                <a:cs typeface="Arial Narrow"/>
-                <a:sym typeface="Arial Narrow"/>
-              </a:rPr>
-              <a:t>4</a:t>
-            </a:r>
-            <a:endParaRPr sz="2000" b="1" i="0" u="none" strike="noStrike" cap="none" dirty="0">
-              <a:solidFill>
-                <a:srgbClr val="8CD872"/>
-              </a:solidFill>
-              <a:latin typeface="Arial Narrow"/>
-              <a:ea typeface="Arial Narrow"/>
-              <a:cs typeface="Arial Narrow"/>
-              <a:sym typeface="Arial Narrow"/>
-            </a:endParaRPr>
-          </a:p>
-          <a:p>
-            <a:pPr marL="1003300" marR="0" lvl="1" indent="-381000" algn="l" rtl="0">
-              <a:lnSpc>
-                <a:spcPct val="100000"/>
-              </a:lnSpc>
-              <a:spcBef>
-                <a:spcPts val="0"/>
-              </a:spcBef>
-              <a:spcAft>
-                <a:spcPts val="0"/>
-              </a:spcAft>
-              <a:buClr>
-                <a:schemeClr val="lt1"/>
-              </a:buClr>
-              <a:buSzPts val="2000"/>
-              <a:buFont typeface="Arial Narrow"/>
-              <a:buChar char="○"/>
-            </a:pPr>
-            <a:r>
-              <a:rPr lang="en-US" sz="2000" b="0" i="0" u="none" strike="noStrike" cap="none" dirty="0">
-                <a:solidFill>
-                  <a:schemeClr val="lt1"/>
-                </a:solidFill>
-                <a:latin typeface="Arial Narrow"/>
-                <a:ea typeface="Arial Narrow"/>
-                <a:cs typeface="Arial Narrow"/>
-                <a:sym typeface="Arial Narrow"/>
-              </a:rPr>
-              <a:t>Stuffed fried empanadas (beef and cheese)</a:t>
-            </a:r>
-            <a:br>
-              <a:rPr lang="en-US" sz="2000" b="0" i="0" u="none" strike="noStrike" cap="none" dirty="0">
-                <a:solidFill>
-                  <a:schemeClr val="lt1"/>
-                </a:solidFill>
-                <a:latin typeface="Arial Narrow"/>
-                <a:ea typeface="Arial Narrow"/>
-                <a:cs typeface="Arial Narrow"/>
-                <a:sym typeface="Arial Narrow"/>
-              </a:rPr>
-            </a:br>
-            <a:endParaRPr sz="2000" b="0" i="0" u="none" strike="noStrike" cap="none" dirty="0">
-              <a:solidFill>
-                <a:schemeClr val="lt1"/>
-              </a:solidFill>
-              <a:latin typeface="Arial Narrow"/>
-              <a:ea typeface="Arial Narrow"/>
-              <a:cs typeface="Arial Narrow"/>
-              <a:sym typeface="Arial Narrow"/>
-            </a:endParaRPr>
-          </a:p>
-          <a:p>
-            <a:pPr marL="0" marR="0" lvl="0" indent="0" algn="l" rtl="0">
-              <a:lnSpc>
-                <a:spcPct val="100000"/>
-              </a:lnSpc>
-              <a:spcBef>
-                <a:spcPts val="0"/>
-              </a:spcBef>
-              <a:spcAft>
-                <a:spcPts val="0"/>
-              </a:spcAft>
-              <a:buClr>
-                <a:srgbClr val="000000"/>
-              </a:buClr>
-              <a:buSzPts val="600"/>
-              <a:buFont typeface="Arial"/>
-              <a:buNone/>
-            </a:pPr>
-            <a:br>
-              <a:rPr lang="en-US" sz="600" b="0" i="0" u="none" strike="noStrike" cap="none" dirty="0">
-                <a:solidFill>
-                  <a:schemeClr val="lt1"/>
-                </a:solidFill>
-                <a:latin typeface="Arial Narrow"/>
-                <a:ea typeface="Arial Narrow"/>
-                <a:cs typeface="Arial Narrow"/>
-                <a:sym typeface="Arial Narrow"/>
-              </a:rPr>
-            </a:br>
-            <a:endParaRPr sz="900" b="0" i="0" u="none" strike="noStrike" cap="none" dirty="0">
-              <a:solidFill>
-                <a:schemeClr val="lt1"/>
-              </a:solidFill>
-              <a:latin typeface="Arial Narrow"/>
-              <a:ea typeface="Arial Narrow"/>
-              <a:cs typeface="Arial Narrow"/>
-              <a:sym typeface="Arial Narrow"/>
-            </a:endParaRPr>
-          </a:p>
-        </p:txBody>
-      </p:sp>
-      <p:sp>
-        <p:nvSpPr>
           <p:cNvPr id="94" name="Google Shape;94;p13"/>
           <p:cNvSpPr txBox="1"/>
           <p:nvPr/>
         </p:nvSpPr>
         <p:spPr>
           <a:xfrm>
-            <a:off x="337577" y="5640139"/>
-            <a:ext cx="3357300" cy="2718600"/>
+            <a:off x="341567" y="6501007"/>
+            <a:ext cx="3357300" cy="2256170"/>
           </a:xfrm>
           <a:prstGeom prst="rect">
             <a:avLst/>
@@ -16116,142 +15504,10 @@
               <a:buClr>
                 <a:srgbClr val="000000"/>
               </a:buClr>
-              <a:buSzPts val="1500"/>
+              <a:buSzPts val="2000"/>
               <a:buFont typeface="Arial"/>
               <a:buNone/>
             </a:pPr>
-            <a:endParaRPr sz="1500" b="0" i="0" u="none" strike="noStrike" cap="none" dirty="0">
-              <a:solidFill>
-                <a:schemeClr val="lt1"/>
-              </a:solidFill>
-              <a:latin typeface="Arial Narrow"/>
-              <a:ea typeface="Arial Narrow"/>
-              <a:cs typeface="Arial Narrow"/>
-              <a:sym typeface="Arial Narrow"/>
-            </a:endParaRPr>
-          </a:p>
-          <a:p>
-            <a:pPr marL="304800" marR="0" lvl="0" indent="-177800" algn="l" rtl="0">
-              <a:lnSpc>
-                <a:spcPct val="100000"/>
-              </a:lnSpc>
-              <a:spcBef>
-                <a:spcPts val="0"/>
-              </a:spcBef>
-              <a:spcAft>
-                <a:spcPts val="0"/>
-              </a:spcAft>
-              <a:buClr>
-                <a:schemeClr val="dk1"/>
-              </a:buClr>
-              <a:buSzPts val="2000"/>
-              <a:buFont typeface="Arial"/>
-              <a:buNone/>
-            </a:pPr>
-            <a:endParaRPr sz="2000" b="0" i="0" u="none" strike="noStrike" cap="none" dirty="0">
-              <a:solidFill>
-                <a:schemeClr val="lt1"/>
-              </a:solidFill>
-              <a:latin typeface="Arial Narrow"/>
-              <a:ea typeface="Arial Narrow"/>
-              <a:cs typeface="Arial Narrow"/>
-              <a:sym typeface="Arial Narrow"/>
-            </a:endParaRPr>
-          </a:p>
-          <a:p>
-            <a:pPr marL="0" marR="0" lvl="0" indent="0" algn="l" rtl="0">
-              <a:lnSpc>
-                <a:spcPct val="100000"/>
-              </a:lnSpc>
-              <a:spcBef>
-                <a:spcPts val="0"/>
-              </a:spcBef>
-              <a:spcAft>
-                <a:spcPts val="0"/>
-              </a:spcAft>
-              <a:buClr>
-                <a:srgbClr val="000000"/>
-              </a:buClr>
-              <a:buSzPts val="2000"/>
-              <a:buFont typeface="Arial"/>
-              <a:buNone/>
-            </a:pPr>
-            <a:r>
-              <a:rPr lang="en-US" sz="2000" b="0" i="0" u="none" strike="noStrike" cap="none" dirty="0">
-                <a:solidFill>
-                  <a:schemeClr val="lt1"/>
-                </a:solidFill>
-                <a:latin typeface="Arial Narrow"/>
-                <a:ea typeface="Arial Narrow"/>
-                <a:cs typeface="Arial Narrow"/>
-                <a:sym typeface="Arial Narrow"/>
-              </a:rPr>
-              <a:t>     Limber De Coco (Ice Cream)</a:t>
-            </a:r>
-            <a:r>
-              <a:rPr lang="en-US" sz="2000" b="0" i="0" u="none" strike="noStrike" cap="none" dirty="0">
-                <a:solidFill>
-                  <a:srgbClr val="8CD872"/>
-                </a:solidFill>
-                <a:latin typeface="Arial Narrow"/>
-                <a:ea typeface="Arial Narrow"/>
-                <a:cs typeface="Arial Narrow"/>
-                <a:sym typeface="Arial Narrow"/>
-              </a:rPr>
-              <a:t> </a:t>
-            </a:r>
-            <a:endParaRPr sz="2000" b="0" i="0" u="none" strike="noStrike" cap="none" dirty="0">
-              <a:solidFill>
-                <a:srgbClr val="8CD872"/>
-              </a:solidFill>
-              <a:latin typeface="Arial Narrow"/>
-              <a:ea typeface="Arial Narrow"/>
-              <a:cs typeface="Arial Narrow"/>
-              <a:sym typeface="Arial Narrow"/>
-            </a:endParaRPr>
-          </a:p>
-          <a:p>
-            <a:pPr marL="0" marR="0" lvl="0" indent="0" algn="l" rtl="0">
-              <a:lnSpc>
-                <a:spcPct val="100000"/>
-              </a:lnSpc>
-              <a:spcBef>
-                <a:spcPts val="0"/>
-              </a:spcBef>
-              <a:spcAft>
-                <a:spcPts val="0"/>
-              </a:spcAft>
-              <a:buClr>
-                <a:srgbClr val="000000"/>
-              </a:buClr>
-              <a:buSzPts val="2000"/>
-              <a:buFont typeface="Arial"/>
-              <a:buNone/>
-            </a:pPr>
-            <a:r>
-              <a:rPr lang="en-US" sz="2000" b="0" i="0" u="none" strike="noStrike" cap="none" dirty="0">
-                <a:solidFill>
-                  <a:schemeClr val="lt1"/>
-                </a:solidFill>
-                <a:latin typeface="Arial Narrow"/>
-                <a:ea typeface="Arial Narrow"/>
-                <a:cs typeface="Arial Narrow"/>
-                <a:sym typeface="Arial Narrow"/>
-              </a:rPr>
-              <a:t>     ………………………………. </a:t>
-            </a:r>
-            <a:r>
-              <a:rPr lang="en-US" sz="2000" b="1" i="0" u="none" strike="noStrike" cap="none" dirty="0">
-                <a:solidFill>
-                  <a:srgbClr val="8CD872"/>
-                </a:solidFill>
-                <a:latin typeface="Arial Narrow"/>
-                <a:ea typeface="Arial Narrow"/>
-                <a:cs typeface="Arial Narrow"/>
-                <a:sym typeface="Arial Narrow"/>
-              </a:rPr>
-              <a:t>5</a:t>
-            </a:r>
             <a:r>
               <a:rPr lang="en-US" sz="2000" b="0" i="0" u="none" strike="noStrike" cap="none" dirty="0">
                 <a:solidFill>
@@ -16354,49 +15610,128 @@
                 <a:cs typeface="Arial Narrow"/>
                 <a:sym typeface="Arial Narrow"/>
               </a:rPr>
-              <a:t>Fried Cheesecake Bites …. </a:t>
+              <a:t>Fried Cheesecake Bites </a:t>
             </a:r>
             <a:r>
-              <a:rPr lang="en-US" sz="2000" b="1" i="0" u="none" strike="noStrike" cap="none" dirty="0">
-                <a:solidFill>
-                  <a:srgbClr val="8CD872"/>
+              <a:rPr lang="en-US" sz="2000" b="0" i="0" u="none" strike="noStrike" cap="none">
+                <a:solidFill>
+                  <a:schemeClr val="lt1"/>
                 </a:solidFill>
                 <a:latin typeface="Arial Narrow"/>
                 <a:ea typeface="Arial Narrow"/>
                 <a:cs typeface="Arial Narrow"/>
                 <a:sym typeface="Arial Narrow"/>
               </a:rPr>
-              <a:t>6</a:t>
+              <a:t>…. </a:t>
             </a:r>
-            <a:endParaRPr sz="1500" b="0" i="0" u="none" strike="noStrike" cap="none" dirty="0">
+            <a:r>
+              <a:rPr lang="en-US" sz="2000" b="1" i="0" u="none" strike="noStrike" cap="none">
+                <a:solidFill>
+                  <a:srgbClr val="8CD872"/>
+                </a:solidFill>
+                <a:latin typeface="Arial Narrow"/>
+                <a:ea typeface="Arial Narrow"/>
+                <a:cs typeface="Arial Narrow"/>
+                <a:sym typeface="Arial Narrow"/>
+              </a:rPr>
+              <a:t>7</a:t>
+            </a:r>
+            <a:endParaRPr lang="en-US" sz="2000" b="1" i="0" u="none" strike="noStrike" cap="none" dirty="0">
               <a:solidFill>
-                <a:srgbClr val="000000"/>
+                <a:srgbClr val="8CD872"/>
               </a:solidFill>
-              <a:latin typeface="Arial"/>
-              <a:ea typeface="Arial"/>
-              <a:cs typeface="Arial"/>
-              <a:sym typeface="Arial"/>
+              <a:latin typeface="Arial Narrow"/>
+              <a:ea typeface="Arial Narrow"/>
+              <a:cs typeface="Arial Narrow"/>
+              <a:sym typeface="Arial Narrow"/>
             </a:endParaRPr>
           </a:p>
           <a:p>
-            <a:pPr marL="508000" marR="0" lvl="0" indent="0" algn="l" rtl="0">
-              <a:lnSpc>
-                <a:spcPct val="100000"/>
-              </a:lnSpc>
-              <a:spcBef>
-                <a:spcPts val="0"/>
-              </a:spcBef>
-              <a:spcAft>
-                <a:spcPts val="0"/>
-              </a:spcAft>
-              <a:buClr>
-                <a:srgbClr val="000000"/>
-              </a:buClr>
-              <a:buSzPts val="1500"/>
-              <a:buFont typeface="Arial"/>
-              <a:buNone/>
+            <a:pPr marL="304800" marR="0" lvl="0" indent="-304800" algn="l" rtl="0">
+              <a:lnSpc>
+                <a:spcPct val="100000"/>
+              </a:lnSpc>
+              <a:spcBef>
+                <a:spcPts val="0"/>
+              </a:spcBef>
+              <a:spcAft>
+                <a:spcPts val="0"/>
+              </a:spcAft>
+              <a:buClr>
+                <a:schemeClr val="lt1"/>
+              </a:buClr>
+              <a:buSzPts val="2000"/>
+              <a:buFont typeface="Arial"/>
+              <a:buChar char="•"/>
             </a:pPr>
-            <a:endParaRPr sz="1500" b="0" i="0" u="none" strike="noStrike" cap="none" dirty="0">
+            <a:r>
+              <a:rPr lang="en-US" sz="2000" b="0" i="0" u="none" strike="noStrike" cap="none" dirty="0">
+                <a:solidFill>
+                  <a:schemeClr val="lt1"/>
+                </a:solidFill>
+                <a:latin typeface="Arial Narrow"/>
+                <a:ea typeface="Arial Narrow"/>
+                <a:cs typeface="Arial Narrow"/>
+                <a:sym typeface="Arial Narrow"/>
+              </a:rPr>
+              <a:t>Limber De Coco (Ice Cream)</a:t>
+            </a:r>
+            <a:r>
+              <a:rPr lang="en-US" sz="2000" b="0" i="0" u="none" strike="noStrike" cap="none" dirty="0">
+                <a:solidFill>
+                  <a:srgbClr val="8CD872"/>
+                </a:solidFill>
+                <a:latin typeface="Arial Narrow"/>
+                <a:ea typeface="Arial Narrow"/>
+                <a:cs typeface="Arial Narrow"/>
+                <a:sym typeface="Arial Narrow"/>
+              </a:rPr>
+              <a:t> </a:t>
+            </a:r>
+          </a:p>
+          <a:p>
+            <a:pPr marL="0" marR="0" lvl="0" indent="0" algn="l" rtl="0">
+              <a:lnSpc>
+                <a:spcPct val="100000"/>
+              </a:lnSpc>
+              <a:spcBef>
+                <a:spcPts val="0"/>
+              </a:spcBef>
+              <a:spcAft>
+                <a:spcPts val="0"/>
+              </a:spcAft>
+              <a:buClr>
+                <a:srgbClr val="000000"/>
+              </a:buClr>
+              <a:buSzPts val="2000"/>
+              <a:buFont typeface="Arial"/>
+              <a:buNone/>
+            </a:pPr>
+            <a:r>
+              <a:rPr lang="en-US" sz="2000" b="0" i="0" u="none" strike="noStrike" cap="none" dirty="0">
+                <a:solidFill>
+                  <a:schemeClr val="lt1"/>
+                </a:solidFill>
+                <a:latin typeface="Arial Narrow"/>
+                <a:ea typeface="Arial Narrow"/>
+                <a:cs typeface="Arial Narrow"/>
+                <a:sym typeface="Arial Narrow"/>
+              </a:rPr>
+              <a:t>     ………………………………. </a:t>
+            </a:r>
+            <a:r>
+              <a:rPr lang="en-US" sz="2000" b="1" i="0" u="none" strike="noStrike" cap="none" dirty="0">
+                <a:solidFill>
+                  <a:srgbClr val="8CD872"/>
+                </a:solidFill>
+                <a:latin typeface="Arial Narrow"/>
+                <a:ea typeface="Arial Narrow"/>
+                <a:cs typeface="Arial Narrow"/>
+                <a:sym typeface="Arial Narrow"/>
+              </a:rPr>
+              <a:t>5</a:t>
+            </a:r>
+            <a:endParaRPr sz="2000" b="0" i="0" u="none" strike="noStrike" cap="none" dirty="0">
               <a:solidFill>
                 <a:srgbClr val="000000"/>
               </a:solidFill>
@@ -16416,7 +15751,7 @@
         </p:nvCxnSpPr>
         <p:spPr>
           <a:xfrm>
-            <a:off x="176323" y="2844294"/>
+            <a:off x="176323" y="2509620"/>
             <a:ext cx="7350900" cy="0"/>
           </a:xfrm>
           <a:prstGeom prst="straightConnector1">
@@ -16442,7 +15777,7 @@
         </p:nvCxnSpPr>
         <p:spPr>
           <a:xfrm>
-            <a:off x="176323" y="6352823"/>
+            <a:off x="180313" y="7243303"/>
             <a:ext cx="7350900" cy="0"/>
           </a:xfrm>
           <a:prstGeom prst="straightConnector1">
@@ -16468,8 +15803,8 @@
         </p:nvSpPr>
         <p:spPr>
           <a:xfrm>
-            <a:off x="4043496" y="5640135"/>
-            <a:ext cx="3491700" cy="3410332"/>
+            <a:off x="4047486" y="6501003"/>
+            <a:ext cx="3491700" cy="3179500"/>
           </a:xfrm>
           <a:prstGeom prst="rect">
             <a:avLst/>
@@ -16553,34 +15888,6 @@
             </a:endParaRPr>
           </a:p>
           <a:p>
-            <a:pPr marL="0" marR="0" lvl="0" indent="0" algn="l" rtl="0">
-              <a:lnSpc>
-                <a:spcPct val="100000"/>
-              </a:lnSpc>
-              <a:spcBef>
-                <a:spcPts val="0"/>
-              </a:spcBef>
-              <a:spcAft>
-                <a:spcPts val="0"/>
-              </a:spcAft>
-              <a:buClr>
-                <a:srgbClr val="000000"/>
-              </a:buClr>
-              <a:buSzPts val="2000"/>
-              <a:buFont typeface="Arial"/>
-              <a:buNone/>
-            </a:pPr>
-            <a:endParaRPr sz="2000" b="0" i="0" u="none" strike="noStrike" cap="none" dirty="0">
-              <a:solidFill>
-                <a:schemeClr val="lt1"/>
-              </a:solidFill>
-              <a:latin typeface="Arial Narrow"/>
-              <a:ea typeface="Arial Narrow"/>
-              <a:cs typeface="Arial Narrow"/>
-              <a:sym typeface="Arial Narrow"/>
-            </a:endParaRPr>
-          </a:p>
-          <a:p>
             <a:pPr marL="304800" marR="0" lvl="0" indent="-304800" algn="l" rtl="0">
               <a:lnSpc>
                 <a:spcPct val="100000"/>
@@ -16608,7 +15915,7 @@
                 <a:cs typeface="Arial Narrow"/>
                 <a:sym typeface="Arial Narrow"/>
               </a:rPr>
-              <a:t>Guanabana ………………... </a:t>
+              <a:t>Guanabana ……………… </a:t>
             </a:r>
             <a:r>
               <a:rPr lang="en-US" sz="2000" b="1" i="0" u="none" strike="noStrike" cap="none" dirty="0">
@@ -16622,7 +15929,7 @@
               </a:rPr>
               <a:t>4.5</a:t>
             </a:r>
-            <a:endParaRPr sz="1500" b="0" i="0" u="none" strike="noStrike" cap="none" dirty="0">
+            <a:endParaRPr lang="en-US" sz="1500" b="0" i="0" u="none" strike="noStrike" cap="none" dirty="0">
               <a:solidFill>
                 <a:srgbClr val="000000"/>
               </a:solidFill>
@@ -16633,35 +15940,23 @@
             </a:endParaRPr>
           </a:p>
           <a:p>
-            <a:pPr marL="0" marR="0" lvl="0" indent="0" algn="l" rtl="0">
-              <a:lnSpc>
-                <a:spcPct val="100000"/>
-              </a:lnSpc>
-              <a:spcBef>
-                <a:spcPts val="0"/>
-              </a:spcBef>
-              <a:spcAft>
-                <a:spcPts val="0"/>
-              </a:spcAft>
-              <a:buClr>
-                <a:srgbClr val="000000"/>
-              </a:buClr>
-              <a:buSzPts val="2000"/>
-              <a:buFont typeface="Arial"/>
-              <a:buNone/>
+            <a:pPr marL="1003300" marR="0" lvl="1" indent="-349250" algn="l" rtl="0">
+              <a:lnSpc>
+                <a:spcPct val="100000"/>
+              </a:lnSpc>
+              <a:spcBef>
+                <a:spcPts val="0"/>
+              </a:spcBef>
+              <a:spcAft>
+                <a:spcPts val="0"/>
+              </a:spcAft>
+              <a:buClr>
+                <a:schemeClr val="lt1"/>
+              </a:buClr>
+              <a:buSzPts val="1500"/>
+              <a:buFont typeface="Arial Narrow"/>
+              <a:buChar char="○"/>
             </a:pPr>
-            <a:r>
-              <a:rPr lang="en-US" sz="2000" b="0" i="0" u="none" strike="noStrike" cap="none" dirty="0">
-                <a:solidFill>
-                  <a:schemeClr val="lt1"/>
-                </a:solidFill>
-                <a:latin typeface="Arial Narrow"/>
-                <a:ea typeface="Arial Narrow"/>
-                <a:cs typeface="Arial Narrow"/>
-                <a:sym typeface="Arial Narrow"/>
-              </a:rPr>
-              <a:t>	</a:t>
-            </a:r>
             <a:r>
               <a:rPr lang="en-US" sz="1500" b="0" i="1" u="none" strike="noStrike" cap="none" dirty="0">
                 <a:solidFill>
@@ -16685,18 +15980,6 @@
                 <a:sym typeface="Arial Narrow"/>
               </a:rPr>
             </a:br>
-            <a:r>
-              <a:rPr lang="en-US" sz="1500" i="1" dirty="0">
-                <a:solidFill>
-                  <a:schemeClr val="lt1"/>
-                </a:solidFill>
-                <a:latin typeface="Arial Narrow"/>
-                <a:ea typeface="Arial Narrow"/>
-                <a:cs typeface="Arial Narrow"/>
-                <a:sym typeface="Arial Narrow"/>
-              </a:rPr>
-              <a:t>	</a:t>
-            </a:r>
             <a:r>
               <a:rPr lang="en-US" sz="1500" b="0" i="1" u="none" strike="noStrike" cap="none" dirty="0">
                 <a:solidFill>
@@ -16793,8 +16076,48 @@
               </a:rPr>
               <a:t>3</a:t>
             </a:r>
+            <a:endParaRPr lang="en-US" sz="1500" b="0" i="0" u="none" strike="noStrike" cap="none" dirty="0">
+              <a:solidFill>
+                <a:srgbClr val="000000"/>
+              </a:solidFill>
+              <a:latin typeface="Arial"/>
+              <a:ea typeface="Arial"/>
+              <a:cs typeface="Arial"/>
+              <a:sym typeface="Arial"/>
+            </a:endParaRPr>
+          </a:p>
+          <a:p>
+            <a:pPr marL="1003300" marR="0" lvl="1" indent="-349250" algn="l" rtl="0">
+              <a:lnSpc>
+                <a:spcPct val="100000"/>
+              </a:lnSpc>
+              <a:spcBef>
+                <a:spcPts val="0"/>
+              </a:spcBef>
+              <a:spcAft>
+                <a:spcPts val="0"/>
+              </a:spcAft>
+              <a:buClr>
+                <a:schemeClr val="lt1"/>
+              </a:buClr>
+              <a:buSzPts val="1500"/>
+              <a:buFont typeface="Arial Narrow"/>
+              <a:buChar char="○"/>
+            </a:pPr>
+            <a:r>
+              <a:rPr lang="en-US" sz="1500" b="0" i="1" u="none" strike="noStrike" cap="none" dirty="0">
+                <a:solidFill>
+                  <a:schemeClr val="lt1"/>
+                </a:solidFill>
+                <a:latin typeface="Arial Narrow"/>
+                <a:ea typeface="Arial Narrow"/>
+                <a:cs typeface="Arial Narrow"/>
+                <a:sym typeface="Arial Narrow"/>
+              </a:rPr>
+              <a:t>Gatorade, Red Bull, Coke,</a:t>
+            </a:r>
             <a:br>
-              <a:rPr lang="en-US" sz="2000" b="0" i="0" u="none" strike="noStrike" cap="none" dirty="0">
+              <a:rPr lang="en-US" sz="1500" b="0" i="1" u="none" strike="noStrike" cap="none" dirty="0">
                 <a:solidFill>
                   <a:schemeClr val="lt1"/>
                 </a:solidFill>
@@ -16804,6 +16127,18 @@
                 <a:sym typeface="Arial Narrow"/>
               </a:rPr>
             </a:br>
+            <a:r>
+              <a:rPr lang="en-US" sz="1500" b="0" i="1" u="none" strike="noStrike" cap="none" dirty="0">
+                <a:solidFill>
+                  <a:schemeClr val="lt1"/>
+                </a:solidFill>
+                <a:latin typeface="Arial Narrow"/>
+                <a:ea typeface="Arial Narrow"/>
+                <a:cs typeface="Arial Narrow"/>
+                <a:sym typeface="Arial Narrow"/>
+              </a:rPr>
+              <a:t>Sprite, Fanta, Iced Tea, etc.</a:t>
+            </a:r>
             <a:endParaRPr sz="2000" b="0" i="0" u="none" strike="noStrike" cap="none" dirty="0">
               <a:solidFill>
                 <a:schemeClr val="lt1"/>
@@ -16948,7 +16283,7 @@
         </p:nvSpPr>
         <p:spPr>
           <a:xfrm>
-            <a:off x="170226" y="9560531"/>
+            <a:off x="170226" y="9638223"/>
             <a:ext cx="3438300" cy="378900"/>
           </a:xfrm>
           <a:prstGeom prst="rect">
@@ -17037,7 +16372,7 @@
         </p:blipFill>
         <p:spPr>
           <a:xfrm>
-            <a:off x="1436019" y="8739999"/>
+            <a:off x="1436019" y="8817691"/>
             <a:ext cx="782375" cy="782375"/>
           </a:xfrm>
           <a:prstGeom prst="rect">
@@ -17049,6 +16384,1455 @@
           </a:ln>
         </p:spPr>
       </p:pic>
+      <p:sp>
+        <p:nvSpPr>
+          <p:cNvPr id="14" name="Google Shape;91;p1">
+            <a:extLst>
+              <a:ext uri="{FF2B5EF4-FFF2-40B4-BE49-F238E27FC236}">
+                <a16:creationId xmlns:a16="http://schemas.microsoft.com/office/drawing/2014/main" id="{6C3E6655-7ABD-406F-9B2A-75B0018826B2}"/>
+              </a:ext>
+            </a:extLst>
+          </p:cNvPr>
+          <p:cNvSpPr/>
+          <p:nvPr/>
+        </p:nvSpPr>
+        <p:spPr>
+          <a:xfrm>
+            <a:off x="403262" y="5157774"/>
+            <a:ext cx="7039358" cy="1402418"/>
+          </a:xfrm>
+          <a:prstGeom prst="roundRect">
+            <a:avLst>
+              <a:gd name="adj" fmla="val 4489"/>
+            </a:avLst>
+          </a:prstGeom>
+          <a:solidFill>
+            <a:srgbClr val="3F3F3F"/>
+          </a:solidFill>
+          <a:ln>
+            <a:noFill/>
+          </a:ln>
+        </p:spPr>
+        <p:txBody>
+          <a:bodyPr spcFirstLastPara="1" wrap="square" lIns="298525" tIns="149225" rIns="298525" bIns="149225" anchor="ctr" anchorCtr="0">
+            <a:noAutofit/>
+          </a:bodyPr>
+          <a:lstStyle/>
+          <a:p>
+            <a:pPr marL="0" marR="0" lvl="0" indent="0" algn="ctr" rtl="0">
+              <a:spcBef>
+                <a:spcPts val="0"/>
+              </a:spcBef>
+              <a:spcAft>
+                <a:spcPts val="0"/>
+              </a:spcAft>
+              <a:buNone/>
+            </a:pPr>
+            <a:endParaRPr sz="5900" b="0" i="0" u="none" strike="noStrike" cap="none">
+              <a:solidFill>
+                <a:schemeClr val="lt1"/>
+              </a:solidFill>
+              <a:latin typeface="Arial"/>
+              <a:ea typeface="Arial"/>
+              <a:cs typeface="Arial"/>
+              <a:sym typeface="Arial"/>
+            </a:endParaRPr>
+          </a:p>
+        </p:txBody>
+      </p:sp>
+      <p:sp>
+        <p:nvSpPr>
+          <p:cNvPr id="93" name="Google Shape;93;p13"/>
+          <p:cNvSpPr txBox="1"/>
+          <p:nvPr/>
+        </p:nvSpPr>
+        <p:spPr>
+          <a:xfrm>
+            <a:off x="303733" y="1815534"/>
+            <a:ext cx="7127100" cy="4856882"/>
+          </a:xfrm>
+          <a:prstGeom prst="rect">
+            <a:avLst/>
+          </a:prstGeom>
+          <a:noFill/>
+          <a:ln>
+            <a:noFill/>
+          </a:ln>
+        </p:spPr>
+        <p:txBody>
+          <a:bodyPr spcFirstLastPara="1" wrap="square" lIns="100775" tIns="50375" rIns="100775" bIns="50375" anchor="t" anchorCtr="0">
+            <a:spAutoFit/>
+          </a:bodyPr>
+          <a:lstStyle/>
+          <a:p>
+            <a:pPr marL="0" marR="0" lvl="0" indent="0" algn="l" rtl="0">
+              <a:lnSpc>
+                <a:spcPct val="100000"/>
+              </a:lnSpc>
+              <a:spcBef>
+                <a:spcPts val="0"/>
+              </a:spcBef>
+              <a:spcAft>
+                <a:spcPts val="0"/>
+              </a:spcAft>
+              <a:buClr>
+                <a:srgbClr val="000000"/>
+              </a:buClr>
+              <a:buSzPts val="4000"/>
+              <a:buFont typeface="Arial"/>
+              <a:buNone/>
+            </a:pPr>
+            <a:r>
+              <a:rPr lang="en-US" sz="4000" b="1" i="0" u="none" strike="noStrike" cap="none" dirty="0">
+                <a:solidFill>
+                  <a:schemeClr val="lt1"/>
+                </a:solidFill>
+                <a:latin typeface="Arial Narrow"/>
+                <a:ea typeface="Arial Narrow"/>
+                <a:cs typeface="Arial Narrow"/>
+                <a:sym typeface="Arial Narrow"/>
+              </a:rPr>
+              <a:t>Lunch / Dinner</a:t>
+            </a:r>
+            <a:endParaRPr sz="4000" b="0" i="0" u="none" strike="noStrike" cap="none" dirty="0">
+              <a:solidFill>
+                <a:schemeClr val="lt1"/>
+              </a:solidFill>
+              <a:latin typeface="Arial Narrow"/>
+              <a:ea typeface="Arial Narrow"/>
+              <a:cs typeface="Arial Narrow"/>
+              <a:sym typeface="Arial Narrow"/>
+            </a:endParaRPr>
+          </a:p>
+          <a:p>
+            <a:pPr marL="0" marR="0" lvl="0" indent="0" algn="l" rtl="0">
+              <a:lnSpc>
+                <a:spcPct val="100000"/>
+              </a:lnSpc>
+              <a:spcBef>
+                <a:spcPts val="0"/>
+              </a:spcBef>
+              <a:spcAft>
+                <a:spcPts val="0"/>
+              </a:spcAft>
+              <a:buClr>
+                <a:srgbClr val="000000"/>
+              </a:buClr>
+              <a:buSzPts val="2000"/>
+              <a:buFont typeface="Arial"/>
+              <a:buNone/>
+            </a:pPr>
+            <a:endParaRPr sz="2000" b="1" i="0" u="none" strike="noStrike" cap="none" dirty="0">
+              <a:solidFill>
+                <a:schemeClr val="lt1"/>
+              </a:solidFill>
+              <a:latin typeface="Arial Narrow"/>
+              <a:ea typeface="Arial Narrow"/>
+              <a:cs typeface="Arial Narrow"/>
+              <a:sym typeface="Arial Narrow"/>
+            </a:endParaRPr>
+          </a:p>
+          <a:p>
+            <a:pPr marL="508000" marR="0" lvl="0" indent="-349250" algn="l" rtl="0">
+              <a:lnSpc>
+                <a:spcPct val="100000"/>
+              </a:lnSpc>
+              <a:spcBef>
+                <a:spcPts val="0"/>
+              </a:spcBef>
+              <a:spcAft>
+                <a:spcPts val="0"/>
+              </a:spcAft>
+              <a:buClr>
+                <a:schemeClr val="lt1"/>
+              </a:buClr>
+              <a:buSzPts val="1500"/>
+              <a:buFont typeface="Arial Narrow"/>
+              <a:buChar char="●"/>
+            </a:pPr>
+            <a:r>
+              <a:rPr lang="en-US" sz="2000" b="1" i="0" u="none" strike="noStrike" cap="none" dirty="0">
+                <a:solidFill>
+                  <a:schemeClr val="lt1"/>
+                </a:solidFill>
+                <a:latin typeface="Arial Narrow"/>
+                <a:ea typeface="Arial Narrow"/>
+                <a:cs typeface="Arial Narrow"/>
+                <a:sym typeface="Arial Narrow"/>
+              </a:rPr>
+              <a:t>Cheeseburger</a:t>
+            </a:r>
+            <a:r>
+              <a:rPr lang="en-US" sz="2000" i="0" u="none" strike="noStrike" cap="none" dirty="0">
+                <a:solidFill>
+                  <a:schemeClr val="lt1"/>
+                </a:solidFill>
+                <a:latin typeface="Arial Narrow"/>
+                <a:ea typeface="Arial Narrow"/>
+                <a:cs typeface="Arial Narrow"/>
+                <a:sym typeface="Arial Narrow"/>
+              </a:rPr>
+              <a:t> ……………………………..................................</a:t>
+            </a:r>
+            <a:r>
+              <a:rPr lang="en-US" sz="2000" dirty="0">
+                <a:solidFill>
+                  <a:srgbClr val="8CD872"/>
+                </a:solidFill>
+                <a:latin typeface="Arial Narrow"/>
+                <a:ea typeface="Arial Narrow"/>
+                <a:cs typeface="Arial Narrow"/>
+                <a:sym typeface="Arial Narrow"/>
+              </a:rPr>
+              <a:t>. </a:t>
+            </a:r>
+            <a:r>
+              <a:rPr lang="en-US" sz="2000" b="0" i="0" u="none" strike="noStrike" cap="none" dirty="0">
+                <a:solidFill>
+                  <a:srgbClr val="8CD872"/>
+                </a:solidFill>
+                <a:latin typeface="Arial Narrow"/>
+                <a:ea typeface="Arial Narrow"/>
+                <a:cs typeface="Arial Narrow"/>
+                <a:sym typeface="Arial Narrow"/>
+              </a:rPr>
+              <a:t> </a:t>
+            </a:r>
+            <a:r>
+              <a:rPr lang="en-US" sz="2000" b="1" i="0" u="none" strike="noStrike" cap="none" dirty="0">
+                <a:solidFill>
+                  <a:srgbClr val="8CD872"/>
+                </a:solidFill>
+                <a:latin typeface="Arial Narrow"/>
+                <a:ea typeface="Arial Narrow"/>
+                <a:cs typeface="Arial Narrow"/>
+                <a:sym typeface="Arial Narrow"/>
+              </a:rPr>
+              <a:t>13.5</a:t>
+            </a:r>
+          </a:p>
+          <a:p>
+            <a:pPr marL="1003300" marR="0" lvl="1" indent="-381000" algn="l" rtl="0">
+              <a:lnSpc>
+                <a:spcPct val="100000"/>
+              </a:lnSpc>
+              <a:spcBef>
+                <a:spcPts val="0"/>
+              </a:spcBef>
+              <a:spcAft>
+                <a:spcPts val="0"/>
+              </a:spcAft>
+              <a:buClr>
+                <a:schemeClr val="lt1"/>
+              </a:buClr>
+              <a:buSzPts val="2000"/>
+              <a:buFont typeface="Arial Narrow"/>
+              <a:buChar char="○"/>
+            </a:pPr>
+            <a:r>
+              <a:rPr lang="en-US" sz="2000" dirty="0">
+                <a:solidFill>
+                  <a:schemeClr val="lt1"/>
+                </a:solidFill>
+                <a:latin typeface="Arial Narrow"/>
+                <a:ea typeface="Arial Narrow"/>
+                <a:cs typeface="Arial Narrow"/>
+                <a:sym typeface="Arial Narrow"/>
+              </a:rPr>
+              <a:t>With</a:t>
+            </a:r>
+            <a:r>
+              <a:rPr lang="en-US" sz="2000" b="1" dirty="0">
+                <a:solidFill>
+                  <a:schemeClr val="lt1"/>
+                </a:solidFill>
+                <a:latin typeface="Arial Narrow"/>
+                <a:ea typeface="Arial Narrow"/>
+                <a:cs typeface="Arial Narrow"/>
+                <a:sym typeface="Arial Narrow"/>
+              </a:rPr>
+              <a:t> bacon </a:t>
+            </a:r>
+            <a:r>
+              <a:rPr lang="en-US" sz="2000" i="0" u="none" strike="noStrike" cap="none" dirty="0">
+                <a:solidFill>
+                  <a:schemeClr val="lt1"/>
+                </a:solidFill>
+                <a:latin typeface="Arial Narrow"/>
+                <a:ea typeface="Arial Narrow"/>
+                <a:cs typeface="Arial Narrow"/>
+                <a:sym typeface="Arial Narrow"/>
+              </a:rPr>
+              <a:t>……………………….................................. </a:t>
+            </a:r>
+            <a:r>
+              <a:rPr lang="en-US" sz="2000" b="1" dirty="0">
+                <a:solidFill>
+                  <a:srgbClr val="8CD872"/>
+                </a:solidFill>
+                <a:latin typeface="Arial Narrow"/>
+                <a:ea typeface="Arial Narrow"/>
+                <a:cs typeface="Arial Narrow"/>
+                <a:sym typeface="Arial Narrow"/>
+              </a:rPr>
+              <a:t>Add 1</a:t>
+            </a:r>
+            <a:r>
+              <a:rPr lang="en-US" sz="2000" b="1" i="0" u="none" strike="noStrike" cap="none" dirty="0">
+                <a:solidFill>
+                  <a:srgbClr val="8CD872"/>
+                </a:solidFill>
+                <a:latin typeface="Arial Narrow"/>
+                <a:ea typeface="Arial Narrow"/>
+                <a:cs typeface="Arial Narrow"/>
+                <a:sym typeface="Arial Narrow"/>
+              </a:rPr>
+              <a:t>.5</a:t>
+            </a:r>
+            <a:endParaRPr lang="en-US" sz="2000" b="1" i="0" u="none" strike="noStrike" cap="none" dirty="0">
+              <a:solidFill>
+                <a:schemeClr val="lt1"/>
+              </a:solidFill>
+              <a:latin typeface="Arial Narrow"/>
+              <a:ea typeface="Arial Narrow"/>
+              <a:cs typeface="Arial Narrow"/>
+              <a:sym typeface="Arial Narrow"/>
+            </a:endParaRPr>
+          </a:p>
+          <a:p>
+            <a:pPr marL="508000" indent="-349250">
+              <a:buClr>
+                <a:schemeClr val="lt1"/>
+              </a:buClr>
+              <a:buSzPts val="1500"/>
+              <a:buFont typeface="Arial Narrow"/>
+              <a:buChar char="●"/>
+            </a:pPr>
+            <a:r>
+              <a:rPr lang="en-US" sz="2000" b="1" i="0" u="none" strike="noStrike" cap="none">
+                <a:solidFill>
+                  <a:schemeClr val="lt1"/>
+                </a:solidFill>
+                <a:latin typeface="Arial Narrow"/>
+                <a:ea typeface="Arial Narrow"/>
+                <a:cs typeface="Arial Narrow"/>
+                <a:sym typeface="Arial Narrow"/>
+              </a:rPr>
+              <a:t>Smoked Chicken </a:t>
+            </a:r>
+            <a:r>
+              <a:rPr lang="en-US" sz="2000" b="1" i="0" u="none" strike="noStrike" cap="none" dirty="0">
+                <a:solidFill>
+                  <a:schemeClr val="lt1"/>
+                </a:solidFill>
+                <a:latin typeface="Arial Narrow"/>
+                <a:ea typeface="Arial Narrow"/>
+                <a:cs typeface="Arial Narrow"/>
+                <a:sym typeface="Arial Narrow"/>
+              </a:rPr>
+              <a:t>Sandwich</a:t>
+            </a:r>
+            <a:r>
+              <a:rPr lang="en-US" sz="2000" i="0" u="none" strike="noStrike" cap="none" dirty="0">
+                <a:solidFill>
+                  <a:schemeClr val="lt1"/>
+                </a:solidFill>
+                <a:latin typeface="Arial Narrow"/>
+                <a:ea typeface="Arial Narrow"/>
+                <a:cs typeface="Arial Narrow"/>
+                <a:sym typeface="Arial Narrow"/>
+              </a:rPr>
+              <a:t> ………….......................................</a:t>
+            </a:r>
+            <a:r>
+              <a:rPr lang="en-US" sz="2000" dirty="0">
+                <a:solidFill>
+                  <a:srgbClr val="8CD872"/>
+                </a:solidFill>
+                <a:latin typeface="Arial Narrow"/>
+                <a:ea typeface="Arial Narrow"/>
+                <a:cs typeface="Arial Narrow"/>
+                <a:sym typeface="Arial Narrow"/>
+              </a:rPr>
+              <a:t>.</a:t>
+            </a:r>
+            <a:r>
+              <a:rPr lang="en-US" sz="2000" b="0" i="0" u="none" strike="noStrike" cap="none" dirty="0">
+                <a:solidFill>
+                  <a:srgbClr val="8CD872"/>
+                </a:solidFill>
+                <a:latin typeface="Arial Narrow"/>
+                <a:ea typeface="Arial Narrow"/>
+                <a:cs typeface="Arial Narrow"/>
+                <a:sym typeface="Arial Narrow"/>
+              </a:rPr>
+              <a:t>  </a:t>
+            </a:r>
+            <a:r>
+              <a:rPr lang="en-US" sz="2000" b="1" i="0" u="none" strike="noStrike" cap="none" dirty="0">
+                <a:solidFill>
+                  <a:srgbClr val="8CD872"/>
+                </a:solidFill>
+                <a:latin typeface="Arial Narrow"/>
+                <a:ea typeface="Arial Narrow"/>
+                <a:cs typeface="Arial Narrow"/>
+                <a:sym typeface="Arial Narrow"/>
+              </a:rPr>
+              <a:t>13</a:t>
+            </a:r>
+          </a:p>
+          <a:p>
+            <a:pPr marL="508000" marR="0" lvl="0" indent="-349250" algn="l" rtl="0">
+              <a:lnSpc>
+                <a:spcPct val="100000"/>
+              </a:lnSpc>
+              <a:spcBef>
+                <a:spcPts val="0"/>
+              </a:spcBef>
+              <a:spcAft>
+                <a:spcPts val="0"/>
+              </a:spcAft>
+              <a:buClr>
+                <a:schemeClr val="lt1"/>
+              </a:buClr>
+              <a:buSzPts val="1500"/>
+              <a:buFont typeface="Arial Narrow"/>
+              <a:buChar char="●"/>
+            </a:pPr>
+            <a:r>
+              <a:rPr lang="en-US" sz="2000" b="1" i="0" u="none" strike="noStrike" cap="none" dirty="0">
+                <a:solidFill>
+                  <a:schemeClr val="lt1"/>
+                </a:solidFill>
+                <a:latin typeface="Arial Narrow"/>
+                <a:ea typeface="Arial Narrow"/>
+                <a:cs typeface="Arial Narrow"/>
+                <a:sym typeface="Arial Narrow"/>
+              </a:rPr>
+              <a:t>Beer Brat </a:t>
+            </a:r>
+            <a:r>
+              <a:rPr lang="en-US" sz="2000" i="0" u="none" strike="noStrike" cap="none" dirty="0">
+                <a:solidFill>
+                  <a:schemeClr val="lt1"/>
+                </a:solidFill>
+                <a:latin typeface="Arial Narrow"/>
+                <a:ea typeface="Arial Narrow"/>
+                <a:cs typeface="Arial Narrow"/>
+                <a:sym typeface="Arial Narrow"/>
+              </a:rPr>
+              <a:t>………………………………....................................</a:t>
+            </a:r>
+            <a:r>
+              <a:rPr lang="en-US" sz="2000" dirty="0">
+                <a:solidFill>
+                  <a:schemeClr val="lt1"/>
+                </a:solidFill>
+                <a:latin typeface="Arial Narrow"/>
+                <a:ea typeface="Arial Narrow"/>
+                <a:cs typeface="Arial Narrow"/>
+                <a:sym typeface="Arial Narrow"/>
+              </a:rPr>
+              <a:t>.</a:t>
+            </a:r>
+            <a:r>
+              <a:rPr lang="en-US" sz="2000" i="0" u="none" strike="noStrike" cap="none" dirty="0">
+                <a:solidFill>
+                  <a:schemeClr val="lt1"/>
+                </a:solidFill>
+                <a:latin typeface="Arial Narrow"/>
+                <a:ea typeface="Arial Narrow"/>
+                <a:cs typeface="Arial Narrow"/>
+                <a:sym typeface="Arial Narrow"/>
+              </a:rPr>
+              <a:t>..... </a:t>
+            </a:r>
+            <a:r>
+              <a:rPr lang="en-US" sz="2000" b="0" i="0" u="none" strike="noStrike" cap="none" dirty="0">
+                <a:solidFill>
+                  <a:srgbClr val="8CD872"/>
+                </a:solidFill>
+                <a:latin typeface="Arial Narrow"/>
+                <a:ea typeface="Arial Narrow"/>
+                <a:cs typeface="Arial Narrow"/>
+                <a:sym typeface="Arial Narrow"/>
+              </a:rPr>
+              <a:t> </a:t>
+            </a:r>
+            <a:r>
+              <a:rPr lang="en-US" sz="2000" b="1" i="0" u="none" strike="noStrike" cap="none" dirty="0">
+                <a:solidFill>
+                  <a:srgbClr val="8CD872"/>
+                </a:solidFill>
+                <a:latin typeface="Arial Narrow"/>
+                <a:ea typeface="Arial Narrow"/>
+                <a:cs typeface="Arial Narrow"/>
+                <a:sym typeface="Arial Narrow"/>
+              </a:rPr>
+              <a:t>10</a:t>
+            </a:r>
+            <a:endParaRPr sz="2000" b="1" i="0" u="none" strike="noStrike" cap="none" dirty="0">
+              <a:solidFill>
+                <a:srgbClr val="8CD872"/>
+              </a:solidFill>
+              <a:latin typeface="Arial Narrow"/>
+              <a:ea typeface="Arial Narrow"/>
+              <a:cs typeface="Arial Narrow"/>
+              <a:sym typeface="Arial Narrow"/>
+            </a:endParaRPr>
+          </a:p>
+          <a:p>
+            <a:pPr marL="1003300" marR="0" lvl="1" indent="-381000" algn="l" rtl="0">
+              <a:lnSpc>
+                <a:spcPct val="100000"/>
+              </a:lnSpc>
+              <a:spcBef>
+                <a:spcPts val="0"/>
+              </a:spcBef>
+              <a:spcAft>
+                <a:spcPts val="0"/>
+              </a:spcAft>
+              <a:buClr>
+                <a:schemeClr val="lt1"/>
+              </a:buClr>
+              <a:buSzPts val="2000"/>
+              <a:buFont typeface="Arial Narrow"/>
+              <a:buChar char="○"/>
+            </a:pPr>
+            <a:r>
+              <a:rPr lang="en-US" sz="2000" b="1" i="0" u="none" strike="noStrike" cap="none" dirty="0">
+                <a:solidFill>
+                  <a:schemeClr val="lt1"/>
+                </a:solidFill>
+                <a:latin typeface="Arial Narrow"/>
+                <a:ea typeface="Arial Narrow"/>
+                <a:cs typeface="Arial Narrow"/>
+                <a:sym typeface="Arial Narrow"/>
+              </a:rPr>
+              <a:t>Meal deal:</a:t>
+            </a:r>
+            <a:r>
+              <a:rPr lang="en-US" sz="2000" b="0" i="0" u="none" strike="noStrike" cap="none" dirty="0">
+                <a:solidFill>
+                  <a:schemeClr val="lt1"/>
+                </a:solidFill>
+                <a:latin typeface="Arial Narrow"/>
+                <a:ea typeface="Arial Narrow"/>
+                <a:cs typeface="Arial Narrow"/>
+                <a:sym typeface="Arial Narrow"/>
+              </a:rPr>
+              <a:t> </a:t>
+            </a:r>
+            <a:r>
+              <a:rPr lang="en-US" sz="2000" i="0" u="none" strike="noStrike" cap="none" dirty="0">
+                <a:solidFill>
+                  <a:schemeClr val="lt1"/>
+                </a:solidFill>
+                <a:latin typeface="Arial Narrow"/>
+                <a:ea typeface="Arial Narrow"/>
+                <a:cs typeface="Arial Narrow"/>
+                <a:sym typeface="Arial Narrow"/>
+              </a:rPr>
+              <a:t>Chips</a:t>
+            </a:r>
+            <a:r>
+              <a:rPr lang="en-US" sz="2000" b="0" i="0" u="none" strike="noStrike" cap="none" dirty="0">
+                <a:solidFill>
+                  <a:schemeClr val="lt1"/>
+                </a:solidFill>
+                <a:latin typeface="Arial Narrow"/>
+                <a:ea typeface="Arial Narrow"/>
+                <a:cs typeface="Arial Narrow"/>
+                <a:sym typeface="Arial Narrow"/>
+              </a:rPr>
+              <a:t> and drink ………………</a:t>
+            </a:r>
+            <a:r>
+              <a:rPr lang="en-US" sz="2000" dirty="0">
+                <a:solidFill>
+                  <a:schemeClr val="lt1"/>
+                </a:solidFill>
+                <a:latin typeface="Arial Narrow"/>
+                <a:ea typeface="Arial Narrow"/>
+                <a:cs typeface="Arial Narrow"/>
+                <a:sym typeface="Arial Narrow"/>
+              </a:rPr>
+              <a:t>………</a:t>
+            </a:r>
+            <a:r>
+              <a:rPr lang="en-US" sz="2000" b="0" i="0" u="none" strike="noStrike" cap="none" dirty="0">
+                <a:solidFill>
+                  <a:schemeClr val="lt1"/>
+                </a:solidFill>
+                <a:latin typeface="Arial Narrow"/>
+                <a:ea typeface="Arial Narrow"/>
+                <a:cs typeface="Arial Narrow"/>
+                <a:sym typeface="Arial Narrow"/>
+              </a:rPr>
+              <a:t>.…</a:t>
+            </a:r>
+            <a:r>
+              <a:rPr lang="en-US" sz="2000" dirty="0">
+                <a:solidFill>
+                  <a:schemeClr val="lt1"/>
+                </a:solidFill>
+                <a:latin typeface="Arial Narrow"/>
+                <a:ea typeface="Arial Narrow"/>
+                <a:cs typeface="Arial Narrow"/>
+                <a:sym typeface="Arial Narrow"/>
+              </a:rPr>
+              <a:t>…..</a:t>
+            </a:r>
+            <a:r>
+              <a:rPr lang="en-US" sz="2000" b="0" i="0" u="none" strike="noStrike" cap="none" dirty="0">
+                <a:solidFill>
+                  <a:schemeClr val="lt1"/>
+                </a:solidFill>
+                <a:latin typeface="Arial Narrow"/>
+                <a:ea typeface="Arial Narrow"/>
+                <a:cs typeface="Arial Narrow"/>
+                <a:sym typeface="Arial Narrow"/>
+              </a:rPr>
+              <a:t>  </a:t>
+            </a:r>
+            <a:r>
+              <a:rPr lang="en-US" sz="2000" b="1" i="0" u="none" strike="noStrike" cap="none" dirty="0">
+                <a:solidFill>
+                  <a:srgbClr val="8CD872"/>
+                </a:solidFill>
+                <a:latin typeface="Arial Narrow"/>
+                <a:ea typeface="Arial Narrow"/>
+                <a:cs typeface="Arial Narrow"/>
+                <a:sym typeface="Arial Narrow"/>
+              </a:rPr>
+              <a:t>Add 3</a:t>
+            </a:r>
+            <a:endParaRPr sz="2000" b="0" i="0" u="none" strike="noStrike" cap="none" dirty="0">
+              <a:solidFill>
+                <a:schemeClr val="lt1"/>
+              </a:solidFill>
+              <a:latin typeface="Arial Narrow"/>
+              <a:ea typeface="Arial Narrow"/>
+              <a:cs typeface="Arial Narrow"/>
+              <a:sym typeface="Arial Narrow"/>
+            </a:endParaRPr>
+          </a:p>
+          <a:p>
+            <a:pPr marL="508000" marR="0" lvl="0" indent="-349250" algn="l" rtl="0">
+              <a:lnSpc>
+                <a:spcPct val="100000"/>
+              </a:lnSpc>
+              <a:spcBef>
+                <a:spcPts val="0"/>
+              </a:spcBef>
+              <a:spcAft>
+                <a:spcPts val="0"/>
+              </a:spcAft>
+              <a:buClr>
+                <a:schemeClr val="lt1"/>
+              </a:buClr>
+              <a:buSzPts val="1500"/>
+              <a:buFont typeface="Arial Narrow"/>
+              <a:buChar char="●"/>
+            </a:pPr>
+            <a:r>
+              <a:rPr lang="en-US" sz="2000" b="1" i="0" u="none" strike="noStrike" cap="none" dirty="0" err="1">
+                <a:solidFill>
+                  <a:schemeClr val="lt1"/>
+                </a:solidFill>
+                <a:latin typeface="Arial Narrow"/>
+                <a:ea typeface="Arial Narrow"/>
+                <a:cs typeface="Arial Narrow"/>
+                <a:sym typeface="Arial Narrow"/>
+              </a:rPr>
+              <a:t>Pastelillos</a:t>
+            </a:r>
+            <a:r>
+              <a:rPr lang="en-US" sz="2000" b="1" i="0" u="none" strike="noStrike" cap="none" dirty="0">
+                <a:solidFill>
+                  <a:schemeClr val="lt1"/>
+                </a:solidFill>
+                <a:latin typeface="Arial Narrow"/>
+                <a:ea typeface="Arial Narrow"/>
+                <a:cs typeface="Arial Narrow"/>
+                <a:sym typeface="Arial Narrow"/>
+              </a:rPr>
+              <a:t>  </a:t>
+            </a:r>
+            <a:r>
+              <a:rPr lang="en-US" sz="2000" i="0" u="none" strike="noStrike" cap="none" dirty="0">
+                <a:solidFill>
+                  <a:schemeClr val="lt1"/>
+                </a:solidFill>
+                <a:latin typeface="Arial Narrow"/>
+                <a:ea typeface="Arial Narrow"/>
+                <a:cs typeface="Arial Narrow"/>
+                <a:sym typeface="Arial Narrow"/>
+              </a:rPr>
+              <a:t>………………………………........................................</a:t>
+            </a:r>
+            <a:r>
+              <a:rPr lang="en-US" sz="2000" b="0" i="0" u="none" strike="noStrike" cap="none" dirty="0">
+                <a:solidFill>
+                  <a:schemeClr val="lt1"/>
+                </a:solidFill>
+                <a:latin typeface="Arial Narrow"/>
+                <a:ea typeface="Arial Narrow"/>
+                <a:cs typeface="Arial Narrow"/>
+                <a:sym typeface="Arial Narrow"/>
+              </a:rPr>
+              <a:t>. </a:t>
+            </a:r>
+            <a:r>
+              <a:rPr lang="en-US" sz="2000" dirty="0">
+                <a:solidFill>
+                  <a:srgbClr val="8CD872"/>
+                </a:solidFill>
+                <a:latin typeface="Arial Narrow"/>
+                <a:ea typeface="Arial Narrow"/>
+                <a:cs typeface="Arial Narrow"/>
+                <a:sym typeface="Arial Narrow"/>
+              </a:rPr>
+              <a:t> </a:t>
+            </a:r>
+            <a:r>
+              <a:rPr lang="en-US" sz="2000" b="1" dirty="0">
+                <a:solidFill>
+                  <a:srgbClr val="8CD872"/>
+                </a:solidFill>
+                <a:latin typeface="Arial Narrow"/>
+                <a:ea typeface="Arial Narrow"/>
+                <a:cs typeface="Arial Narrow"/>
+                <a:sym typeface="Arial Narrow"/>
+              </a:rPr>
+              <a:t>5</a:t>
+            </a:r>
+            <a:endParaRPr sz="2000" b="1" i="0" u="none" strike="noStrike" cap="none" dirty="0">
+              <a:solidFill>
+                <a:srgbClr val="8CD872"/>
+              </a:solidFill>
+              <a:latin typeface="Arial Narrow"/>
+              <a:ea typeface="Arial Narrow"/>
+              <a:cs typeface="Arial Narrow"/>
+              <a:sym typeface="Arial Narrow"/>
+            </a:endParaRPr>
+          </a:p>
+          <a:p>
+            <a:pPr marL="1003300" marR="0" lvl="1" indent="-381000" algn="l" rtl="0">
+              <a:lnSpc>
+                <a:spcPct val="100000"/>
+              </a:lnSpc>
+              <a:spcBef>
+                <a:spcPts val="0"/>
+              </a:spcBef>
+              <a:spcAft>
+                <a:spcPts val="0"/>
+              </a:spcAft>
+              <a:buClr>
+                <a:schemeClr val="lt1"/>
+              </a:buClr>
+              <a:buSzPts val="2000"/>
+              <a:buFont typeface="Arial Narrow"/>
+              <a:buChar char="○"/>
+            </a:pPr>
+            <a:r>
+              <a:rPr lang="en-US" sz="2000" b="0" i="0" u="none" strike="noStrike" cap="none" dirty="0">
+                <a:solidFill>
+                  <a:schemeClr val="lt1"/>
+                </a:solidFill>
+                <a:latin typeface="Arial Narrow"/>
+                <a:ea typeface="Arial Narrow"/>
+                <a:cs typeface="Arial Narrow"/>
+                <a:sym typeface="Arial Narrow"/>
+              </a:rPr>
+              <a:t>Stuffed fried </a:t>
+            </a:r>
+            <a:r>
+              <a:rPr lang="en-US" sz="2000" b="1" i="0" u="none" strike="noStrike" cap="none" dirty="0">
+                <a:solidFill>
+                  <a:schemeClr val="lt1"/>
+                </a:solidFill>
+                <a:latin typeface="Arial Narrow"/>
+                <a:ea typeface="Arial Narrow"/>
+                <a:cs typeface="Arial Narrow"/>
+                <a:sym typeface="Arial Narrow"/>
+              </a:rPr>
+              <a:t>empanadas</a:t>
+            </a:r>
+            <a:r>
+              <a:rPr lang="en-US" sz="2000" b="0" i="0" u="none" strike="noStrike" cap="none" dirty="0">
+                <a:solidFill>
+                  <a:schemeClr val="lt1"/>
+                </a:solidFill>
+                <a:latin typeface="Arial Narrow"/>
+                <a:ea typeface="Arial Narrow"/>
+                <a:cs typeface="Arial Narrow"/>
+                <a:sym typeface="Arial Narrow"/>
+              </a:rPr>
+              <a:t> (beef and cheese)</a:t>
+            </a:r>
+          </a:p>
+          <a:p>
+            <a:pPr marL="1003300" marR="0" lvl="1" indent="-381000" algn="l" rtl="0">
+              <a:lnSpc>
+                <a:spcPct val="100000"/>
+              </a:lnSpc>
+              <a:spcBef>
+                <a:spcPts val="0"/>
+              </a:spcBef>
+              <a:spcAft>
+                <a:spcPts val="0"/>
+              </a:spcAft>
+              <a:buClr>
+                <a:schemeClr val="lt1"/>
+              </a:buClr>
+              <a:buSzPts val="2000"/>
+              <a:buFont typeface="Arial Narrow"/>
+              <a:buChar char="○"/>
+            </a:pPr>
+            <a:endParaRPr lang="en-US" sz="2000" b="0" i="0" u="none" strike="noStrike" cap="none" dirty="0">
+              <a:solidFill>
+                <a:schemeClr val="lt1"/>
+              </a:solidFill>
+              <a:latin typeface="Arial Narrow"/>
+              <a:ea typeface="Arial Narrow"/>
+              <a:cs typeface="Arial Narrow"/>
+              <a:sym typeface="Arial Narrow"/>
+            </a:endParaRPr>
+          </a:p>
+          <a:p>
+            <a:pPr marL="508000" marR="0" lvl="0" indent="-349250" algn="l" rtl="0">
+              <a:lnSpc>
+                <a:spcPct val="100000"/>
+              </a:lnSpc>
+              <a:spcBef>
+                <a:spcPts val="0"/>
+              </a:spcBef>
+              <a:spcAft>
+                <a:spcPts val="0"/>
+              </a:spcAft>
+              <a:buClr>
+                <a:schemeClr val="lt1"/>
+              </a:buClr>
+              <a:buSzPts val="1500"/>
+              <a:buFont typeface="Arial Narrow"/>
+              <a:buChar char="●"/>
+            </a:pPr>
+            <a:r>
+              <a:rPr lang="en-US" sz="2000" b="1" i="0" u="none" strike="noStrike" cap="none" dirty="0" err="1">
+                <a:solidFill>
+                  <a:schemeClr val="lt1"/>
+                </a:solidFill>
+                <a:latin typeface="Arial Narrow"/>
+                <a:ea typeface="Arial Narrow"/>
+                <a:cs typeface="Arial Narrow"/>
+                <a:sym typeface="Arial Narrow"/>
+              </a:rPr>
+              <a:t>Pincho</a:t>
+            </a:r>
+            <a:r>
+              <a:rPr lang="en-US" sz="2000" b="1" i="0" u="none" strike="noStrike" cap="none" dirty="0">
+                <a:solidFill>
+                  <a:schemeClr val="lt1"/>
+                </a:solidFill>
+                <a:latin typeface="Arial Narrow"/>
+                <a:ea typeface="Arial Narrow"/>
+                <a:cs typeface="Arial Narrow"/>
+                <a:sym typeface="Arial Narrow"/>
+              </a:rPr>
+              <a:t> Fries</a:t>
+            </a:r>
+            <a:r>
+              <a:rPr lang="en-US" sz="2000" i="0" u="none" strike="noStrike" cap="none" dirty="0">
+                <a:solidFill>
+                  <a:schemeClr val="lt1"/>
+                </a:solidFill>
+                <a:latin typeface="Arial Narrow"/>
+                <a:ea typeface="Arial Narrow"/>
+                <a:cs typeface="Arial Narrow"/>
+                <a:sym typeface="Arial Narrow"/>
+              </a:rPr>
+              <a:t> .........................................</a:t>
+            </a:r>
+            <a:r>
+              <a:rPr lang="en-US" sz="2000" b="0" i="0" u="none" strike="noStrike" cap="none" dirty="0">
+                <a:solidFill>
+                  <a:schemeClr val="lt1"/>
+                </a:solidFill>
+                <a:latin typeface="Arial Narrow"/>
+                <a:ea typeface="Arial Narrow"/>
+                <a:cs typeface="Arial Narrow"/>
+                <a:sym typeface="Arial Narrow"/>
+              </a:rPr>
+              <a:t>........................................</a:t>
+            </a:r>
+            <a:r>
+              <a:rPr lang="en-US" sz="2000" dirty="0">
+                <a:solidFill>
+                  <a:srgbClr val="8CD872"/>
+                </a:solidFill>
+                <a:latin typeface="Arial Narrow"/>
+                <a:ea typeface="Arial Narrow"/>
+                <a:cs typeface="Arial Narrow"/>
+                <a:sym typeface="Arial Narrow"/>
+              </a:rPr>
+              <a:t> </a:t>
+            </a:r>
+            <a:r>
+              <a:rPr lang="en-US" sz="2000" b="1" dirty="0">
+                <a:solidFill>
+                  <a:srgbClr val="8CD872"/>
+                </a:solidFill>
+                <a:latin typeface="Arial Narrow"/>
+                <a:ea typeface="Arial Narrow"/>
+                <a:cs typeface="Arial Narrow"/>
+                <a:sym typeface="Arial Narrow"/>
+              </a:rPr>
+              <a:t>18</a:t>
+            </a:r>
+            <a:endParaRPr lang="en-US" sz="2000" b="1" i="0" u="none" strike="noStrike" cap="none" dirty="0">
+              <a:solidFill>
+                <a:srgbClr val="8CD872"/>
+              </a:solidFill>
+              <a:latin typeface="Arial Narrow"/>
+              <a:ea typeface="Arial Narrow"/>
+              <a:cs typeface="Arial Narrow"/>
+              <a:sym typeface="Arial Narrow"/>
+            </a:endParaRPr>
+          </a:p>
+          <a:p>
+            <a:pPr marL="1003300" marR="0" lvl="1" indent="-381000" algn="l" rtl="0">
+              <a:lnSpc>
+                <a:spcPct val="100000"/>
+              </a:lnSpc>
+              <a:spcBef>
+                <a:spcPts val="0"/>
+              </a:spcBef>
+              <a:spcAft>
+                <a:spcPts val="0"/>
+              </a:spcAft>
+              <a:buClr>
+                <a:schemeClr val="lt1"/>
+              </a:buClr>
+              <a:buSzPts val="2000"/>
+              <a:buFont typeface="Arial Narrow"/>
+              <a:buChar char="○"/>
+            </a:pPr>
+            <a:r>
+              <a:rPr lang="en-US" sz="2000" b="0" i="0" u="none" strike="noStrike" cap="none" dirty="0">
+                <a:solidFill>
+                  <a:schemeClr val="lt1"/>
+                </a:solidFill>
+                <a:latin typeface="Arial Narrow"/>
+                <a:ea typeface="Arial Narrow"/>
+                <a:cs typeface="Arial Narrow"/>
+                <a:sym typeface="Arial Narrow"/>
+              </a:rPr>
+              <a:t>Includes </a:t>
+            </a:r>
+            <a:r>
+              <a:rPr lang="en-US" sz="2000" i="0" u="none" strike="noStrike" cap="none" dirty="0">
+                <a:solidFill>
+                  <a:schemeClr val="lt1"/>
+                </a:solidFill>
+                <a:latin typeface="Arial Narrow"/>
+                <a:ea typeface="Arial Narrow"/>
+                <a:cs typeface="Arial Narrow"/>
+                <a:sym typeface="Arial Narrow"/>
+              </a:rPr>
+              <a:t>smoked ch</a:t>
+            </a:r>
+            <a:r>
+              <a:rPr lang="en-US" sz="2000" dirty="0">
+                <a:solidFill>
+                  <a:schemeClr val="lt1"/>
+                </a:solidFill>
+                <a:latin typeface="Arial Narrow"/>
+                <a:ea typeface="Arial Narrow"/>
+                <a:cs typeface="Arial Narrow"/>
+                <a:sym typeface="Arial Narrow"/>
+              </a:rPr>
+              <a:t>icken, cheese, guava BBQ, and cilantro</a:t>
+            </a:r>
+            <a:endParaRPr lang="en-US" sz="2000" i="0" u="none" strike="noStrike" cap="none" dirty="0">
+              <a:solidFill>
+                <a:schemeClr val="lt1"/>
+              </a:solidFill>
+              <a:latin typeface="Arial Narrow"/>
+              <a:ea typeface="Arial Narrow"/>
+              <a:cs typeface="Arial Narrow"/>
+              <a:sym typeface="Arial Narrow"/>
+            </a:endParaRPr>
+          </a:p>
+          <a:p>
+            <a:pPr marL="508000" marR="0" lvl="0" indent="-349250" algn="l" rtl="0">
+              <a:lnSpc>
+                <a:spcPct val="100000"/>
+              </a:lnSpc>
+              <a:spcBef>
+                <a:spcPts val="0"/>
+              </a:spcBef>
+              <a:spcAft>
+                <a:spcPts val="0"/>
+              </a:spcAft>
+              <a:buClr>
+                <a:schemeClr val="lt1"/>
+              </a:buClr>
+              <a:buSzPts val="1500"/>
+              <a:buFont typeface="Arial Narrow"/>
+              <a:buChar char="●"/>
+            </a:pPr>
+            <a:r>
+              <a:rPr lang="en-US" sz="2000" b="1" i="0" u="none" strike="noStrike" cap="none" dirty="0">
+                <a:solidFill>
+                  <a:schemeClr val="lt1"/>
+                </a:solidFill>
+                <a:latin typeface="Arial Narrow"/>
+                <a:ea typeface="Arial Narrow"/>
+                <a:cs typeface="Arial Narrow"/>
+                <a:sym typeface="Arial Narrow"/>
+              </a:rPr>
+              <a:t>Regular Fries </a:t>
+            </a:r>
+            <a:r>
+              <a:rPr lang="en-US" sz="2000" i="0" u="none" strike="noStrike" cap="none" dirty="0">
+                <a:solidFill>
+                  <a:schemeClr val="lt1"/>
+                </a:solidFill>
+                <a:latin typeface="Arial Narrow"/>
+                <a:ea typeface="Arial Narrow"/>
+                <a:cs typeface="Arial Narrow"/>
+                <a:sym typeface="Arial Narrow"/>
+              </a:rPr>
+              <a:t>……………..……………..........................................</a:t>
+            </a:r>
+            <a:r>
+              <a:rPr lang="en-US" sz="2000" b="0" i="0" u="none" strike="noStrike" cap="none" dirty="0">
+                <a:solidFill>
+                  <a:schemeClr val="lt1"/>
+                </a:solidFill>
+                <a:latin typeface="Arial Narrow"/>
+                <a:ea typeface="Arial Narrow"/>
+                <a:cs typeface="Arial Narrow"/>
+                <a:sym typeface="Arial Narrow"/>
+              </a:rPr>
+              <a:t>.</a:t>
+            </a:r>
+            <a:r>
+              <a:rPr lang="en-US" sz="2000" dirty="0">
+                <a:solidFill>
+                  <a:srgbClr val="8CD872"/>
+                </a:solidFill>
+                <a:latin typeface="Arial Narrow"/>
+                <a:ea typeface="Arial Narrow"/>
+                <a:cs typeface="Arial Narrow"/>
+                <a:sym typeface="Arial Narrow"/>
+              </a:rPr>
+              <a:t> </a:t>
+            </a:r>
+            <a:r>
+              <a:rPr lang="en-US" sz="2000" b="1" dirty="0">
+                <a:solidFill>
+                  <a:srgbClr val="8CD872"/>
+                </a:solidFill>
+                <a:latin typeface="Arial Narrow"/>
+                <a:ea typeface="Arial Narrow"/>
+                <a:cs typeface="Arial Narrow"/>
+                <a:sym typeface="Arial Narrow"/>
+              </a:rPr>
+              <a:t>9</a:t>
+            </a:r>
+            <a:endParaRPr lang="en-US" sz="2000" b="0" i="0" u="none" strike="noStrike" cap="none" dirty="0">
+              <a:solidFill>
+                <a:schemeClr val="lt1"/>
+              </a:solidFill>
+              <a:latin typeface="Arial Narrow"/>
+              <a:ea typeface="Arial Narrow"/>
+              <a:cs typeface="Arial Narrow"/>
+              <a:sym typeface="Arial Narrow"/>
+            </a:endParaRPr>
+          </a:p>
+          <a:p>
+            <a:pPr marL="508000" marR="0" lvl="0" indent="-349250" algn="l" rtl="0">
+              <a:lnSpc>
+                <a:spcPct val="100000"/>
+              </a:lnSpc>
+              <a:spcBef>
+                <a:spcPts val="0"/>
+              </a:spcBef>
+              <a:spcAft>
+                <a:spcPts val="0"/>
+              </a:spcAft>
+              <a:buClr>
+                <a:schemeClr val="lt1"/>
+              </a:buClr>
+              <a:buSzPts val="1500"/>
+              <a:buFont typeface="Arial Narrow"/>
+              <a:buChar char="●"/>
+            </a:pPr>
+            <a:r>
+              <a:rPr lang="en-US" sz="2000" b="1" dirty="0">
+                <a:solidFill>
+                  <a:schemeClr val="lt1"/>
+                </a:solidFill>
+                <a:latin typeface="Arial Narrow"/>
+                <a:ea typeface="Arial Narrow"/>
+                <a:cs typeface="Arial Narrow"/>
+                <a:sym typeface="Arial Narrow"/>
+              </a:rPr>
+              <a:t>Homestyle Fries</a:t>
+            </a:r>
+            <a:r>
+              <a:rPr lang="en-US" sz="1600" b="1" dirty="0">
+                <a:solidFill>
+                  <a:schemeClr val="lt1"/>
+                </a:solidFill>
+                <a:latin typeface="Arial Narrow"/>
+                <a:ea typeface="Arial Narrow"/>
+                <a:cs typeface="Arial Narrow"/>
+                <a:sym typeface="Arial Narrow"/>
+              </a:rPr>
+              <a:t> </a:t>
+            </a:r>
+            <a:r>
+              <a:rPr lang="en-US" sz="2000" b="1" i="0" u="none" strike="noStrike" cap="none" dirty="0">
+                <a:solidFill>
+                  <a:schemeClr val="lt1"/>
+                </a:solidFill>
+                <a:latin typeface="Arial Narrow"/>
+                <a:ea typeface="Arial Narrow"/>
+                <a:cs typeface="Arial Narrow"/>
+                <a:sym typeface="Arial Narrow"/>
+              </a:rPr>
+              <a:t> </a:t>
+            </a:r>
+            <a:r>
+              <a:rPr lang="en-US" sz="2000" i="0" u="none" strike="noStrike" cap="none" dirty="0">
+                <a:solidFill>
+                  <a:schemeClr val="lt1"/>
+                </a:solidFill>
+                <a:latin typeface="Arial Narrow"/>
+                <a:ea typeface="Arial Narrow"/>
+                <a:cs typeface="Arial Narrow"/>
+                <a:sym typeface="Arial Narrow"/>
+              </a:rPr>
+              <a:t>…….………………….........................................</a:t>
+            </a:r>
+            <a:r>
+              <a:rPr lang="en-US" sz="2000" b="0" i="0" u="none" strike="noStrike" cap="none" dirty="0">
+                <a:solidFill>
+                  <a:schemeClr val="lt1"/>
+                </a:solidFill>
+                <a:latin typeface="Arial Narrow"/>
+                <a:ea typeface="Arial Narrow"/>
+                <a:cs typeface="Arial Narrow"/>
+                <a:sym typeface="Arial Narrow"/>
+              </a:rPr>
+              <a:t>.</a:t>
+            </a:r>
+            <a:r>
+              <a:rPr lang="en-US" sz="2000" dirty="0">
+                <a:solidFill>
+                  <a:srgbClr val="8CD872"/>
+                </a:solidFill>
+                <a:latin typeface="Arial Narrow"/>
+                <a:ea typeface="Arial Narrow"/>
+                <a:cs typeface="Arial Narrow"/>
+                <a:sym typeface="Arial Narrow"/>
+              </a:rPr>
+              <a:t> </a:t>
+            </a:r>
+            <a:r>
+              <a:rPr lang="en-US" sz="2000" b="1" dirty="0">
+                <a:solidFill>
+                  <a:srgbClr val="8CD872"/>
+                </a:solidFill>
+                <a:latin typeface="Arial Narrow"/>
+                <a:ea typeface="Arial Narrow"/>
+                <a:cs typeface="Arial Narrow"/>
+                <a:sym typeface="Arial Narrow"/>
+              </a:rPr>
+              <a:t>5</a:t>
+            </a:r>
+            <a:br>
+              <a:rPr lang="en-US" sz="600" b="0" i="0" u="none" strike="noStrike" cap="none" dirty="0">
+                <a:solidFill>
+                  <a:schemeClr val="lt1"/>
+                </a:solidFill>
+                <a:latin typeface="Arial Narrow"/>
+                <a:ea typeface="Arial Narrow"/>
+                <a:cs typeface="Arial Narrow"/>
+                <a:sym typeface="Arial Narrow"/>
+              </a:rPr>
+            </a:br>
+            <a:endParaRPr sz="900" b="0" i="0" u="none" strike="noStrike" cap="none" dirty="0">
+              <a:solidFill>
+                <a:schemeClr val="lt1"/>
+              </a:solidFill>
+              <a:latin typeface="Arial Narrow"/>
+              <a:ea typeface="Arial Narrow"/>
+              <a:cs typeface="Arial Narrow"/>
+              <a:sym typeface="Arial Narrow"/>
+            </a:endParaRPr>
+          </a:p>
+        </p:txBody>
+      </p:sp>
+      <p:grpSp>
+        <p:nvGrpSpPr>
+          <p:cNvPr id="3" name="Group 2">
+            <a:extLst>
+              <a:ext uri="{FF2B5EF4-FFF2-40B4-BE49-F238E27FC236}">
+                <a16:creationId xmlns:a16="http://schemas.microsoft.com/office/drawing/2014/main" id="{3E17D531-448D-4279-979C-624A02988018}"/>
+              </a:ext>
+            </a:extLst>
+          </p:cNvPr>
+          <p:cNvGrpSpPr/>
+          <p:nvPr/>
+        </p:nvGrpSpPr>
+        <p:grpSpPr>
+          <a:xfrm>
+            <a:off x="616961" y="2980282"/>
+            <a:ext cx="767339" cy="1263632"/>
+            <a:chOff x="616961" y="2980282"/>
+            <a:chExt cx="767339" cy="1263632"/>
+          </a:xfrm>
+        </p:grpSpPr>
+        <p:grpSp>
+          <p:nvGrpSpPr>
+            <p:cNvPr id="2" name="Group 1">
+              <a:extLst>
+                <a:ext uri="{FF2B5EF4-FFF2-40B4-BE49-F238E27FC236}">
+                  <a16:creationId xmlns:a16="http://schemas.microsoft.com/office/drawing/2014/main" id="{E2324FCD-CD66-4312-9CC3-289E20792CB3}"/>
+                </a:ext>
+              </a:extLst>
+            </p:cNvPr>
+            <p:cNvGrpSpPr/>
+            <p:nvPr/>
+          </p:nvGrpSpPr>
+          <p:grpSpPr>
+            <a:xfrm>
+              <a:off x="616961" y="2980282"/>
+              <a:ext cx="767339" cy="1263632"/>
+              <a:chOff x="1832007" y="9525805"/>
+              <a:chExt cx="2222636" cy="3730290"/>
+            </a:xfrm>
+          </p:grpSpPr>
+          <p:sp>
+            <p:nvSpPr>
+              <p:cNvPr id="15" name="Rectangle 14">
+                <a:extLst>
+                  <a:ext uri="{FF2B5EF4-FFF2-40B4-BE49-F238E27FC236}">
+                    <a16:creationId xmlns:a16="http://schemas.microsoft.com/office/drawing/2014/main" id="{0FE03A10-83EE-4E62-8945-9652961EE2C4}"/>
+                  </a:ext>
+                </a:extLst>
+              </p:cNvPr>
+              <p:cNvSpPr/>
+              <p:nvPr/>
+            </p:nvSpPr>
+            <p:spPr>
+              <a:xfrm>
+                <a:off x="2993011" y="12888450"/>
+                <a:ext cx="1061632" cy="367645"/>
+              </a:xfrm>
+              <a:prstGeom prst="rect">
+                <a:avLst/>
+              </a:prstGeom>
+              <a:noFill/>
+              <a:ln>
+                <a:noFill/>
+              </a:ln>
+            </p:spPr>
+            <p:style>
+              <a:lnRef idx="2">
+                <a:schemeClr val="accent1">
+                  <a:shade val="50000"/>
+                </a:schemeClr>
+              </a:lnRef>
+              <a:fillRef idx="1">
+                <a:schemeClr val="accent1"/>
+              </a:fillRef>
+              <a:effectRef idx="0">
+                <a:schemeClr val="accent1"/>
+              </a:effectRef>
+              <a:fontRef idx="minor">
+                <a:schemeClr val="lt1"/>
+              </a:fontRef>
+            </p:style>
+            <p:txBody>
+              <a:bodyPr rtlCol="0" anchor="ctr"/>
+              <a:lstStyle/>
+              <a:p>
+                <a:pPr algn="ctr"/>
+                <a:endParaRPr lang="en-US"/>
+              </a:p>
+            </p:txBody>
+          </p:sp>
+          <p:cxnSp>
+            <p:nvCxnSpPr>
+              <p:cNvPr id="16" name="Connector: Elbow 15">
+                <a:extLst>
+                  <a:ext uri="{FF2B5EF4-FFF2-40B4-BE49-F238E27FC236}">
+                    <a16:creationId xmlns:a16="http://schemas.microsoft.com/office/drawing/2014/main" id="{89C2B68B-4555-4870-80E2-1E9EECA6FD23}"/>
+                  </a:ext>
+                </a:extLst>
+              </p:cNvPr>
+              <p:cNvCxnSpPr>
+                <a:cxnSpLocks/>
+                <a:endCxn id="15" idx="1"/>
+              </p:cNvCxnSpPr>
+              <p:nvPr/>
+            </p:nvCxnSpPr>
+            <p:spPr>
+              <a:xfrm rot="16200000" flipH="1">
+                <a:off x="639275" y="10718537"/>
+                <a:ext cx="3546468" cy="1161003"/>
+              </a:xfrm>
+              <a:prstGeom prst="bentConnector2">
+                <a:avLst/>
+              </a:prstGeom>
+              <a:ln w="19050" cap="rnd">
+                <a:solidFill>
+                  <a:schemeClr val="bg1"/>
+                </a:solidFill>
+                <a:prstDash val="sysDot"/>
+                <a:round/>
+                <a:tailEnd type="stealth"/>
+              </a:ln>
+            </p:spPr>
+            <p:style>
+              <a:lnRef idx="1">
+                <a:schemeClr val="accent1"/>
+              </a:lnRef>
+              <a:fillRef idx="0">
+                <a:schemeClr val="accent1"/>
+              </a:fillRef>
+              <a:effectRef idx="0">
+                <a:schemeClr val="accent1"/>
+              </a:effectRef>
+              <a:fontRef idx="minor">
+                <a:schemeClr val="tx1"/>
+              </a:fontRef>
+            </p:style>
+          </p:cxnSp>
+        </p:grpSp>
+        <p:grpSp>
+          <p:nvGrpSpPr>
+            <p:cNvPr id="18" name="Group 17">
+              <a:extLst>
+                <a:ext uri="{FF2B5EF4-FFF2-40B4-BE49-F238E27FC236}">
+                  <a16:creationId xmlns:a16="http://schemas.microsoft.com/office/drawing/2014/main" id="{D3358302-2F07-4480-9FFB-A14A74C449C8}"/>
+                </a:ext>
+              </a:extLst>
+            </p:cNvPr>
+            <p:cNvGrpSpPr/>
+            <p:nvPr/>
+          </p:nvGrpSpPr>
+          <p:grpSpPr>
+            <a:xfrm flipV="1">
+              <a:off x="1036708" y="3083798"/>
+              <a:ext cx="90277" cy="330917"/>
+              <a:chOff x="3085806" y="9913238"/>
+              <a:chExt cx="264234" cy="968572"/>
+            </a:xfrm>
+          </p:grpSpPr>
+          <p:cxnSp>
+            <p:nvCxnSpPr>
+              <p:cNvPr id="19" name="Straight Connector 18">
+                <a:extLst>
+                  <a:ext uri="{FF2B5EF4-FFF2-40B4-BE49-F238E27FC236}">
+                    <a16:creationId xmlns:a16="http://schemas.microsoft.com/office/drawing/2014/main" id="{EBF62D70-9FD7-4545-88C9-F38645F769EE}"/>
+                  </a:ext>
+                </a:extLst>
+              </p:cNvPr>
+              <p:cNvCxnSpPr>
+                <a:cxnSpLocks/>
+              </p:cNvCxnSpPr>
+              <p:nvPr/>
+            </p:nvCxnSpPr>
+            <p:spPr>
+              <a:xfrm>
+                <a:off x="3215474" y="9913238"/>
+                <a:ext cx="0" cy="968572"/>
+              </a:xfrm>
+              <a:prstGeom prst="line">
+                <a:avLst/>
+              </a:prstGeom>
+              <a:ln w="19050" cap="rnd">
+                <a:solidFill>
+                  <a:schemeClr val="bg1"/>
+                </a:solidFill>
+                <a:prstDash val="sysDot"/>
+              </a:ln>
+            </p:spPr>
+            <p:style>
+              <a:lnRef idx="1">
+                <a:schemeClr val="accent1"/>
+              </a:lnRef>
+              <a:fillRef idx="0">
+                <a:schemeClr val="accent1"/>
+              </a:fillRef>
+              <a:effectRef idx="0">
+                <a:schemeClr val="accent1"/>
+              </a:effectRef>
+              <a:fontRef idx="minor">
+                <a:schemeClr val="tx1"/>
+              </a:fontRef>
+            </p:style>
+          </p:cxnSp>
+          <p:sp>
+            <p:nvSpPr>
+              <p:cNvPr id="20" name="Oval 19">
+                <a:extLst>
+                  <a:ext uri="{FF2B5EF4-FFF2-40B4-BE49-F238E27FC236}">
+                    <a16:creationId xmlns:a16="http://schemas.microsoft.com/office/drawing/2014/main" id="{8DF4EC53-77B1-4B25-859B-4AFA5A873257}"/>
+                  </a:ext>
+                </a:extLst>
+              </p:cNvPr>
+              <p:cNvSpPr/>
+              <p:nvPr/>
+            </p:nvSpPr>
+            <p:spPr>
+              <a:xfrm>
+                <a:off x="3085806" y="10228896"/>
+                <a:ext cx="264234" cy="264232"/>
+              </a:xfrm>
+              <a:prstGeom prst="ellipse">
+                <a:avLst/>
+              </a:prstGeom>
+              <a:solidFill>
+                <a:srgbClr val="262626"/>
+              </a:solidFill>
+              <a:ln>
+                <a:noFill/>
+              </a:ln>
+            </p:spPr>
+            <p:style>
+              <a:lnRef idx="2">
+                <a:schemeClr val="accent1">
+                  <a:shade val="50000"/>
+                </a:schemeClr>
+              </a:lnRef>
+              <a:fillRef idx="1">
+                <a:schemeClr val="accent1"/>
+              </a:fillRef>
+              <a:effectRef idx="0">
+                <a:schemeClr val="accent1"/>
+              </a:effectRef>
+              <a:fontRef idx="minor">
+                <a:schemeClr val="lt1"/>
+              </a:fontRef>
+            </p:style>
+            <p:txBody>
+              <a:bodyPr rtlCol="0" anchor="ctr"/>
+              <a:lstStyle/>
+              <a:p>
+                <a:pPr algn="ctr"/>
+                <a:endParaRPr lang="en-US"/>
+              </a:p>
+            </p:txBody>
+          </p:sp>
+        </p:grpSp>
+      </p:grpSp>
     </p:spTree>
   </p:cSld>
   <p:clrMapOvr>

--- a/misc/Menu Letter 8.5 by 11 on 12-12-24/2_Letter_DaBeast Services Menu.pptx
+++ b/misc/Menu Letter 8.5 by 11 on 12-12-24/2_Letter_DaBeast Services Menu.pptx
@@ -16246,7 +16246,7 @@
               <a:buNone/>
             </a:pPr>
             <a:r>
-              <a:rPr lang="en-US" sz="1800" b="0" i="1" u="none" strike="noStrike" cap="none">
+              <a:rPr lang="en-US" sz="1800" b="0" i="1" u="none" strike="noStrike" cap="none" dirty="0">
                 <a:solidFill>
                   <a:schemeClr val="lt1"/>
                 </a:solidFill>
@@ -16255,9 +16255,21 @@
                 <a:cs typeface="Arial"/>
                 <a:sym typeface="Arial"/>
               </a:rPr>
-              <a:t>(719) 551-9409</a:t>
+              <a:t>(719</a:t>
             </a:r>
-            <a:endParaRPr sz="1500" b="0" i="0" u="none" strike="noStrike" cap="none">
+            <a:r>
+              <a:rPr lang="en-US" sz="1800" b="0" i="1" u="none" strike="noStrike" cap="none">
+                <a:solidFill>
+                  <a:schemeClr val="lt1"/>
+                </a:solidFill>
+                <a:latin typeface="Arial"/>
+                <a:ea typeface="Arial"/>
+                <a:cs typeface="Arial"/>
+                <a:sym typeface="Arial"/>
+              </a:rPr>
+              <a:t>) 243-2541</a:t>
+            </a:r>
+            <a:endParaRPr sz="1500" b="0" i="0" u="none" strike="noStrike" cap="none" dirty="0">
               <a:solidFill>
                 <a:srgbClr val="000000"/>
               </a:solidFill>
